--- a/BP/BP-ICAM 24 Mar 2021.pptx
+++ b/BP/BP-ICAM 24 Mar 2021.pptx
@@ -15,6 +15,8 @@
     <p:sldId id="261" r:id="rId10"/>
     <p:sldId id="262" r:id="rId11"/>
     <p:sldId id="263" r:id="rId12"/>
+    <p:sldId id="264" r:id="rId13"/>
+    <p:sldId id="265" r:id="rId14"/>
   </p:sldIdLst>
   <p:sldSz cx="12192000" cy="6858000"/>
   <p:notesSz cx="7772400" cy="10058400"/>
@@ -4584,7 +4586,19 @@
               <a:rPr b="0" lang="en-GB" sz="4400" spc="-1" strike="noStrike">
                 <a:latin typeface="Arial"/>
               </a:rPr>
-              <a:t>Click to edit the title text format</a:t>
+              <a:t>Click to edit </a:t>
+            </a:r>
+            <a:r>
+              <a:rPr b="0" lang="en-GB" sz="4400" spc="-1" strike="noStrike">
+                <a:latin typeface="Arial"/>
+              </a:rPr>
+              <a:t>the title text </a:t>
+            </a:r>
+            <a:r>
+              <a:rPr b="0" lang="en-GB" sz="4400" spc="-1" strike="noStrike">
+                <a:latin typeface="Arial"/>
+              </a:rPr>
+              <a:t>format</a:t>
             </a:r>
             <a:endParaRPr b="0" lang="en-GB" sz="4400" spc="-1" strike="noStrike">
               <a:latin typeface="Arial"/>
@@ -4808,9 +4822,127 @@
           <a:chExt cx="0" cy="0"/>
         </a:xfrm>
       </p:grpSpPr>
+      <p:sp>
+        <p:nvSpPr>
+          <p:cNvPr id="114" name="CustomShape 1"/>
+          <p:cNvSpPr/>
+          <p:nvPr/>
+        </p:nvSpPr>
+        <p:spPr>
+          <a:xfrm>
+            <a:off x="7934400" y="5528160"/>
+            <a:ext cx="3621240" cy="806760"/>
+          </a:xfrm>
+          <a:prstGeom prst="rect">
+            <a:avLst/>
+          </a:prstGeom>
+          <a:noFill/>
+          <a:ln>
+            <a:noFill/>
+          </a:ln>
+        </p:spPr>
+        <p:style>
+          <a:lnRef idx="0"/>
+          <a:fillRef idx="0"/>
+          <a:effectRef idx="0"/>
+          <a:fontRef idx="minor"/>
+        </p:style>
+        <p:txBody>
+          <a:bodyPr lIns="90000" rIns="90000" tIns="45000" bIns="45000"/>
+          <a:p>
+            <a:pPr>
+              <a:lnSpc>
+                <a:spcPct val="100000"/>
+              </a:lnSpc>
+            </a:pPr>
+            <a:r>
+              <a:rPr b="0" lang="en-GB" sz="1400" spc="-1" strike="noStrike">
+                <a:solidFill>
+                  <a:srgbClr val="000000"/>
+                </a:solidFill>
+                <a:latin typeface="arial"/>
+                <a:ea typeface="Calibri"/>
+              </a:rPr>
+              <a:t>Supervisors:</a:t>
+            </a:r>
+            <a:endParaRPr b="0" lang="en-GB" sz="1400" spc="-1" strike="noStrike">
+              <a:latin typeface="Arial"/>
+            </a:endParaRPr>
+          </a:p>
+          <a:p>
+            <a:pPr>
+              <a:lnSpc>
+                <a:spcPct val="100000"/>
+              </a:lnSpc>
+            </a:pPr>
+            <a:r>
+              <a:rPr b="0" lang="en-GB" sz="1400" spc="-1" strike="noStrike">
+                <a:solidFill>
+                  <a:srgbClr val="000000"/>
+                </a:solidFill>
+                <a:latin typeface="arial"/>
+                <a:ea typeface="Calibri"/>
+              </a:rPr>
+              <a:t>Professor C. C. Pain, Dr P. Salinas, Dr A. I. Obeysekara and Dr A. Nicolle (BP)</a:t>
+            </a:r>
+            <a:endParaRPr b="0" lang="en-GB" sz="1400" spc="-1" strike="noStrike">
+              <a:latin typeface="Arial"/>
+            </a:endParaRPr>
+          </a:p>
+        </p:txBody>
+      </p:sp>
+      <p:sp>
+        <p:nvSpPr>
+          <p:cNvPr id="115" name="CustomShape 2"/>
+          <p:cNvSpPr/>
+          <p:nvPr/>
+        </p:nvSpPr>
+        <p:spPr>
+          <a:xfrm>
+            <a:off x="540000" y="5312160"/>
+            <a:ext cx="2522520" cy="1022760"/>
+          </a:xfrm>
+          <a:prstGeom prst="rect">
+            <a:avLst/>
+          </a:prstGeom>
+          <a:noFill/>
+          <a:ln>
+            <a:noFill/>
+          </a:ln>
+        </p:spPr>
+        <p:style>
+          <a:lnRef idx="0"/>
+          <a:fillRef idx="0"/>
+          <a:effectRef idx="0"/>
+          <a:fontRef idx="minor"/>
+        </p:style>
+        <p:txBody>
+          <a:bodyPr lIns="90000" rIns="90000" tIns="45000" bIns="45000"/>
+          <a:p>
+            <a:pPr>
+              <a:lnSpc>
+                <a:spcPct val="100000"/>
+              </a:lnSpc>
+            </a:pPr>
+            <a:r>
+              <a:rPr b="0" lang="en-GB" sz="1400" spc="-1" strike="noStrike">
+                <a:solidFill>
+                  <a:srgbClr val="000000"/>
+                </a:solidFill>
+                <a:latin typeface="arial"/>
+                <a:ea typeface="Calibri"/>
+              </a:rPr>
+              <a:t>Applied Modelling and Computational Group, Department of Earth Science and Engineering</a:t>
+            </a:r>
+            <a:endParaRPr b="0" lang="en-GB" sz="1400" spc="-1" strike="noStrike">
+              <a:latin typeface="Arial"/>
+            </a:endParaRPr>
+          </a:p>
+        </p:txBody>
+      </p:sp>
       <p:pic>
         <p:nvPicPr>
-          <p:cNvPr id="114" name="Picture 6" descr=""/>
+          <p:cNvPr id="116" name="" descr=""/>
           <p:cNvPicPr/>
           <p:nvPr/>
         </p:nvPicPr>
@@ -4820,8 +4952,8 @@
         </p:blipFill>
         <p:spPr>
           <a:xfrm>
-            <a:off x="388440" y="333720"/>
-            <a:ext cx="1360800" cy="360360"/>
+            <a:off x="5040360" y="1431720"/>
+            <a:ext cx="1747080" cy="2303640"/>
           </a:xfrm>
           <a:prstGeom prst="rect">
             <a:avLst/>
@@ -4831,537 +4963,34 @@
           </a:ln>
         </p:spPr>
       </p:pic>
-      <p:sp>
-        <p:nvSpPr>
-          <p:cNvPr id="115" name="CustomShape 1"/>
-          <p:cNvSpPr/>
-          <p:nvPr/>
-        </p:nvSpPr>
-        <p:spPr>
-          <a:xfrm>
-            <a:off x="4720680" y="704520"/>
-            <a:ext cx="2741760" cy="456480"/>
-          </a:xfrm>
-          <a:prstGeom prst="rect">
-            <a:avLst/>
-          </a:prstGeom>
-          <a:noFill/>
-          <a:ln>
-            <a:noFill/>
-          </a:ln>
-        </p:spPr>
-        <p:style>
-          <a:lnRef idx="0"/>
-          <a:fillRef idx="0"/>
-          <a:effectRef idx="0"/>
-          <a:fontRef idx="minor"/>
-        </p:style>
-        <p:txBody>
-          <a:bodyPr lIns="90000" rIns="90000" tIns="45000" bIns="45000"/>
-          <a:p>
-            <a:pPr>
-              <a:lnSpc>
-                <a:spcPct val="100000"/>
-              </a:lnSpc>
-            </a:pPr>
-            <a:r>
-              <a:rPr b="1" lang="en-GB" sz="2400" spc="-1" strike="noStrike">
-                <a:solidFill>
-                  <a:srgbClr val="000000"/>
-                </a:solidFill>
-                <a:latin typeface="Arial"/>
-                <a:ea typeface="DejaVu Sans"/>
-              </a:rPr>
-              <a:t>Amin Nadimy</a:t>
-            </a:r>
-            <a:endParaRPr b="0" lang="en-GB" sz="2400" spc="-1" strike="noStrike">
-              <a:latin typeface="Arial"/>
-            </a:endParaRPr>
-          </a:p>
-        </p:txBody>
-      </p:sp>
-      <p:pic>
-        <p:nvPicPr>
-          <p:cNvPr id="116" name="Picture 6" descr=""/>
-          <p:cNvPicPr/>
-          <p:nvPr/>
-        </p:nvPicPr>
-        <p:blipFill>
-          <a:blip r:embed="rId2"/>
-          <a:stretch/>
-        </p:blipFill>
-        <p:spPr>
-          <a:xfrm>
-            <a:off x="10336680" y="334800"/>
-            <a:ext cx="986400" cy="1274400"/>
-          </a:xfrm>
-          <a:prstGeom prst="rect">
-            <a:avLst/>
-          </a:prstGeom>
-          <a:ln>
-            <a:noFill/>
-          </a:ln>
-        </p:spPr>
-      </p:pic>
-      <p:sp>
-        <p:nvSpPr>
-          <p:cNvPr id="117" name="CustomShape 2"/>
-          <p:cNvSpPr/>
-          <p:nvPr/>
-        </p:nvSpPr>
-        <p:spPr>
-          <a:xfrm>
-            <a:off x="4530240" y="6063840"/>
-            <a:ext cx="2741760" cy="600840"/>
-          </a:xfrm>
-          <a:prstGeom prst="rect">
-            <a:avLst/>
-          </a:prstGeom>
-          <a:noFill/>
-          <a:ln>
-            <a:noFill/>
-          </a:ln>
-        </p:spPr>
-        <p:style>
-          <a:lnRef idx="0"/>
-          <a:fillRef idx="0"/>
-          <a:effectRef idx="0"/>
-          <a:fontRef idx="minor"/>
-        </p:style>
-        <p:txBody>
-          <a:bodyPr lIns="90000" rIns="90000" tIns="45000" bIns="45000"/>
-          <a:p>
-            <a:pPr algn="ctr">
-              <a:lnSpc>
-                <a:spcPct val="90000"/>
-              </a:lnSpc>
-              <a:spcBef>
-                <a:spcPts val="1001"/>
-              </a:spcBef>
-            </a:pPr>
-            <a:r>
-              <a:rPr b="1" lang="en-GB" sz="1400" spc="-1" strike="noStrike">
-                <a:solidFill>
-                  <a:srgbClr val="002060"/>
-                </a:solidFill>
-                <a:latin typeface="Arial"/>
-                <a:ea typeface="Calibri"/>
-              </a:rPr>
-              <a:t>ICL-</a:t>
-            </a:r>
-            <a:r>
-              <a:rPr b="1" lang="en-GB" sz="1400" spc="-1" strike="noStrike">
-                <a:solidFill>
-                  <a:srgbClr val="0070c0"/>
-                </a:solidFill>
-                <a:latin typeface="Arial"/>
-                <a:ea typeface="Calibri"/>
-              </a:rPr>
-              <a:t>ICAM</a:t>
-            </a:r>
-            <a:r>
-              <a:rPr b="1" lang="en-GB" sz="1400" spc="-1" strike="noStrike">
-                <a:solidFill>
-                  <a:srgbClr val="002060"/>
-                </a:solidFill>
-                <a:latin typeface="Arial"/>
-                <a:ea typeface="Calibri"/>
-              </a:rPr>
-              <a:t>-BP Q1 Meeting</a:t>
-            </a:r>
-            <a:endParaRPr b="0" lang="en-GB" sz="1400" spc="-1" strike="noStrike">
-              <a:latin typeface="Arial"/>
-            </a:endParaRPr>
-          </a:p>
-          <a:p>
-            <a:pPr algn="ctr">
-              <a:lnSpc>
-                <a:spcPct val="90000"/>
-              </a:lnSpc>
-              <a:spcBef>
-                <a:spcPts val="1001"/>
-              </a:spcBef>
-            </a:pPr>
-            <a:r>
-              <a:rPr b="0" lang="en-GB" sz="1400" spc="-1" strike="noStrike">
-                <a:solidFill>
-                  <a:srgbClr val="000000"/>
-                </a:solidFill>
-                <a:latin typeface="Arial"/>
-                <a:ea typeface="Calibri"/>
-              </a:rPr>
-              <a:t>24</a:t>
-            </a:r>
-            <a:r>
-              <a:rPr b="0" lang="en-GB" sz="1400" spc="-1" strike="noStrike" baseline="30000">
-                <a:solidFill>
-                  <a:srgbClr val="000000"/>
-                </a:solidFill>
-                <a:latin typeface="Arial"/>
-                <a:ea typeface="Calibri"/>
-              </a:rPr>
-              <a:t>th</a:t>
-            </a:r>
-            <a:r>
-              <a:rPr b="0" lang="en-GB" sz="1400" spc="-1" strike="noStrike">
-                <a:solidFill>
-                  <a:srgbClr val="000000"/>
-                </a:solidFill>
-                <a:latin typeface="Arial"/>
-                <a:ea typeface="Calibri"/>
-              </a:rPr>
-              <a:t> March 2021</a:t>
-            </a:r>
-            <a:endParaRPr b="0" lang="en-GB" sz="1400" spc="-1" strike="noStrike">
-              <a:latin typeface="Arial"/>
-            </a:endParaRPr>
-          </a:p>
-        </p:txBody>
-      </p:sp>
-      <p:sp>
-        <p:nvSpPr>
-          <p:cNvPr id="118" name="CustomShape 3"/>
-          <p:cNvSpPr/>
-          <p:nvPr/>
-        </p:nvSpPr>
-        <p:spPr>
-          <a:xfrm>
-            <a:off x="360000" y="1401120"/>
-            <a:ext cx="5039640" cy="542520"/>
-          </a:xfrm>
-          <a:prstGeom prst="rect">
-            <a:avLst/>
-          </a:prstGeom>
-          <a:noFill/>
-          <a:ln>
-            <a:noFill/>
-          </a:ln>
-        </p:spPr>
-        <p:style>
-          <a:lnRef idx="0"/>
-          <a:fillRef idx="0"/>
-          <a:effectRef idx="0"/>
-          <a:fontRef idx="minor"/>
-        </p:style>
-        <p:txBody>
-          <a:bodyPr lIns="90000" rIns="90000" tIns="45000" bIns="45000"/>
-          <a:p>
-            <a:pPr>
-              <a:lnSpc>
-                <a:spcPct val="100000"/>
-              </a:lnSpc>
-            </a:pPr>
-            <a:r>
-              <a:rPr b="1" lang="en-GB" sz="1800" spc="-1" strike="noStrike">
-                <a:solidFill>
-                  <a:srgbClr val="000000"/>
-                </a:solidFill>
-                <a:latin typeface="Arial"/>
-                <a:ea typeface="Calibri"/>
-              </a:rPr>
-              <a:t>- 1D-DG Petrov-Galerkin FEM: </a:t>
-            </a:r>
-            <a:r>
-              <a:rPr b="0" lang="en-GB" sz="1800" spc="-1" strike="noStrike">
-                <a:solidFill>
-                  <a:srgbClr val="000000"/>
-                </a:solidFill>
-                <a:latin typeface="Arial"/>
-                <a:ea typeface="Calibri"/>
-              </a:rPr>
-              <a:t>2 documents</a:t>
-            </a:r>
-            <a:endParaRPr b="0" lang="en-GB" sz="1800" spc="-1" strike="noStrike">
-              <a:latin typeface="Arial"/>
-            </a:endParaRPr>
-          </a:p>
-          <a:p>
-            <a:pPr>
-              <a:lnSpc>
-                <a:spcPct val="100000"/>
-              </a:lnSpc>
-            </a:pPr>
-            <a:endParaRPr b="0" lang="en-GB" sz="1800" spc="-1" strike="noStrike">
-              <a:latin typeface="Arial"/>
-            </a:endParaRPr>
-          </a:p>
-          <a:p>
-            <a:pPr>
-              <a:lnSpc>
-                <a:spcPct val="100000"/>
-              </a:lnSpc>
-            </a:pPr>
-            <a:endParaRPr b="0" lang="en-GB" sz="1800" spc="-1" strike="noStrike">
-              <a:latin typeface="Arial"/>
-            </a:endParaRPr>
-          </a:p>
-        </p:txBody>
-      </p:sp>
-      <p:sp>
-        <p:nvSpPr>
-          <p:cNvPr id="119" name="CustomShape 4"/>
-          <p:cNvSpPr/>
-          <p:nvPr/>
-        </p:nvSpPr>
-        <p:spPr>
-          <a:xfrm>
-            <a:off x="322560" y="1800000"/>
-            <a:ext cx="1261080" cy="431640"/>
-          </a:xfrm>
-          <a:prstGeom prst="rect">
-            <a:avLst/>
-          </a:prstGeom>
-          <a:noFill/>
-          <a:ln>
-            <a:noFill/>
-          </a:ln>
-        </p:spPr>
-        <p:style>
-          <a:lnRef idx="0"/>
-          <a:fillRef idx="0"/>
-          <a:effectRef idx="0"/>
-          <a:fontRef idx="minor"/>
-        </p:style>
-        <p:txBody>
-          <a:bodyPr lIns="90000" rIns="90000" tIns="45000" bIns="45000"/>
-          <a:p>
-            <a:pPr>
-              <a:lnSpc>
-                <a:spcPct val="100000"/>
-              </a:lnSpc>
-            </a:pPr>
-            <a:r>
-              <a:rPr b="0" lang="en-GB" sz="1800" spc="-1" strike="noStrike">
-                <a:solidFill>
-                  <a:srgbClr val="0066b3"/>
-                </a:solidFill>
-                <a:latin typeface="Arial"/>
-                <a:ea typeface="Calibri"/>
-              </a:rPr>
-              <a:t>1- Report</a:t>
-            </a:r>
-            <a:r>
-              <a:rPr b="0" lang="en-GB" sz="1800" spc="-1" strike="noStrike">
-                <a:solidFill>
-                  <a:srgbClr val="000000"/>
-                </a:solidFill>
-                <a:latin typeface="Arial"/>
-                <a:ea typeface="Calibri"/>
-              </a:rPr>
-              <a:t> </a:t>
-            </a:r>
-            <a:endParaRPr b="0" lang="en-GB" sz="1800" spc="-1" strike="noStrike">
-              <a:latin typeface="Arial"/>
-            </a:endParaRPr>
-          </a:p>
-          <a:p>
-            <a:pPr>
-              <a:lnSpc>
-                <a:spcPct val="100000"/>
-              </a:lnSpc>
-            </a:pPr>
-            <a:endParaRPr b="0" lang="en-GB" sz="1800" spc="-1" strike="noStrike">
-              <a:latin typeface="Arial"/>
-            </a:endParaRPr>
-          </a:p>
-          <a:p>
-            <a:pPr>
-              <a:lnSpc>
-                <a:spcPct val="100000"/>
-              </a:lnSpc>
-            </a:pPr>
-            <a:endParaRPr b="0" lang="en-GB" sz="1800" spc="-1" strike="noStrike">
-              <a:latin typeface="Arial"/>
-            </a:endParaRPr>
-          </a:p>
-          <a:p>
-            <a:pPr>
-              <a:lnSpc>
-                <a:spcPct val="100000"/>
-              </a:lnSpc>
-            </a:pPr>
-            <a:endParaRPr b="0" lang="en-GB" sz="1800" spc="-1" strike="noStrike">
-              <a:latin typeface="Arial"/>
-            </a:endParaRPr>
-          </a:p>
-        </p:txBody>
-      </p:sp>
-      <p:sp>
-        <p:nvSpPr>
-          <p:cNvPr id="120" name="CustomShape 5"/>
-          <p:cNvSpPr/>
-          <p:nvPr/>
-        </p:nvSpPr>
-        <p:spPr>
-          <a:xfrm>
-            <a:off x="5760000" y="1800000"/>
-            <a:ext cx="1261080" cy="431640"/>
-          </a:xfrm>
-          <a:prstGeom prst="rect">
-            <a:avLst/>
-          </a:prstGeom>
-          <a:noFill/>
-          <a:ln>
-            <a:noFill/>
-          </a:ln>
-        </p:spPr>
-        <p:style>
-          <a:lnRef idx="0"/>
-          <a:fillRef idx="0"/>
-          <a:effectRef idx="0"/>
-          <a:fontRef idx="minor"/>
-        </p:style>
-        <p:txBody>
-          <a:bodyPr lIns="90000" rIns="90000" tIns="45000" bIns="45000"/>
-          <a:p>
-            <a:pPr>
-              <a:lnSpc>
-                <a:spcPct val="100000"/>
-              </a:lnSpc>
-            </a:pPr>
-            <a:r>
-              <a:rPr b="0" lang="en-GB" sz="1800" spc="-1" strike="noStrike">
-                <a:solidFill>
-                  <a:srgbClr val="0066b3"/>
-                </a:solidFill>
-                <a:latin typeface="Arial"/>
-                <a:ea typeface="Calibri"/>
-              </a:rPr>
-              <a:t>1- Theory </a:t>
-            </a:r>
-            <a:endParaRPr b="0" lang="en-GB" sz="1800" spc="-1" strike="noStrike">
-              <a:latin typeface="Arial"/>
-            </a:endParaRPr>
-          </a:p>
-          <a:p>
-            <a:pPr>
-              <a:lnSpc>
-                <a:spcPct val="100000"/>
-              </a:lnSpc>
-            </a:pPr>
-            <a:endParaRPr b="0" lang="en-GB" sz="1800" spc="-1" strike="noStrike">
-              <a:latin typeface="Arial"/>
-            </a:endParaRPr>
-          </a:p>
-          <a:p>
-            <a:pPr>
-              <a:lnSpc>
-                <a:spcPct val="100000"/>
-              </a:lnSpc>
-            </a:pPr>
-            <a:endParaRPr b="0" lang="en-GB" sz="1800" spc="-1" strike="noStrike">
-              <a:latin typeface="Arial"/>
-            </a:endParaRPr>
-          </a:p>
-          <a:p>
-            <a:pPr>
-              <a:lnSpc>
-                <a:spcPct val="100000"/>
-              </a:lnSpc>
-            </a:pPr>
-            <a:endParaRPr b="0" lang="en-GB" sz="1800" spc="-1" strike="noStrike">
-              <a:latin typeface="Arial"/>
-            </a:endParaRPr>
-          </a:p>
-        </p:txBody>
-      </p:sp>
-      <p:pic>
-        <p:nvPicPr>
-          <p:cNvPr id="121" name="" descr=""/>
-          <p:cNvPicPr/>
-          <p:nvPr/>
-        </p:nvPicPr>
-        <p:blipFill>
-          <a:blip r:embed="rId3"/>
-          <a:stretch/>
-        </p:blipFill>
-        <p:spPr>
-          <a:xfrm>
-            <a:off x="7344000" y="1728000"/>
-            <a:ext cx="4018320" cy="4391640"/>
-          </a:xfrm>
-          <a:prstGeom prst="rect">
-            <a:avLst/>
-          </a:prstGeom>
-          <a:ln>
-            <a:noFill/>
-          </a:ln>
-        </p:spPr>
-      </p:pic>
-      <p:sp>
-        <p:nvSpPr>
-          <p:cNvPr id="122" name="CustomShape 6"/>
-          <p:cNvSpPr/>
-          <p:nvPr/>
-        </p:nvSpPr>
-        <p:spPr>
-          <a:xfrm flipH="1">
-            <a:off x="5900040" y="2491920"/>
-            <a:ext cx="9720" cy="2895840"/>
-          </a:xfrm>
-          <a:custGeom>
-            <a:avLst/>
-            <a:gdLst/>
-            <a:ahLst/>
-            <a:rect l="l" t="t" r="r" b="b"/>
-            <a:pathLst>
-              <a:path w="21600" h="21600">
-                <a:moveTo>
-                  <a:pt x="0" y="0"/>
-                </a:moveTo>
-                <a:lnTo>
-                  <a:pt x="21600" y="21600"/>
-                </a:lnTo>
-              </a:path>
-            </a:pathLst>
-          </a:custGeom>
-          <a:noFill/>
-          <a:ln cap="rnd" w="10080">
-            <a:solidFill>
-              <a:srgbClr val="0066b3"/>
-            </a:solidFill>
-            <a:custDash>
-              <a:ds d="800000" sp="800000"/>
-            </a:custDash>
-            <a:round/>
-          </a:ln>
-        </p:spPr>
-        <p:style>
-          <a:lnRef idx="0"/>
-          <a:fillRef idx="0"/>
-          <a:effectRef idx="0"/>
-          <a:fontRef idx="minor"/>
-        </p:style>
-      </p:sp>
       <p:grpSp>
         <p:nvGrpSpPr>
-          <p:cNvPr id="123" name="Group 7"/>
+          <p:cNvPr id="117" name="Group 3"/>
           <p:cNvGrpSpPr/>
           <p:nvPr/>
         </p:nvGrpSpPr>
         <p:grpSpPr>
           <a:xfrm>
-            <a:off x="1440000" y="1872000"/>
-            <a:ext cx="3959640" cy="4031280"/>
-            <a:chOff x="1440000" y="1872000"/>
-            <a:chExt cx="3959640" cy="4031280"/>
+            <a:off x="540000" y="1657800"/>
+            <a:ext cx="3275640" cy="1851480"/>
+            <a:chOff x="540000" y="1657800"/>
+            <a:chExt cx="3275640" cy="1851480"/>
           </a:xfrm>
         </p:grpSpPr>
         <p:pic>
           <p:nvPicPr>
-            <p:cNvPr id="124" name="" descr=""/>
+            <p:cNvPr id="118" name="Picture 2" descr=""/>
             <p:cNvPicPr/>
             <p:nvPr/>
           </p:nvPicPr>
           <p:blipFill>
-            <a:blip r:embed="rId4"/>
-            <a:srcRect l="0" t="0" r="0" b="13571"/>
+            <a:blip r:embed="rId2"/>
             <a:stretch/>
           </p:blipFill>
           <p:spPr>
             <a:xfrm>
-              <a:off x="1440000" y="1872000"/>
-              <a:ext cx="3959640" cy="4031280"/>
+              <a:off x="540000" y="2664720"/>
+              <a:ext cx="2098800" cy="844560"/>
             </a:xfrm>
             <a:prstGeom prst="rect">
               <a:avLst/>
@@ -5373,18 +5002,18 @@
         </p:pic>
         <p:pic>
           <p:nvPicPr>
-            <p:cNvPr id="125" name="" descr=""/>
+            <p:cNvPr id="119" name="" descr=""/>
             <p:cNvPicPr/>
             <p:nvPr/>
           </p:nvPicPr>
           <p:blipFill>
-            <a:blip r:embed="rId5"/>
+            <a:blip r:embed="rId3"/>
             <a:stretch/>
           </p:blipFill>
           <p:spPr>
             <a:xfrm>
-              <a:off x="2880000" y="5400000"/>
-              <a:ext cx="1367640" cy="378360"/>
+              <a:off x="540000" y="1657800"/>
+              <a:ext cx="3275640" cy="817200"/>
             </a:xfrm>
             <a:prstGeom prst="rect">
               <a:avLst/>
@@ -5395,6 +5024,193 @@
           </p:spPr>
         </p:pic>
       </p:grpSp>
+      <p:pic>
+        <p:nvPicPr>
+          <p:cNvPr id="120" name="" descr=""/>
+          <p:cNvPicPr/>
+          <p:nvPr/>
+        </p:nvPicPr>
+        <p:blipFill>
+          <a:blip r:embed="rId4"/>
+          <a:stretch/>
+        </p:blipFill>
+        <p:spPr>
+          <a:xfrm>
+            <a:off x="8011800" y="1733760"/>
+            <a:ext cx="3003840" cy="1699920"/>
+          </a:xfrm>
+          <a:prstGeom prst="rect">
+            <a:avLst/>
+          </a:prstGeom>
+          <a:ln>
+            <a:noFill/>
+          </a:ln>
+        </p:spPr>
+      </p:pic>
+      <p:sp>
+        <p:nvSpPr>
+          <p:cNvPr id="121" name="CustomShape 4"/>
+          <p:cNvSpPr/>
+          <p:nvPr/>
+        </p:nvSpPr>
+        <p:spPr>
+          <a:xfrm>
+            <a:off x="4833360" y="6215040"/>
+            <a:ext cx="2524680" cy="471960"/>
+          </a:xfrm>
+          <a:prstGeom prst="rect">
+            <a:avLst/>
+          </a:prstGeom>
+          <a:noFill/>
+          <a:ln>
+            <a:noFill/>
+          </a:ln>
+        </p:spPr>
+        <p:style>
+          <a:lnRef idx="0"/>
+          <a:fillRef idx="0"/>
+          <a:effectRef idx="0"/>
+          <a:fontRef idx="minor"/>
+        </p:style>
+        <p:txBody>
+          <a:bodyPr lIns="90000" rIns="90000" tIns="45000" bIns="45000"/>
+          <a:p>
+            <a:pPr algn="ctr">
+              <a:lnSpc>
+                <a:spcPct val="90000"/>
+              </a:lnSpc>
+              <a:spcBef>
+                <a:spcPts val="1001"/>
+              </a:spcBef>
+            </a:pPr>
+            <a:r>
+              <a:rPr b="1" lang="en-GB" sz="1400" spc="-1" strike="noStrike">
+                <a:solidFill>
+                  <a:srgbClr val="002060"/>
+                </a:solidFill>
+                <a:latin typeface="Arial"/>
+                <a:ea typeface="Calibri"/>
+              </a:rPr>
+              <a:t>ICL-</a:t>
+            </a:r>
+            <a:r>
+              <a:rPr b="1" lang="en-GB" sz="1400" spc="-1" strike="noStrike">
+                <a:solidFill>
+                  <a:srgbClr val="0070c0"/>
+                </a:solidFill>
+                <a:latin typeface="Arial"/>
+                <a:ea typeface="Calibri"/>
+              </a:rPr>
+              <a:t>ICAM</a:t>
+            </a:r>
+            <a:r>
+              <a:rPr b="1" lang="en-GB" sz="1400" spc="-1" strike="noStrike">
+                <a:solidFill>
+                  <a:srgbClr val="002060"/>
+                </a:solidFill>
+                <a:latin typeface="Arial"/>
+                <a:ea typeface="Calibri"/>
+              </a:rPr>
+              <a:t>-BP</a:t>
+            </a:r>
+            <a:endParaRPr b="0" lang="en-GB" sz="1400" spc="-1" strike="noStrike">
+              <a:latin typeface="Arial"/>
+            </a:endParaRPr>
+          </a:p>
+          <a:p>
+            <a:pPr algn="ctr">
+              <a:lnSpc>
+                <a:spcPct val="90000"/>
+              </a:lnSpc>
+              <a:spcBef>
+                <a:spcPts val="1001"/>
+              </a:spcBef>
+            </a:pPr>
+            <a:r>
+              <a:rPr b="0" lang="en-GB" sz="1400" spc="-1" strike="noStrike">
+                <a:solidFill>
+                  <a:srgbClr val="000000"/>
+                </a:solidFill>
+                <a:latin typeface="Arial"/>
+                <a:ea typeface="Calibri"/>
+              </a:rPr>
+              <a:t>24</a:t>
+            </a:r>
+            <a:r>
+              <a:rPr b="0" lang="en-GB" sz="1400" spc="-1" strike="noStrike" baseline="30000">
+                <a:solidFill>
+                  <a:srgbClr val="000000"/>
+                </a:solidFill>
+                <a:latin typeface="Arial"/>
+                <a:ea typeface="Calibri"/>
+              </a:rPr>
+              <a:t>th</a:t>
+            </a:r>
+            <a:r>
+              <a:rPr b="0" lang="en-GB" sz="1400" spc="-1" strike="noStrike">
+                <a:solidFill>
+                  <a:srgbClr val="000000"/>
+                </a:solidFill>
+                <a:latin typeface="Arial"/>
+                <a:ea typeface="Calibri"/>
+              </a:rPr>
+              <a:t> March 2021</a:t>
+            </a:r>
+            <a:endParaRPr b="0" lang="en-GB" sz="1400" spc="-1" strike="noStrike">
+              <a:latin typeface="Arial"/>
+            </a:endParaRPr>
+          </a:p>
+        </p:txBody>
+      </p:sp>
+      <p:sp>
+        <p:nvSpPr>
+          <p:cNvPr id="122" name="CustomShape 5"/>
+          <p:cNvSpPr/>
+          <p:nvPr/>
+        </p:nvSpPr>
+        <p:spPr>
+          <a:xfrm>
+            <a:off x="5000400" y="4520520"/>
+            <a:ext cx="2190960" cy="455760"/>
+          </a:xfrm>
+          <a:prstGeom prst="rect">
+            <a:avLst/>
+          </a:prstGeom>
+          <a:noFill/>
+          <a:ln>
+            <a:noFill/>
+          </a:ln>
+        </p:spPr>
+        <p:style>
+          <a:lnRef idx="0"/>
+          <a:fillRef idx="0"/>
+          <a:effectRef idx="0"/>
+          <a:fontRef idx="minor"/>
+        </p:style>
+        <p:txBody>
+          <a:bodyPr lIns="90000" rIns="90000" tIns="45000" bIns="45000"/>
+          <a:p>
+            <a:pPr>
+              <a:lnSpc>
+                <a:spcPct val="100000"/>
+              </a:lnSpc>
+            </a:pPr>
+            <a:r>
+              <a:rPr b="1" lang="en-GB" sz="2400" spc="-1" strike="noStrike">
+                <a:solidFill>
+                  <a:srgbClr val="000000"/>
+                </a:solidFill>
+                <a:latin typeface="Arial"/>
+                <a:ea typeface="DejaVu Sans"/>
+              </a:rPr>
+              <a:t>Amin Nadimy</a:t>
+            </a:r>
+            <a:endParaRPr b="0" lang="en-GB" sz="2400" spc="-1" strike="noStrike">
+              <a:latin typeface="Arial"/>
+            </a:endParaRPr>
+          </a:p>
+        </p:txBody>
+      </p:sp>
     </p:spTree>
   </p:cSld>
   <p:timing>
@@ -5404,6 +5220,849 @@
           <p:childTnLst>
             <p:seq>
               <p:cTn id="2" dur="indefinite" nodeType="mainSeq"/>
+              <p:prevCondLst>
+                <p:cond delay="0" evt="onPrev">
+                  <p:tgtEl>
+                    <p:sldTgt/>
+                  </p:tgtEl>
+                </p:cond>
+              </p:prevCondLst>
+              <p:nextCondLst>
+                <p:cond delay="0" evt="onNext">
+                  <p:tgtEl>
+                    <p:sldTgt/>
+                  </p:tgtEl>
+                </p:cond>
+              </p:nextCondLst>
+            </p:seq>
+          </p:childTnLst>
+        </p:cTn>
+      </p:par>
+    </p:tnLst>
+  </p:timing>
+</p:sld>
+</file>
+
+<file path=ppt/slides/slide10.xml><?xml version="1.0" encoding="utf-8"?>
+<p:sld xmlns:a="http://schemas.openxmlformats.org/drawingml/2006/main" xmlns:p="http://schemas.openxmlformats.org/presentationml/2006/main" xmlns:r="http://schemas.openxmlformats.org/officeDocument/2006/relationships" xmlns:p14="http://schemas.microsoft.com/office/powerpoint/2010/main" xmlns:p15="http://schemas.microsoft.com/office/powerpoint/2012/main" xmlns:mc="http://schemas.openxmlformats.org/markup-compatibility/2006">
+  <p:cSld>
+    <p:spTree>
+      <p:nvGrpSpPr>
+        <p:cNvPr id="1" name=""/>
+        <p:cNvGrpSpPr/>
+        <p:nvPr/>
+      </p:nvGrpSpPr>
+      <p:grpSpPr>
+        <a:xfrm>
+          <a:off x="0" y="0"/>
+          <a:ext cx="0" cy="0"/>
+          <a:chOff x="0" y="0"/>
+          <a:chExt cx="0" cy="0"/>
+        </a:xfrm>
+      </p:grpSpPr>
+      <p:sp>
+        <p:nvSpPr>
+          <p:cNvPr id="201" name="CustomShape 1"/>
+          <p:cNvSpPr/>
+          <p:nvPr/>
+        </p:nvSpPr>
+        <p:spPr>
+          <a:xfrm>
+            <a:off x="7925040" y="1531440"/>
+            <a:ext cx="3414960" cy="3381840"/>
+          </a:xfrm>
+          <a:prstGeom prst="rect">
+            <a:avLst/>
+          </a:prstGeom>
+          <a:noFill/>
+          <a:ln>
+            <a:noFill/>
+          </a:ln>
+        </p:spPr>
+        <p:style>
+          <a:lnRef idx="0"/>
+          <a:fillRef idx="0"/>
+          <a:effectRef idx="0"/>
+          <a:fontRef idx="minor"/>
+        </p:style>
+        <p:txBody>
+          <a:bodyPr lIns="90000" rIns="90000" tIns="45000" bIns="45000"/>
+          <a:p>
+            <a:pPr>
+              <a:lnSpc>
+                <a:spcPct val="100000"/>
+              </a:lnSpc>
+              <a:spcAft>
+                <a:spcPts val="567"/>
+              </a:spcAft>
+            </a:pPr>
+            <a:r>
+              <a:rPr b="1" lang="en-GB" sz="1800" spc="-1" strike="noStrike">
+                <a:solidFill>
+                  <a:srgbClr val="000000"/>
+                </a:solidFill>
+                <a:latin typeface="Arial"/>
+                <a:ea typeface="Calibri"/>
+              </a:rPr>
+              <a:t>Near-future work</a:t>
+            </a:r>
+            <a:endParaRPr b="0" lang="en-GB" sz="1800" spc="-1" strike="noStrike">
+              <a:latin typeface="Arial"/>
+            </a:endParaRPr>
+          </a:p>
+          <a:p>
+            <a:pPr>
+              <a:lnSpc>
+                <a:spcPct val="100000"/>
+              </a:lnSpc>
+              <a:spcAft>
+                <a:spcPts val="567"/>
+              </a:spcAft>
+            </a:pPr>
+            <a:endParaRPr b="0" lang="en-GB" sz="1800" spc="-1" strike="noStrike">
+              <a:latin typeface="Arial"/>
+            </a:endParaRPr>
+          </a:p>
+          <a:p>
+            <a:pPr marL="285840" indent="-283680">
+              <a:lnSpc>
+                <a:spcPct val="100000"/>
+              </a:lnSpc>
+              <a:spcAft>
+                <a:spcPts val="567"/>
+              </a:spcAft>
+              <a:buClr>
+                <a:srgbClr val="000000"/>
+              </a:buClr>
+              <a:buFont typeface="Arial,Sans-Serif"/>
+              <a:buChar char="•"/>
+            </a:pPr>
+            <a:r>
+              <a:rPr b="0" lang="en-GB" sz="1800" spc="-1" strike="noStrike">
+                <a:solidFill>
+                  <a:srgbClr val="000000"/>
+                </a:solidFill>
+                <a:latin typeface="Arial"/>
+                <a:ea typeface="Calibri"/>
+              </a:rPr>
+              <a:t>Will be working with Dr. Obeysekara on the mixing tank problem (end of March)</a:t>
+            </a:r>
+            <a:endParaRPr b="0" lang="en-GB" sz="1800" spc="-1" strike="noStrike">
+              <a:latin typeface="Arial"/>
+            </a:endParaRPr>
+          </a:p>
+          <a:p>
+            <a:pPr marL="285840" indent="-283680">
+              <a:lnSpc>
+                <a:spcPct val="100000"/>
+              </a:lnSpc>
+              <a:spcAft>
+                <a:spcPts val="567"/>
+              </a:spcAft>
+              <a:buClr>
+                <a:srgbClr val="000000"/>
+              </a:buClr>
+              <a:buFont typeface="Arial,Sans-Serif"/>
+              <a:buChar char="•"/>
+            </a:pPr>
+            <a:r>
+              <a:rPr b="0" lang="en-GB" sz="1800" spc="-1" strike="noStrike">
+                <a:solidFill>
+                  <a:srgbClr val="000000"/>
+                </a:solidFill>
+                <a:latin typeface="Arial"/>
+                <a:ea typeface="Calibri"/>
+              </a:rPr>
+              <a:t>2D 1st order square wave DG-FEM (end of March)</a:t>
+            </a:r>
+            <a:endParaRPr b="0" lang="en-GB" sz="1800" spc="-1" strike="noStrike">
+              <a:latin typeface="Arial"/>
+            </a:endParaRPr>
+          </a:p>
+          <a:p>
+            <a:pPr marL="285840" indent="-283680">
+              <a:lnSpc>
+                <a:spcPct val="100000"/>
+              </a:lnSpc>
+              <a:spcAft>
+                <a:spcPts val="567"/>
+              </a:spcAft>
+              <a:buClr>
+                <a:srgbClr val="000000"/>
+              </a:buClr>
+              <a:buFont typeface="Arial,Sans-Serif"/>
+              <a:buChar char="•"/>
+            </a:pPr>
+            <a:r>
+              <a:rPr b="0" lang="en-GB" sz="1800" spc="-1" strike="noStrike">
+                <a:solidFill>
+                  <a:srgbClr val="000000"/>
+                </a:solidFill>
+                <a:latin typeface="Arial"/>
+                <a:ea typeface="Calibri"/>
+              </a:rPr>
+              <a:t>semi-structured 2D DG-FEM. </a:t>
+            </a:r>
+            <a:endParaRPr b="0" lang="en-GB" sz="1800" spc="-1" strike="noStrike">
+              <a:latin typeface="Arial"/>
+            </a:endParaRPr>
+          </a:p>
+          <a:p>
+            <a:pPr marL="285840" indent="-283680">
+              <a:lnSpc>
+                <a:spcPct val="100000"/>
+              </a:lnSpc>
+              <a:spcAft>
+                <a:spcPts val="567"/>
+              </a:spcAft>
+              <a:buClr>
+                <a:srgbClr val="000000"/>
+              </a:buClr>
+              <a:buFont typeface="Arial"/>
+              <a:buChar char="•"/>
+            </a:pPr>
+            <a:r>
+              <a:rPr b="0" lang="en-GB" sz="1800" spc="-1" strike="noStrike">
+                <a:solidFill>
+                  <a:srgbClr val="000000"/>
+                </a:solidFill>
+                <a:latin typeface="Arial"/>
+                <a:ea typeface="Calibri"/>
+              </a:rPr>
+              <a:t>Will be work with Prof. Pain and others on the Fortran code for semi-structured and with space-time  within</a:t>
+            </a:r>
+            <a:br/>
+            <a:r>
+              <a:rPr b="0" lang="en-GB" sz="1800" spc="-1" strike="noStrike">
+                <a:solidFill>
+                  <a:srgbClr val="000000"/>
+                </a:solidFill>
+                <a:latin typeface="Arial"/>
+                <a:ea typeface="Calibri"/>
+              </a:rPr>
+              <a:t>ICFERST/FLUIDITY.</a:t>
+            </a:r>
+            <a:endParaRPr b="0" lang="en-GB" sz="1800" spc="-1" strike="noStrike">
+              <a:latin typeface="Arial"/>
+            </a:endParaRPr>
+          </a:p>
+          <a:p>
+            <a:pPr>
+              <a:lnSpc>
+                <a:spcPct val="100000"/>
+              </a:lnSpc>
+              <a:spcAft>
+                <a:spcPts val="567"/>
+              </a:spcAft>
+            </a:pPr>
+            <a:endParaRPr b="0" lang="en-GB" sz="1800" spc="-1" strike="noStrike">
+              <a:latin typeface="Arial"/>
+            </a:endParaRPr>
+          </a:p>
+        </p:txBody>
+      </p:sp>
+      <p:pic>
+        <p:nvPicPr>
+          <p:cNvPr id="202" name="Picture 6" descr=""/>
+          <p:cNvPicPr/>
+          <p:nvPr/>
+        </p:nvPicPr>
+        <p:blipFill>
+          <a:blip r:embed="rId1"/>
+          <a:stretch/>
+        </p:blipFill>
+        <p:spPr>
+          <a:xfrm>
+            <a:off x="388440" y="333720"/>
+            <a:ext cx="1360080" cy="359640"/>
+          </a:xfrm>
+          <a:prstGeom prst="rect">
+            <a:avLst/>
+          </a:prstGeom>
+          <a:ln>
+            <a:noFill/>
+          </a:ln>
+        </p:spPr>
+      </p:pic>
+      <p:pic>
+        <p:nvPicPr>
+          <p:cNvPr id="203" name="Picture 6" descr=""/>
+          <p:cNvPicPr/>
+          <p:nvPr/>
+        </p:nvPicPr>
+        <p:blipFill>
+          <a:blip r:embed="rId2"/>
+          <a:stretch/>
+        </p:blipFill>
+        <p:spPr>
+          <a:xfrm>
+            <a:off x="10336680" y="334800"/>
+            <a:ext cx="985680" cy="1273680"/>
+          </a:xfrm>
+          <a:prstGeom prst="rect">
+            <a:avLst/>
+          </a:prstGeom>
+          <a:ln>
+            <a:noFill/>
+          </a:ln>
+        </p:spPr>
+      </p:pic>
+      <p:sp>
+        <p:nvSpPr>
+          <p:cNvPr id="204" name="CustomShape 2"/>
+          <p:cNvSpPr/>
+          <p:nvPr/>
+        </p:nvSpPr>
+        <p:spPr>
+          <a:xfrm>
+            <a:off x="638280" y="1531440"/>
+            <a:ext cx="3348360" cy="2833200"/>
+          </a:xfrm>
+          <a:prstGeom prst="rect">
+            <a:avLst/>
+          </a:prstGeom>
+          <a:noFill/>
+          <a:ln>
+            <a:noFill/>
+          </a:ln>
+        </p:spPr>
+        <p:style>
+          <a:lnRef idx="0"/>
+          <a:fillRef idx="0"/>
+          <a:effectRef idx="0"/>
+          <a:fontRef idx="minor"/>
+        </p:style>
+        <p:txBody>
+          <a:bodyPr lIns="90000" rIns="90000" tIns="45000" bIns="45000"/>
+          <a:p>
+            <a:pPr>
+              <a:lnSpc>
+                <a:spcPct val="100000"/>
+              </a:lnSpc>
+              <a:spcAft>
+                <a:spcPts val="567"/>
+              </a:spcAft>
+            </a:pPr>
+            <a:r>
+              <a:rPr b="1" lang="en-GB" sz="1800" spc="-1" strike="noStrike">
+                <a:solidFill>
+                  <a:srgbClr val="000000"/>
+                </a:solidFill>
+                <a:latin typeface="Arial"/>
+                <a:ea typeface="Calibri"/>
+              </a:rPr>
+              <a:t>Regular weekly meetings</a:t>
+            </a:r>
+            <a:endParaRPr b="0" lang="en-GB" sz="1800" spc="-1" strike="noStrike">
+              <a:latin typeface="Arial"/>
+            </a:endParaRPr>
+          </a:p>
+          <a:p>
+            <a:pPr>
+              <a:lnSpc>
+                <a:spcPct val="100000"/>
+              </a:lnSpc>
+              <a:spcAft>
+                <a:spcPts val="567"/>
+              </a:spcAft>
+            </a:pPr>
+            <a:endParaRPr b="0" lang="en-GB" sz="1800" spc="-1" strike="noStrike">
+              <a:latin typeface="Arial"/>
+            </a:endParaRPr>
+          </a:p>
+          <a:p>
+            <a:pPr marL="285840" indent="-283680">
+              <a:lnSpc>
+                <a:spcPct val="100000"/>
+              </a:lnSpc>
+              <a:spcAft>
+                <a:spcPts val="567"/>
+              </a:spcAft>
+              <a:buClr>
+                <a:srgbClr val="000000"/>
+              </a:buClr>
+              <a:buFont typeface="Arial"/>
+              <a:buChar char="•"/>
+            </a:pPr>
+            <a:r>
+              <a:rPr b="0" lang="en-GB" sz="1800" spc="-1" strike="noStrike">
+                <a:solidFill>
+                  <a:srgbClr val="000000"/>
+                </a:solidFill>
+                <a:latin typeface="Arial"/>
+                <a:ea typeface="Calibri"/>
+              </a:rPr>
+              <a:t>AMCG catch-up</a:t>
+            </a:r>
+            <a:endParaRPr b="0" lang="en-GB" sz="1800" spc="-1" strike="noStrike">
+              <a:latin typeface="Arial"/>
+            </a:endParaRPr>
+          </a:p>
+          <a:p>
+            <a:pPr marL="285840" indent="-283680">
+              <a:lnSpc>
+                <a:spcPct val="100000"/>
+              </a:lnSpc>
+              <a:spcAft>
+                <a:spcPts val="567"/>
+              </a:spcAft>
+              <a:buClr>
+                <a:srgbClr val="000000"/>
+              </a:buClr>
+              <a:buFont typeface="Arial"/>
+              <a:buChar char="•"/>
+            </a:pPr>
+            <a:r>
+              <a:rPr b="0" lang="en-GB" sz="1800" spc="-1" strike="noStrike">
+                <a:solidFill>
+                  <a:srgbClr val="000000"/>
+                </a:solidFill>
+                <a:latin typeface="Arial"/>
+                <a:ea typeface="Calibri"/>
+              </a:rPr>
+              <a:t>Porous media/Inertia</a:t>
+            </a:r>
+            <a:endParaRPr b="0" lang="en-GB" sz="1800" spc="-1" strike="noStrike">
+              <a:latin typeface="Arial"/>
+            </a:endParaRPr>
+          </a:p>
+          <a:p>
+            <a:pPr marL="285840" indent="-283680">
+              <a:lnSpc>
+                <a:spcPct val="100000"/>
+              </a:lnSpc>
+              <a:spcAft>
+                <a:spcPts val="567"/>
+              </a:spcAft>
+              <a:buClr>
+                <a:srgbClr val="000000"/>
+              </a:buClr>
+              <a:buFont typeface="Arial"/>
+              <a:buChar char="•"/>
+            </a:pPr>
+            <a:r>
+              <a:rPr b="0" lang="en-GB" sz="1800" spc="-1" strike="noStrike">
+                <a:solidFill>
+                  <a:srgbClr val="000000"/>
+                </a:solidFill>
+                <a:latin typeface="Arial"/>
+                <a:ea typeface="Calibri"/>
+              </a:rPr>
+              <a:t>BP catch-up </a:t>
+            </a:r>
+            <a:endParaRPr b="0" lang="en-GB" sz="1800" spc="-1" strike="noStrike">
+              <a:latin typeface="Arial"/>
+            </a:endParaRPr>
+          </a:p>
+          <a:p>
+            <a:pPr>
+              <a:lnSpc>
+                <a:spcPct val="100000"/>
+              </a:lnSpc>
+              <a:spcAft>
+                <a:spcPts val="567"/>
+              </a:spcAft>
+            </a:pPr>
+            <a:endParaRPr b="0" lang="en-GB" sz="1800" spc="-1" strike="noStrike">
+              <a:latin typeface="Arial"/>
+            </a:endParaRPr>
+          </a:p>
+          <a:p>
+            <a:pPr>
+              <a:lnSpc>
+                <a:spcPct val="100000"/>
+              </a:lnSpc>
+              <a:spcAft>
+                <a:spcPts val="567"/>
+              </a:spcAft>
+            </a:pPr>
+            <a:endParaRPr b="0" lang="en-GB" sz="1800" spc="-1" strike="noStrike">
+              <a:latin typeface="Arial"/>
+            </a:endParaRPr>
+          </a:p>
+          <a:p>
+            <a:pPr>
+              <a:lnSpc>
+                <a:spcPct val="100000"/>
+              </a:lnSpc>
+              <a:spcAft>
+                <a:spcPts val="567"/>
+              </a:spcAft>
+            </a:pPr>
+            <a:endParaRPr b="0" lang="en-GB" sz="1800" spc="-1" strike="noStrike">
+              <a:latin typeface="Arial"/>
+            </a:endParaRPr>
+          </a:p>
+        </p:txBody>
+      </p:sp>
+      <p:sp>
+        <p:nvSpPr>
+          <p:cNvPr id="205" name="CustomShape 3"/>
+          <p:cNvSpPr/>
+          <p:nvPr/>
+        </p:nvSpPr>
+        <p:spPr>
+          <a:xfrm>
+            <a:off x="4140000" y="1531440"/>
+            <a:ext cx="3348360" cy="2833200"/>
+          </a:xfrm>
+          <a:prstGeom prst="rect">
+            <a:avLst/>
+          </a:prstGeom>
+          <a:noFill/>
+          <a:ln>
+            <a:noFill/>
+          </a:ln>
+        </p:spPr>
+        <p:style>
+          <a:lnRef idx="0"/>
+          <a:fillRef idx="0"/>
+          <a:effectRef idx="0"/>
+          <a:fontRef idx="minor"/>
+        </p:style>
+        <p:txBody>
+          <a:bodyPr lIns="90000" rIns="90000" tIns="45000" bIns="45000"/>
+          <a:p>
+            <a:pPr>
+              <a:lnSpc>
+                <a:spcPct val="100000"/>
+              </a:lnSpc>
+              <a:spcAft>
+                <a:spcPts val="567"/>
+              </a:spcAft>
+            </a:pPr>
+            <a:r>
+              <a:rPr b="1" lang="en-GB" sz="1800" spc="-1" strike="noStrike">
+                <a:solidFill>
+                  <a:srgbClr val="000000"/>
+                </a:solidFill>
+                <a:latin typeface="Arial"/>
+                <a:ea typeface="Calibri"/>
+              </a:rPr>
+              <a:t>Theory</a:t>
+            </a:r>
+            <a:endParaRPr b="0" lang="en-GB" sz="1800" spc="-1" strike="noStrike">
+              <a:latin typeface="Arial"/>
+            </a:endParaRPr>
+          </a:p>
+          <a:p>
+            <a:pPr>
+              <a:lnSpc>
+                <a:spcPct val="100000"/>
+              </a:lnSpc>
+              <a:spcAft>
+                <a:spcPts val="567"/>
+              </a:spcAft>
+            </a:pPr>
+            <a:endParaRPr b="0" lang="en-GB" sz="1800" spc="-1" strike="noStrike">
+              <a:latin typeface="Arial"/>
+            </a:endParaRPr>
+          </a:p>
+          <a:p>
+            <a:pPr marL="285840" indent="-283680">
+              <a:lnSpc>
+                <a:spcPct val="100000"/>
+              </a:lnSpc>
+              <a:spcAft>
+                <a:spcPts val="567"/>
+              </a:spcAft>
+              <a:buClr>
+                <a:srgbClr val="000000"/>
+              </a:buClr>
+              <a:buFont typeface="Arial"/>
+              <a:buChar char="•"/>
+            </a:pPr>
+            <a:r>
+              <a:rPr b="0" lang="en-GB" sz="1800" spc="-1" strike="noStrike">
+                <a:solidFill>
+                  <a:srgbClr val="000000"/>
+                </a:solidFill>
+                <a:latin typeface="Arial"/>
+                <a:ea typeface="Calibri"/>
+              </a:rPr>
+              <a:t>Delaunay and barycenter triangulation (a few days)</a:t>
+            </a:r>
+            <a:endParaRPr b="0" lang="en-GB" sz="1800" spc="-1" strike="noStrike">
+              <a:latin typeface="Arial"/>
+            </a:endParaRPr>
+          </a:p>
+          <a:p>
+            <a:pPr marL="285840" indent="-283680">
+              <a:lnSpc>
+                <a:spcPct val="100000"/>
+              </a:lnSpc>
+              <a:spcAft>
+                <a:spcPts val="567"/>
+              </a:spcAft>
+              <a:buClr>
+                <a:srgbClr val="000000"/>
+              </a:buClr>
+              <a:buFont typeface="Arial"/>
+              <a:buChar char="•"/>
+            </a:pPr>
+            <a:r>
+              <a:rPr b="0" lang="en-GB" sz="1800" spc="-1" strike="noStrike">
+                <a:solidFill>
+                  <a:srgbClr val="000000"/>
+                </a:solidFill>
+                <a:latin typeface="Arial"/>
+                <a:ea typeface="Calibri"/>
+              </a:rPr>
+              <a:t>Voronoi diagram</a:t>
+            </a:r>
+            <a:endParaRPr b="0" lang="en-GB" sz="1800" spc="-1" strike="noStrike">
+              <a:latin typeface="Arial"/>
+            </a:endParaRPr>
+          </a:p>
+          <a:p>
+            <a:pPr marL="285840" indent="-283680">
+              <a:lnSpc>
+                <a:spcPct val="100000"/>
+              </a:lnSpc>
+              <a:spcAft>
+                <a:spcPts val="567"/>
+              </a:spcAft>
+              <a:buClr>
+                <a:srgbClr val="000000"/>
+              </a:buClr>
+              <a:buFont typeface="Arial"/>
+              <a:buChar char="•"/>
+            </a:pPr>
+            <a:r>
+              <a:rPr b="0" lang="en-GB" sz="1800" spc="-1" strike="noStrike">
+                <a:solidFill>
+                  <a:srgbClr val="000000"/>
+                </a:solidFill>
+                <a:latin typeface="Arial"/>
+                <a:ea typeface="Calibri"/>
+              </a:rPr>
+              <a:t>Structured mesh generation</a:t>
+            </a:r>
+            <a:endParaRPr b="0" lang="en-GB" sz="1800" spc="-1" strike="noStrike">
+              <a:latin typeface="Arial"/>
+            </a:endParaRPr>
+          </a:p>
+          <a:p>
+            <a:pPr marL="285840" indent="-283680">
+              <a:lnSpc>
+                <a:spcPct val="100000"/>
+              </a:lnSpc>
+              <a:spcAft>
+                <a:spcPts val="567"/>
+              </a:spcAft>
+              <a:buClr>
+                <a:srgbClr val="000000"/>
+              </a:buClr>
+              <a:buFont typeface="Arial"/>
+              <a:buChar char="•"/>
+            </a:pPr>
+            <a:r>
+              <a:rPr b="0" lang="en-GB" sz="1800" spc="-1" strike="noStrike">
+                <a:solidFill>
+                  <a:srgbClr val="000000"/>
+                </a:solidFill>
+                <a:latin typeface="Arial"/>
+                <a:ea typeface="Calibri"/>
+              </a:rPr>
+              <a:t>Unstructured mesh generation (~a month) </a:t>
+            </a:r>
+            <a:endParaRPr b="0" lang="en-GB" sz="1800" spc="-1" strike="noStrike">
+              <a:latin typeface="Arial"/>
+            </a:endParaRPr>
+          </a:p>
+          <a:p>
+            <a:pPr marL="285840" indent="-283680">
+              <a:lnSpc>
+                <a:spcPct val="100000"/>
+              </a:lnSpc>
+              <a:spcAft>
+                <a:spcPts val="567"/>
+              </a:spcAft>
+              <a:buClr>
+                <a:srgbClr val="000000"/>
+              </a:buClr>
+              <a:buFont typeface="Arial"/>
+              <a:buChar char="•"/>
+            </a:pPr>
+            <a:r>
+              <a:rPr b="0" lang="en-GB" sz="1800" spc="-1" strike="noStrike">
+                <a:solidFill>
+                  <a:srgbClr val="000000"/>
+                </a:solidFill>
+                <a:latin typeface="Arial"/>
+                <a:ea typeface="Calibri"/>
+              </a:rPr>
+              <a:t>Semi-structured mesh</a:t>
+            </a:r>
+            <a:endParaRPr b="0" lang="en-GB" sz="1800" spc="-1" strike="noStrike">
+              <a:latin typeface="Arial"/>
+            </a:endParaRPr>
+          </a:p>
+          <a:p>
+            <a:pPr>
+              <a:lnSpc>
+                <a:spcPct val="100000"/>
+              </a:lnSpc>
+              <a:spcAft>
+                <a:spcPts val="567"/>
+              </a:spcAft>
+            </a:pPr>
+            <a:endParaRPr b="0" lang="en-GB" sz="1800" spc="-1" strike="noStrike">
+              <a:latin typeface="Arial"/>
+            </a:endParaRPr>
+          </a:p>
+          <a:p>
+            <a:pPr>
+              <a:lnSpc>
+                <a:spcPct val="100000"/>
+              </a:lnSpc>
+              <a:spcAft>
+                <a:spcPts val="567"/>
+              </a:spcAft>
+            </a:pPr>
+            <a:endParaRPr b="0" lang="en-GB" sz="1800" spc="-1" strike="noStrike">
+              <a:latin typeface="Arial"/>
+            </a:endParaRPr>
+          </a:p>
+          <a:p>
+            <a:pPr>
+              <a:lnSpc>
+                <a:spcPct val="100000"/>
+              </a:lnSpc>
+              <a:spcAft>
+                <a:spcPts val="567"/>
+              </a:spcAft>
+            </a:pPr>
+            <a:endParaRPr b="0" lang="en-GB" sz="1800" spc="-1" strike="noStrike">
+              <a:latin typeface="Arial"/>
+            </a:endParaRPr>
+          </a:p>
+        </p:txBody>
+      </p:sp>
+      <p:sp>
+        <p:nvSpPr>
+          <p:cNvPr id="206" name="CustomShape 4"/>
+          <p:cNvSpPr/>
+          <p:nvPr/>
+        </p:nvSpPr>
+        <p:spPr>
+          <a:xfrm>
+            <a:off x="4833360" y="6238080"/>
+            <a:ext cx="2524680" cy="471960"/>
+          </a:xfrm>
+          <a:prstGeom prst="rect">
+            <a:avLst/>
+          </a:prstGeom>
+          <a:noFill/>
+          <a:ln>
+            <a:noFill/>
+          </a:ln>
+        </p:spPr>
+        <p:style>
+          <a:lnRef idx="0"/>
+          <a:fillRef idx="0"/>
+          <a:effectRef idx="0"/>
+          <a:fontRef idx="minor"/>
+        </p:style>
+        <p:txBody>
+          <a:bodyPr lIns="90000" rIns="90000" tIns="45000" bIns="45000"/>
+          <a:p>
+            <a:pPr algn="ctr">
+              <a:lnSpc>
+                <a:spcPct val="90000"/>
+              </a:lnSpc>
+              <a:spcBef>
+                <a:spcPts val="1001"/>
+              </a:spcBef>
+            </a:pPr>
+            <a:r>
+              <a:rPr b="1" lang="en-GB" sz="1400" spc="-1" strike="noStrike">
+                <a:solidFill>
+                  <a:srgbClr val="002060"/>
+                </a:solidFill>
+                <a:latin typeface="Arial"/>
+                <a:ea typeface="Calibri"/>
+              </a:rPr>
+              <a:t>ICL-</a:t>
+            </a:r>
+            <a:r>
+              <a:rPr b="1" lang="en-GB" sz="1400" spc="-1" strike="noStrike">
+                <a:solidFill>
+                  <a:srgbClr val="0070c0"/>
+                </a:solidFill>
+                <a:latin typeface="Arial"/>
+                <a:ea typeface="Calibri"/>
+              </a:rPr>
+              <a:t>ICAM</a:t>
+            </a:r>
+            <a:r>
+              <a:rPr b="1" lang="en-GB" sz="1400" spc="-1" strike="noStrike">
+                <a:solidFill>
+                  <a:srgbClr val="002060"/>
+                </a:solidFill>
+                <a:latin typeface="Arial"/>
+                <a:ea typeface="Calibri"/>
+              </a:rPr>
+              <a:t>-BP</a:t>
+            </a:r>
+            <a:endParaRPr b="0" lang="en-GB" sz="1400" spc="-1" strike="noStrike">
+              <a:latin typeface="Arial"/>
+            </a:endParaRPr>
+          </a:p>
+          <a:p>
+            <a:pPr algn="ctr">
+              <a:lnSpc>
+                <a:spcPct val="90000"/>
+              </a:lnSpc>
+              <a:spcBef>
+                <a:spcPts val="1001"/>
+              </a:spcBef>
+            </a:pPr>
+            <a:r>
+              <a:rPr b="0" lang="en-GB" sz="1400" spc="-1" strike="noStrike">
+                <a:solidFill>
+                  <a:srgbClr val="000000"/>
+                </a:solidFill>
+                <a:latin typeface="Arial"/>
+                <a:ea typeface="Calibri"/>
+              </a:rPr>
+              <a:t>24</a:t>
+            </a:r>
+            <a:r>
+              <a:rPr b="0" lang="en-GB" sz="1400" spc="-1" strike="noStrike" baseline="30000">
+                <a:solidFill>
+                  <a:srgbClr val="000000"/>
+                </a:solidFill>
+                <a:latin typeface="Arial"/>
+                <a:ea typeface="Calibri"/>
+              </a:rPr>
+              <a:t>th</a:t>
+            </a:r>
+            <a:r>
+              <a:rPr b="0" lang="en-GB" sz="1400" spc="-1" strike="noStrike">
+                <a:solidFill>
+                  <a:srgbClr val="000000"/>
+                </a:solidFill>
+                <a:latin typeface="Arial"/>
+                <a:ea typeface="Calibri"/>
+              </a:rPr>
+              <a:t> March 2021</a:t>
+            </a:r>
+            <a:endParaRPr b="0" lang="en-GB" sz="1400" spc="-1" strike="noStrike">
+              <a:latin typeface="Arial"/>
+            </a:endParaRPr>
+          </a:p>
+        </p:txBody>
+      </p:sp>
+    </p:spTree>
+  </p:cSld>
+  <p:timing>
+    <p:tnLst>
+      <p:par>
+        <p:cTn id="19" dur="indefinite" restart="never" nodeType="tmRoot">
+          <p:childTnLst>
+            <p:seq>
+              <p:cTn id="20" dur="indefinite" nodeType="mainSeq"/>
               <p:prevCondLst>
                 <p:cond delay="0" evt="onPrev">
                   <p:tgtEl>
@@ -5446,7 +6105,7 @@
       </p:grpSpPr>
       <p:pic>
         <p:nvPicPr>
-          <p:cNvPr id="126" name="" descr=""/>
+          <p:cNvPr id="123" name="Picture 6" descr=""/>
           <p:cNvPicPr/>
           <p:nvPr/>
         </p:nvPicPr>
@@ -5456,8 +6115,8 @@
         </p:blipFill>
         <p:spPr>
           <a:xfrm>
-            <a:off x="1164240" y="591840"/>
-            <a:ext cx="4523400" cy="5471640"/>
+            <a:off x="10336680" y="334800"/>
+            <a:ext cx="985680" cy="1273680"/>
           </a:xfrm>
           <a:prstGeom prst="rect">
             <a:avLst/>
@@ -5469,7 +6128,7 @@
       </p:pic>
       <p:pic>
         <p:nvPicPr>
-          <p:cNvPr id="127" name="Picture 6" descr=""/>
+          <p:cNvPr id="124" name="Picture 6" descr=""/>
           <p:cNvPicPr/>
           <p:nvPr/>
         </p:nvPicPr>
@@ -5480,7 +6139,7 @@
         <p:spPr>
           <a:xfrm>
             <a:off x="388440" y="333720"/>
-            <a:ext cx="1360800" cy="360360"/>
+            <a:ext cx="1360080" cy="359640"/>
           </a:xfrm>
           <a:prstGeom prst="rect">
             <a:avLst/>
@@ -5490,9 +6149,58 @@
           </a:ln>
         </p:spPr>
       </p:pic>
+      <p:sp>
+        <p:nvSpPr>
+          <p:cNvPr id="125" name="CustomShape 1"/>
+          <p:cNvSpPr/>
+          <p:nvPr/>
+        </p:nvSpPr>
+        <p:spPr>
+          <a:xfrm>
+            <a:off x="875880" y="827640"/>
+            <a:ext cx="9232560" cy="1116000"/>
+          </a:xfrm>
+          <a:prstGeom prst="rect">
+            <a:avLst/>
+          </a:prstGeom>
+          <a:noFill/>
+          <a:ln>
+            <a:noFill/>
+          </a:ln>
+        </p:spPr>
+        <p:style>
+          <a:lnRef idx="0"/>
+          <a:fillRef idx="0"/>
+          <a:effectRef idx="0"/>
+          <a:fontRef idx="minor"/>
+        </p:style>
+        <p:txBody>
+          <a:bodyPr lIns="90000" rIns="90000" tIns="45000" bIns="45000"/>
+          <a:p>
+            <a:pPr algn="ctr">
+              <a:lnSpc>
+                <a:spcPct val="100000"/>
+              </a:lnSpc>
+            </a:pPr>
+            <a:r>
+              <a:rPr b="1" lang="en-GB" sz="2000" spc="-1" strike="noStrike">
+                <a:solidFill>
+                  <a:srgbClr val="000000"/>
+                </a:solidFill>
+                <a:latin typeface="Calibri"/>
+                <a:ea typeface="Calibri"/>
+              </a:rPr>
+              <a:t>Dynamic semi-structured meshes for fast numerical simulation of Multi-Phase Modelling in the energy industry</a:t>
+            </a:r>
+            <a:endParaRPr b="0" lang="en-GB" sz="2000" spc="-1" strike="noStrike">
+              <a:latin typeface="Arial"/>
+            </a:endParaRPr>
+          </a:p>
+        </p:txBody>
+      </p:sp>
       <p:pic>
         <p:nvPicPr>
-          <p:cNvPr id="128" name="Picture 6" descr=""/>
+          <p:cNvPr id="126" name="Picture 8" descr=""/>
           <p:cNvPicPr/>
           <p:nvPr/>
         </p:nvPicPr>
@@ -5502,8 +6210,8 @@
         </p:blipFill>
         <p:spPr>
           <a:xfrm>
-            <a:off x="10336680" y="334800"/>
-            <a:ext cx="986400" cy="1274400"/>
+            <a:off x="7357320" y="2428200"/>
+            <a:ext cx="3985200" cy="2421720"/>
           </a:xfrm>
           <a:prstGeom prst="rect">
             <a:avLst/>
@@ -5515,14 +6223,14 @@
       </p:pic>
       <p:sp>
         <p:nvSpPr>
-          <p:cNvPr id="129" name="CustomShape 1"/>
+          <p:cNvPr id="127" name="CustomShape 2"/>
           <p:cNvSpPr/>
           <p:nvPr/>
         </p:nvSpPr>
         <p:spPr>
           <a:xfrm>
-            <a:off x="5934240" y="6192000"/>
-            <a:ext cx="2525400" cy="472680"/>
+            <a:off x="4281120" y="4844160"/>
+            <a:ext cx="2700360" cy="302760"/>
           </a:xfrm>
           <a:prstGeom prst="rect">
             <a:avLst/>
@@ -5541,126 +6249,37 @@
         <p:txBody>
           <a:bodyPr lIns="90000" rIns="90000" tIns="45000" bIns="45000"/>
           <a:p>
-            <a:pPr algn="ctr">
-              <a:lnSpc>
-                <a:spcPct val="90000"/>
-              </a:lnSpc>
-              <a:spcBef>
-                <a:spcPts val="1001"/>
-              </a:spcBef>
-            </a:pPr>
-            <a:r>
-              <a:rPr b="1" lang="en-GB" sz="1400" spc="-1" strike="noStrike">
-                <a:solidFill>
-                  <a:srgbClr val="002060"/>
-                </a:solidFill>
-                <a:latin typeface="Arial"/>
-                <a:ea typeface="Calibri"/>
-              </a:rPr>
-              <a:t>ICL-</a:t>
-            </a:r>
-            <a:r>
-              <a:rPr b="1" lang="en-GB" sz="1400" spc="-1" strike="noStrike">
-                <a:solidFill>
-                  <a:srgbClr val="0070c0"/>
-                </a:solidFill>
-                <a:latin typeface="Arial"/>
-                <a:ea typeface="Calibri"/>
-              </a:rPr>
-              <a:t>ICAM</a:t>
-            </a:r>
-            <a:r>
-              <a:rPr b="1" lang="en-GB" sz="1400" spc="-1" strike="noStrike">
-                <a:solidFill>
-                  <a:srgbClr val="002060"/>
-                </a:solidFill>
-                <a:latin typeface="Arial"/>
-                <a:ea typeface="Calibri"/>
-              </a:rPr>
-              <a:t>-BP Q1 Meeting</a:t>
-            </a:r>
-            <a:endParaRPr b="0" lang="en-GB" sz="1400" spc="-1" strike="noStrike">
-              <a:latin typeface="Arial"/>
-            </a:endParaRPr>
-          </a:p>
-          <a:p>
-            <a:pPr algn="ctr">
-              <a:lnSpc>
-                <a:spcPct val="90000"/>
-              </a:lnSpc>
-              <a:spcBef>
-                <a:spcPts val="1001"/>
-              </a:spcBef>
-            </a:pPr>
-            <a:r>
-              <a:rPr b="0" lang="en-GB" sz="1400" spc="-1" strike="noStrike">
+            <a:pPr>
+              <a:lnSpc>
+                <a:spcPct val="100000"/>
+              </a:lnSpc>
+            </a:pPr>
+            <a:r>
+              <a:rPr b="0" lang="en-GB" sz="1200" spc="-1" strike="noStrike">
                 <a:solidFill>
                   <a:srgbClr val="000000"/>
                 </a:solidFill>
-                <a:latin typeface="Arial"/>
-                <a:ea typeface="Calibri"/>
-              </a:rPr>
-              <a:t>24</a:t>
-            </a:r>
-            <a:r>
-              <a:rPr b="0" lang="en-GB" sz="1400" spc="-1" strike="noStrike" baseline="30000">
-                <a:solidFill>
-                  <a:srgbClr val="000000"/>
-                </a:solidFill>
-                <a:latin typeface="Arial"/>
-                <a:ea typeface="Calibri"/>
-              </a:rPr>
-              <a:t>th</a:t>
-            </a:r>
-            <a:r>
-              <a:rPr b="0" lang="en-GB" sz="1400" spc="-1" strike="noStrike">
-                <a:solidFill>
-                  <a:srgbClr val="000000"/>
-                </a:solidFill>
-                <a:latin typeface="Arial"/>
-                <a:ea typeface="Calibri"/>
-              </a:rPr>
-              <a:t> March 2021</a:t>
-            </a:r>
-            <a:endParaRPr b="0" lang="en-GB" sz="1400" spc="-1" strike="noStrike">
-              <a:latin typeface="Arial"/>
-            </a:endParaRPr>
-          </a:p>
-        </p:txBody>
-      </p:sp>
-      <p:pic>
-        <p:nvPicPr>
-          <p:cNvPr id="130" name="" descr=""/>
-          <p:cNvPicPr/>
-          <p:nvPr/>
-        </p:nvPicPr>
-        <p:blipFill>
-          <a:blip r:embed="rId4"/>
-          <a:stretch/>
-        </p:blipFill>
-        <p:spPr>
-          <a:xfrm>
-            <a:off x="6966720" y="1633680"/>
-            <a:ext cx="3869640" cy="2901960"/>
-          </a:xfrm>
-          <a:prstGeom prst="rect">
-            <a:avLst/>
-          </a:prstGeom>
-          <a:ln>
-            <a:noFill/>
-          </a:ln>
-        </p:spPr>
-      </p:pic>
-      <p:sp>
-        <p:nvSpPr>
-          <p:cNvPr id="131" name="CustomShape 2"/>
+                <a:latin typeface="Calibri"/>
+                <a:ea typeface="DejaVu Sans"/>
+              </a:rPr>
+              <a:t>Figure 1. Semi-structured mesh</a:t>
+            </a:r>
+            <a:endParaRPr b="0" lang="en-GB" sz="1200" spc="-1" strike="noStrike">
+              <a:latin typeface="Arial"/>
+            </a:endParaRPr>
+          </a:p>
+        </p:txBody>
+      </p:sp>
+      <p:sp>
+        <p:nvSpPr>
+          <p:cNvPr id="128" name="CustomShape 3"/>
           <p:cNvSpPr/>
           <p:nvPr/>
         </p:nvSpPr>
         <p:spPr>
           <a:xfrm>
-            <a:off x="6427440" y="4549320"/>
-            <a:ext cx="4948200" cy="346320"/>
+            <a:off x="7272000" y="4848840"/>
+            <a:ext cx="3670920" cy="334080"/>
           </a:xfrm>
           <a:prstGeom prst="rect">
             <a:avLst/>
@@ -5685,27 +6304,56 @@
               </a:lnSpc>
             </a:pPr>
             <a:r>
-              <a:rPr b="0" lang="en-GB" sz="1000" spc="-1" strike="noStrike">
-                <a:latin typeface="arial"/>
-              </a:rPr>
-              <a:t>Illustration of the standard DG against DPG results for the same number of elements.</a:t>
-            </a:r>
-            <a:endParaRPr b="0" lang="en-GB" sz="1000" spc="-1" strike="noStrike">
-              <a:latin typeface="Arial"/>
-            </a:endParaRPr>
-          </a:p>
-        </p:txBody>
-      </p:sp>
-      <p:sp>
-        <p:nvSpPr>
-          <p:cNvPr id="132" name="CustomShape 3"/>
+              <a:rPr b="0" lang="en-GB" sz="1200" spc="-1" strike="noStrike">
+                <a:solidFill>
+                  <a:srgbClr val="000000"/>
+                </a:solidFill>
+                <a:latin typeface="Calibri"/>
+                <a:ea typeface="DejaVu Sans"/>
+              </a:rPr>
+              <a:t>Figure 2. Creation and dispersion of a droplet</a:t>
+            </a:r>
+            <a:endParaRPr b="0" lang="en-GB" sz="1200" spc="-1" strike="noStrike">
+              <a:latin typeface="Arial"/>
+            </a:endParaRPr>
+          </a:p>
+        </p:txBody>
+      </p:sp>
+      <p:pic>
+        <p:nvPicPr>
+          <p:cNvPr id="129" name="" descr=""/>
+          <p:cNvPicPr/>
+          <p:nvPr/>
+        </p:nvPicPr>
+        <p:blipFill>
+          <a:blip r:embed="rId4">
+            <a:lum contrast="10000"/>
+          </a:blip>
+          <a:stretch/>
+        </p:blipFill>
+        <p:spPr>
+          <a:xfrm>
+            <a:off x="4407840" y="2196000"/>
+            <a:ext cx="2319480" cy="2591640"/>
+          </a:xfrm>
+          <a:prstGeom prst="rect">
+            <a:avLst/>
+          </a:prstGeom>
+          <a:ln>
+            <a:noFill/>
+          </a:ln>
+        </p:spPr>
+      </p:pic>
+      <p:sp>
+        <p:nvSpPr>
+          <p:cNvPr id="130" name="CustomShape 4"/>
           <p:cNvSpPr/>
           <p:nvPr/>
         </p:nvSpPr>
         <p:spPr>
           <a:xfrm>
-            <a:off x="1717560" y="6133320"/>
-            <a:ext cx="3417120" cy="346320"/>
+            <a:off x="504000" y="2144160"/>
+            <a:ext cx="3311640" cy="303480"/>
           </a:xfrm>
           <a:prstGeom prst="rect">
             <a:avLst/>
@@ -5730,12 +6378,210 @@
               </a:lnSpc>
             </a:pPr>
             <a:r>
-              <a:rPr b="0" lang="en-GB" sz="1000" spc="-1" strike="noStrike">
-                <a:latin typeface="Arial"/>
-              </a:rPr>
-              <a:t>Flowchart for the DG Petrov-Galerkin diffusion method.</a:t>
-            </a:r>
-            <a:endParaRPr b="0" lang="en-GB" sz="1000" spc="-1" strike="noStrike">
+              <a:rPr b="1" lang="en-GB" sz="1400" spc="-1" strike="noStrike">
+                <a:solidFill>
+                  <a:srgbClr val="000000"/>
+                </a:solidFill>
+                <a:latin typeface="arial"/>
+                <a:ea typeface="Calibri"/>
+              </a:rPr>
+              <a:t>Starting date:</a:t>
+            </a:r>
+            <a:r>
+              <a:rPr b="0" lang="en-GB" sz="1400" spc="-1" strike="noStrike">
+                <a:solidFill>
+                  <a:srgbClr val="000000"/>
+                </a:solidFill>
+                <a:latin typeface="arial"/>
+                <a:ea typeface="Calibri"/>
+              </a:rPr>
+              <a:t> 01 October 2020</a:t>
+            </a:r>
+            <a:endParaRPr b="0" lang="en-GB" sz="1400" spc="-1" strike="noStrike">
+              <a:latin typeface="Arial"/>
+            </a:endParaRPr>
+          </a:p>
+        </p:txBody>
+      </p:sp>
+      <p:sp>
+        <p:nvSpPr>
+          <p:cNvPr id="131" name="CustomShape 5"/>
+          <p:cNvSpPr/>
+          <p:nvPr/>
+        </p:nvSpPr>
+        <p:spPr>
+          <a:xfrm>
+            <a:off x="4833360" y="6238080"/>
+            <a:ext cx="2524680" cy="471960"/>
+          </a:xfrm>
+          <a:prstGeom prst="rect">
+            <a:avLst/>
+          </a:prstGeom>
+          <a:noFill/>
+          <a:ln>
+            <a:noFill/>
+          </a:ln>
+        </p:spPr>
+        <p:style>
+          <a:lnRef idx="0"/>
+          <a:fillRef idx="0"/>
+          <a:effectRef idx="0"/>
+          <a:fontRef idx="minor"/>
+        </p:style>
+        <p:txBody>
+          <a:bodyPr lIns="90000" rIns="90000" tIns="45000" bIns="45000"/>
+          <a:p>
+            <a:pPr algn="ctr">
+              <a:lnSpc>
+                <a:spcPct val="90000"/>
+              </a:lnSpc>
+              <a:spcBef>
+                <a:spcPts val="1001"/>
+              </a:spcBef>
+            </a:pPr>
+            <a:r>
+              <a:rPr b="1" lang="en-GB" sz="1400" spc="-1" strike="noStrike">
+                <a:solidFill>
+                  <a:srgbClr val="002060"/>
+                </a:solidFill>
+                <a:latin typeface="Arial"/>
+                <a:ea typeface="Calibri"/>
+              </a:rPr>
+              <a:t>ICL-</a:t>
+            </a:r>
+            <a:r>
+              <a:rPr b="1" lang="en-GB" sz="1400" spc="-1" strike="noStrike">
+                <a:solidFill>
+                  <a:srgbClr val="0070c0"/>
+                </a:solidFill>
+                <a:latin typeface="Arial"/>
+                <a:ea typeface="Calibri"/>
+              </a:rPr>
+              <a:t>ICAM</a:t>
+            </a:r>
+            <a:r>
+              <a:rPr b="1" lang="en-GB" sz="1400" spc="-1" strike="noStrike">
+                <a:solidFill>
+                  <a:srgbClr val="002060"/>
+                </a:solidFill>
+                <a:latin typeface="Arial"/>
+                <a:ea typeface="Calibri"/>
+              </a:rPr>
+              <a:t>-BP</a:t>
+            </a:r>
+            <a:endParaRPr b="0" lang="en-GB" sz="1400" spc="-1" strike="noStrike">
+              <a:latin typeface="Arial"/>
+            </a:endParaRPr>
+          </a:p>
+          <a:p>
+            <a:pPr algn="ctr">
+              <a:lnSpc>
+                <a:spcPct val="90000"/>
+              </a:lnSpc>
+              <a:spcBef>
+                <a:spcPts val="1001"/>
+              </a:spcBef>
+            </a:pPr>
+            <a:r>
+              <a:rPr b="0" lang="en-GB" sz="1400" spc="-1" strike="noStrike">
+                <a:solidFill>
+                  <a:srgbClr val="000000"/>
+                </a:solidFill>
+                <a:latin typeface="Arial"/>
+                <a:ea typeface="Calibri"/>
+              </a:rPr>
+              <a:t>24</a:t>
+            </a:r>
+            <a:r>
+              <a:rPr b="0" lang="en-GB" sz="1400" spc="-1" strike="noStrike" baseline="30000">
+                <a:solidFill>
+                  <a:srgbClr val="000000"/>
+                </a:solidFill>
+                <a:latin typeface="Arial"/>
+                <a:ea typeface="Calibri"/>
+              </a:rPr>
+              <a:t>th</a:t>
+            </a:r>
+            <a:r>
+              <a:rPr b="0" lang="en-GB" sz="1400" spc="-1" strike="noStrike">
+                <a:solidFill>
+                  <a:srgbClr val="000000"/>
+                </a:solidFill>
+                <a:latin typeface="Arial"/>
+                <a:ea typeface="Calibri"/>
+              </a:rPr>
+              <a:t> March 2021</a:t>
+            </a:r>
+            <a:endParaRPr b="0" lang="en-GB" sz="1400" spc="-1" strike="noStrike">
+              <a:latin typeface="Arial"/>
+            </a:endParaRPr>
+          </a:p>
+        </p:txBody>
+      </p:sp>
+      <p:sp>
+        <p:nvSpPr>
+          <p:cNvPr id="132" name="CustomShape 6"/>
+          <p:cNvSpPr/>
+          <p:nvPr/>
+        </p:nvSpPr>
+        <p:spPr>
+          <a:xfrm>
+            <a:off x="504000" y="2540160"/>
+            <a:ext cx="3311640" cy="1347480"/>
+          </a:xfrm>
+          <a:prstGeom prst="rect">
+            <a:avLst/>
+          </a:prstGeom>
+          <a:noFill/>
+          <a:ln>
+            <a:noFill/>
+          </a:ln>
+        </p:spPr>
+        <p:style>
+          <a:lnRef idx="0"/>
+          <a:fillRef idx="0"/>
+          <a:effectRef idx="0"/>
+          <a:fontRef idx="minor"/>
+        </p:style>
+        <p:txBody>
+          <a:bodyPr lIns="90000" rIns="90000" tIns="45000" bIns="45000"/>
+          <a:p>
+            <a:pPr>
+              <a:lnSpc>
+                <a:spcPct val="100000"/>
+              </a:lnSpc>
+            </a:pPr>
+            <a:r>
+              <a:rPr b="1" lang="en-GB" sz="1400" spc="-1" strike="noStrike">
+                <a:solidFill>
+                  <a:srgbClr val="000000"/>
+                </a:solidFill>
+                <a:latin typeface="arial"/>
+                <a:ea typeface="Calibri"/>
+              </a:rPr>
+              <a:t>Aim:</a:t>
+            </a:r>
+            <a:endParaRPr b="0" lang="en-GB" sz="1400" spc="-1" strike="noStrike">
+              <a:latin typeface="Arial"/>
+            </a:endParaRPr>
+          </a:p>
+          <a:p>
+            <a:pPr>
+              <a:lnSpc>
+                <a:spcPct val="100000"/>
+              </a:lnSpc>
+            </a:pPr>
+            <a:r>
+              <a:rPr b="0" lang="en-GB" sz="1400" spc="-1" strike="noStrike">
+                <a:solidFill>
+                  <a:srgbClr val="000000"/>
+                </a:solidFill>
+                <a:latin typeface="arial"/>
+                <a:ea typeface="Calibri"/>
+              </a:rPr>
+              <a:t>This project will develop and implement a semi-structured mesh within the Multi-Fluidity project to significantly improve its speed.</a:t>
+            </a:r>
+            <a:endParaRPr b="0" lang="en-GB" sz="1400" spc="-1" strike="noStrike">
               <a:latin typeface="Arial"/>
             </a:endParaRPr>
           </a:p>
@@ -5802,8 +6648,8 @@
         </p:blipFill>
         <p:spPr>
           <a:xfrm>
-            <a:off x="388440" y="333720"/>
-            <a:ext cx="1360800" cy="360360"/>
+            <a:off x="10336680" y="334800"/>
+            <a:ext cx="985680" cy="1273680"/>
           </a:xfrm>
           <a:prstGeom prst="rect">
             <a:avLst/>
@@ -5813,68 +6659,9 @@
           </a:ln>
         </p:spPr>
       </p:pic>
-      <p:sp>
-        <p:nvSpPr>
-          <p:cNvPr id="134" name="CustomShape 1"/>
-          <p:cNvSpPr/>
-          <p:nvPr/>
-        </p:nvSpPr>
-        <p:spPr>
-          <a:xfrm>
-            <a:off x="648000" y="1044000"/>
-            <a:ext cx="1197000" cy="359280"/>
-          </a:xfrm>
-          <a:prstGeom prst="rect">
-            <a:avLst/>
-          </a:prstGeom>
-          <a:noFill/>
-          <a:ln>
-            <a:noFill/>
-          </a:ln>
-        </p:spPr>
-        <p:style>
-          <a:lnRef idx="0"/>
-          <a:fillRef idx="0"/>
-          <a:effectRef idx="0"/>
-          <a:fontRef idx="minor"/>
-        </p:style>
-        <p:txBody>
-          <a:bodyPr lIns="90000" rIns="90000" tIns="45000" bIns="45000"/>
-          <a:p>
-            <a:pPr>
-              <a:lnSpc>
-                <a:spcPct val="100000"/>
-              </a:lnSpc>
-            </a:pPr>
-            <a:r>
-              <a:rPr b="1" lang="en-GB" sz="1800" spc="-1" strike="noStrike">
-                <a:solidFill>
-                  <a:srgbClr val="000000"/>
-                </a:solidFill>
-                <a:latin typeface="Arial"/>
-                <a:ea typeface="Calibri"/>
-              </a:rPr>
-              <a:t>- 2D FDM</a:t>
-            </a:r>
-            <a:endParaRPr b="0" lang="en-GB" sz="1800" spc="-1" strike="noStrike">
-              <a:latin typeface="Arial"/>
-            </a:endParaRPr>
-          </a:p>
-          <a:p>
-            <a:pPr>
-              <a:lnSpc>
-                <a:spcPct val="100000"/>
-              </a:lnSpc>
-            </a:pPr>
-            <a:endParaRPr b="0" lang="en-GB" sz="1800" spc="-1" strike="noStrike">
-              <a:latin typeface="Arial"/>
-            </a:endParaRPr>
-          </a:p>
-        </p:txBody>
-      </p:sp>
       <p:pic>
         <p:nvPicPr>
-          <p:cNvPr id="135" name="Picture 6" descr=""/>
+          <p:cNvPr id="134" name="Picture 6" descr=""/>
           <p:cNvPicPr/>
           <p:nvPr/>
         </p:nvPicPr>
@@ -5884,8 +6671,8 @@
         </p:blipFill>
         <p:spPr>
           <a:xfrm>
-            <a:off x="10336680" y="334800"/>
-            <a:ext cx="986400" cy="1274400"/>
+            <a:off x="388440" y="333720"/>
+            <a:ext cx="1360080" cy="359640"/>
           </a:xfrm>
           <a:prstGeom prst="rect">
             <a:avLst/>
@@ -5897,14 +6684,14 @@
       </p:pic>
       <p:sp>
         <p:nvSpPr>
-          <p:cNvPr id="136" name="CustomShape 2"/>
+          <p:cNvPr id="135" name="CustomShape 1"/>
           <p:cNvSpPr/>
           <p:nvPr/>
         </p:nvSpPr>
         <p:spPr>
           <a:xfrm>
-            <a:off x="9000000" y="6063840"/>
-            <a:ext cx="2741760" cy="600840"/>
+            <a:off x="504000" y="1244160"/>
+            <a:ext cx="3311640" cy="303480"/>
           </a:xfrm>
           <a:prstGeom prst="rect">
             <a:avLst/>
@@ -5923,6 +6710,65 @@
         <p:txBody>
           <a:bodyPr lIns="90000" rIns="90000" tIns="45000" bIns="45000"/>
           <a:p>
+            <a:pPr>
+              <a:lnSpc>
+                <a:spcPct val="100000"/>
+              </a:lnSpc>
+            </a:pPr>
+            <a:r>
+              <a:rPr b="1" lang="en-GB" sz="1400" spc="-1" strike="noStrike">
+                <a:solidFill>
+                  <a:srgbClr val="000000"/>
+                </a:solidFill>
+                <a:latin typeface="arial"/>
+                <a:ea typeface="Calibri"/>
+              </a:rPr>
+              <a:t>Starting date:</a:t>
+            </a:r>
+            <a:r>
+              <a:rPr b="0" lang="en-GB" sz="1400" spc="-1" strike="noStrike">
+                <a:solidFill>
+                  <a:srgbClr val="000000"/>
+                </a:solidFill>
+                <a:latin typeface="arial"/>
+                <a:ea typeface="Calibri"/>
+              </a:rPr>
+              <a:t> 01 October 2020</a:t>
+            </a:r>
+            <a:endParaRPr b="0" lang="en-GB" sz="1400" spc="-1" strike="noStrike">
+              <a:latin typeface="Arial"/>
+            </a:endParaRPr>
+          </a:p>
+        </p:txBody>
+      </p:sp>
+      <p:sp>
+        <p:nvSpPr>
+          <p:cNvPr id="136" name="CustomShape 2"/>
+          <p:cNvSpPr/>
+          <p:nvPr/>
+        </p:nvSpPr>
+        <p:spPr>
+          <a:xfrm>
+            <a:off x="4833360" y="6238080"/>
+            <a:ext cx="2524680" cy="471960"/>
+          </a:xfrm>
+          <a:prstGeom prst="rect">
+            <a:avLst/>
+          </a:prstGeom>
+          <a:noFill/>
+          <a:ln>
+            <a:noFill/>
+          </a:ln>
+        </p:spPr>
+        <p:style>
+          <a:lnRef idx="0"/>
+          <a:fillRef idx="0"/>
+          <a:effectRef idx="0"/>
+          <a:fontRef idx="minor"/>
+        </p:style>
+        <p:txBody>
+          <a:bodyPr lIns="90000" rIns="90000" tIns="45000" bIns="45000"/>
+          <a:p>
             <a:pPr algn="ctr">
               <a:lnSpc>
                 <a:spcPct val="90000"/>
@@ -5959,7 +6805,7 @@
                 <a:latin typeface="Arial"/>
                 <a:ea typeface="Calibri"/>
               </a:rPr>
-              <a:t>-BP Q1 Meeting</a:t>
+              <a:t>-BP</a:t>
             </a:r>
             <a:endParaRPr b="0" lang="en-GB" sz="1400" spc="-1" strike="noStrike">
               <a:latin typeface="Arial"/>
@@ -6022,8 +6868,8 @@
         </p:blipFill>
         <p:spPr>
           <a:xfrm>
-            <a:off x="2448000" y="890280"/>
-            <a:ext cx="4175640" cy="1881360"/>
+            <a:off x="1352520" y="365040"/>
+            <a:ext cx="9486360" cy="5335560"/>
           </a:xfrm>
           <a:prstGeom prst="rect">
             <a:avLst/>
@@ -6041,8 +6887,8 @@
         </p:nvSpPr>
         <p:spPr>
           <a:xfrm>
-            <a:off x="648000" y="2952000"/>
-            <a:ext cx="1295640" cy="359280"/>
+            <a:off x="4021200" y="5265000"/>
+            <a:ext cx="4148640" cy="273960"/>
           </a:xfrm>
           <a:prstGeom prst="rect">
             <a:avLst/>
@@ -6067,230 +6913,16 @@
               </a:lnSpc>
             </a:pPr>
             <a:r>
-              <a:rPr b="1" lang="en-GB" sz="1800" spc="-1" strike="noStrike">
+              <a:rPr b="0" lang="en-GB" sz="1100" spc="-1" strike="noStrike">
                 <a:solidFill>
                   <a:srgbClr val="000000"/>
                 </a:solidFill>
-                <a:latin typeface="Arial"/>
-                <a:ea typeface="Calibri"/>
-              </a:rPr>
-              <a:t>- 2D FDM</a:t>
-            </a:r>
-            <a:endParaRPr b="0" lang="en-GB" sz="1800" spc="-1" strike="noStrike">
-              <a:latin typeface="Arial"/>
-            </a:endParaRPr>
-          </a:p>
-          <a:p>
-            <a:pPr>
-              <a:lnSpc>
-                <a:spcPct val="100000"/>
-              </a:lnSpc>
-            </a:pPr>
-            <a:endParaRPr b="0" lang="en-GB" sz="1800" spc="-1" strike="noStrike">
-              <a:latin typeface="Arial"/>
-            </a:endParaRPr>
-          </a:p>
-        </p:txBody>
-      </p:sp>
-      <p:pic>
-        <p:nvPicPr>
-          <p:cNvPr id="139" name="" descr=""/>
-          <p:cNvPicPr/>
-          <p:nvPr/>
-        </p:nvPicPr>
-        <p:blipFill>
-          <a:blip r:embed="rId4"/>
-          <a:stretch/>
-        </p:blipFill>
-        <p:spPr>
-          <a:xfrm>
-            <a:off x="731160" y="3420000"/>
-            <a:ext cx="3129120" cy="2386440"/>
-          </a:xfrm>
-          <a:prstGeom prst="rect">
-            <a:avLst/>
-          </a:prstGeom>
-          <a:ln>
-            <a:noFill/>
-          </a:ln>
-        </p:spPr>
-      </p:pic>
-      <p:pic>
-        <p:nvPicPr>
-          <p:cNvPr id="140" name="" descr=""/>
-          <p:cNvPicPr/>
-          <p:nvPr/>
-        </p:nvPicPr>
-        <p:blipFill>
-          <a:blip r:embed="rId5"/>
-          <a:stretch/>
-        </p:blipFill>
-        <p:spPr>
-          <a:xfrm>
-            <a:off x="5112000" y="3420000"/>
-            <a:ext cx="1980360" cy="1943640"/>
-          </a:xfrm>
-          <a:prstGeom prst="rect">
-            <a:avLst/>
-          </a:prstGeom>
-          <a:ln>
-            <a:noFill/>
-          </a:ln>
-        </p:spPr>
-      </p:pic>
-      <p:pic>
-        <p:nvPicPr>
-          <p:cNvPr id="141" name="" descr=""/>
-          <p:cNvPicPr/>
-          <p:nvPr/>
-        </p:nvPicPr>
-        <p:blipFill>
-          <a:blip r:embed="rId6"/>
-          <a:stretch/>
-        </p:blipFill>
-        <p:spPr>
-          <a:xfrm>
-            <a:off x="8672760" y="3420000"/>
-            <a:ext cx="2415240" cy="1223640"/>
-          </a:xfrm>
-          <a:prstGeom prst="rect">
-            <a:avLst/>
-          </a:prstGeom>
-          <a:ln>
-            <a:noFill/>
-          </a:ln>
-        </p:spPr>
-      </p:pic>
-      <p:sp>
-        <p:nvSpPr>
-          <p:cNvPr id="142" name="CustomShape 4"/>
-          <p:cNvSpPr/>
-          <p:nvPr/>
-        </p:nvSpPr>
-        <p:spPr>
-          <a:xfrm>
-            <a:off x="897480" y="5832000"/>
-            <a:ext cx="2796480" cy="287640"/>
-          </a:xfrm>
-          <a:prstGeom prst="rect">
-            <a:avLst/>
-          </a:prstGeom>
-          <a:noFill/>
-          <a:ln>
-            <a:noFill/>
-          </a:ln>
-        </p:spPr>
-        <p:style>
-          <a:lnRef idx="0"/>
-          <a:fillRef idx="0"/>
-          <a:effectRef idx="0"/>
-          <a:fontRef idx="minor"/>
-        </p:style>
-        <p:txBody>
-          <a:bodyPr lIns="90000" rIns="90000" tIns="45000" bIns="45000"/>
-          <a:p>
-            <a:pPr>
-              <a:lnSpc>
-                <a:spcPct val="100000"/>
-              </a:lnSpc>
-            </a:pPr>
-            <a:r>
-              <a:rPr b="0" lang="en-GB" sz="1000" spc="-1" strike="noStrike">
-                <a:latin typeface="Arial"/>
-              </a:rPr>
-              <a:t>2D domain with local &amp; global node numbering</a:t>
-            </a:r>
-            <a:endParaRPr b="0" lang="en-GB" sz="1000" spc="-1" strike="noStrike">
-              <a:latin typeface="Arial"/>
-            </a:endParaRPr>
-          </a:p>
-        </p:txBody>
-      </p:sp>
-      <p:sp>
-        <p:nvSpPr>
-          <p:cNvPr id="143" name="CustomShape 5"/>
-          <p:cNvSpPr/>
-          <p:nvPr/>
-        </p:nvSpPr>
-        <p:spPr>
-          <a:xfrm>
-            <a:off x="4644000" y="5580000"/>
-            <a:ext cx="3599640" cy="231840"/>
-          </a:xfrm>
-          <a:prstGeom prst="rect">
-            <a:avLst/>
-          </a:prstGeom>
-          <a:noFill/>
-          <a:ln>
-            <a:noFill/>
-          </a:ln>
-        </p:spPr>
-        <p:style>
-          <a:lnRef idx="0"/>
-          <a:fillRef idx="0"/>
-          <a:effectRef idx="0"/>
-          <a:fontRef idx="minor"/>
-        </p:style>
-        <p:txBody>
-          <a:bodyPr lIns="90000" rIns="90000" tIns="45000" bIns="45000"/>
-          <a:p>
-            <a:pPr>
-              <a:lnSpc>
-                <a:spcPct val="100000"/>
-              </a:lnSpc>
-            </a:pPr>
-            <a:r>
-              <a:rPr b="0" lang="en-GB" sz="1000" spc="-1" strike="noStrike">
-                <a:latin typeface="Arial"/>
-              </a:rPr>
-              <a:t>Volume integral using 3 points Gaussian quadrature method</a:t>
-            </a:r>
-            <a:endParaRPr b="0" lang="en-GB" sz="1000" spc="-1" strike="noStrike">
-              <a:latin typeface="Arial"/>
-            </a:endParaRPr>
-          </a:p>
-        </p:txBody>
-      </p:sp>
-      <p:sp>
-        <p:nvSpPr>
-          <p:cNvPr id="144" name="CustomShape 6"/>
-          <p:cNvSpPr/>
-          <p:nvPr/>
-        </p:nvSpPr>
-        <p:spPr>
-          <a:xfrm>
-            <a:off x="8640000" y="4881960"/>
-            <a:ext cx="2481120" cy="373680"/>
-          </a:xfrm>
-          <a:prstGeom prst="rect">
-            <a:avLst/>
-          </a:prstGeom>
-          <a:noFill/>
-          <a:ln>
-            <a:noFill/>
-          </a:ln>
-        </p:spPr>
-        <p:style>
-          <a:lnRef idx="0"/>
-          <a:fillRef idx="0"/>
-          <a:effectRef idx="0"/>
-          <a:fontRef idx="minor"/>
-        </p:style>
-        <p:txBody>
-          <a:bodyPr lIns="90000" rIns="90000" tIns="45000" bIns="45000"/>
-          <a:p>
-            <a:pPr>
-              <a:lnSpc>
-                <a:spcPct val="100000"/>
-              </a:lnSpc>
-            </a:pPr>
-            <a:r>
-              <a:rPr b="0" lang="en-GB" sz="1000" spc="-1" strike="noStrike">
-                <a:latin typeface="Arial"/>
-              </a:rPr>
-              <a:t>Surface integral using 2 points Gaussian quadrature method</a:t>
-            </a:r>
-            <a:endParaRPr b="0" lang="en-GB" sz="1000" spc="-1" strike="noStrike">
+                <a:latin typeface="arial"/>
+                <a:ea typeface="DejaVu Sans"/>
+              </a:rPr>
+              <a:t>Figure 3. Work plan from October to mid-December 2020.</a:t>
+            </a:r>
+            <a:endParaRPr b="0" lang="en-GB" sz="1100" spc="-1" strike="noStrike">
               <a:latin typeface="Arial"/>
             </a:endParaRPr>
           </a:p>
@@ -6347,7 +6979,7 @@
       </p:grpSpPr>
       <p:pic>
         <p:nvPicPr>
-          <p:cNvPr id="145" name="Picture 6" descr=""/>
+          <p:cNvPr id="139" name="Picture 6" descr=""/>
           <p:cNvPicPr/>
           <p:nvPr/>
         </p:nvPicPr>
@@ -6358,7 +6990,7 @@
         <p:spPr>
           <a:xfrm>
             <a:off x="388440" y="333720"/>
-            <a:ext cx="1360800" cy="360360"/>
+            <a:ext cx="1360080" cy="359640"/>
           </a:xfrm>
           <a:prstGeom prst="rect">
             <a:avLst/>
@@ -6370,7 +7002,7 @@
       </p:pic>
       <p:pic>
         <p:nvPicPr>
-          <p:cNvPr id="146" name="Picture 6" descr=""/>
+          <p:cNvPr id="140" name="Picture 6" descr=""/>
           <p:cNvPicPr/>
           <p:nvPr/>
         </p:nvPicPr>
@@ -6381,7 +7013,7 @@
         <p:spPr>
           <a:xfrm>
             <a:off x="10336680" y="334800"/>
-            <a:ext cx="986400" cy="1274400"/>
+            <a:ext cx="985680" cy="1273680"/>
           </a:xfrm>
           <a:prstGeom prst="rect">
             <a:avLst/>
@@ -6393,14 +7025,14 @@
       </p:pic>
       <p:sp>
         <p:nvSpPr>
-          <p:cNvPr id="147" name="CustomShape 1"/>
+          <p:cNvPr id="141" name="CustomShape 1"/>
           <p:cNvSpPr/>
           <p:nvPr/>
         </p:nvSpPr>
         <p:spPr>
           <a:xfrm>
-            <a:off x="4530240" y="6063840"/>
-            <a:ext cx="2741760" cy="600840"/>
+            <a:off x="360000" y="1401120"/>
+            <a:ext cx="5038920" cy="541800"/>
           </a:xfrm>
           <a:prstGeom prst="rect">
             <a:avLst/>
@@ -6419,103 +7051,67 @@
         <p:txBody>
           <a:bodyPr lIns="90000" rIns="90000" tIns="45000" bIns="45000"/>
           <a:p>
-            <a:pPr algn="ctr">
-              <a:lnSpc>
-                <a:spcPct val="90000"/>
-              </a:lnSpc>
-              <a:spcBef>
-                <a:spcPts val="1001"/>
-              </a:spcBef>
-            </a:pPr>
-            <a:r>
-              <a:rPr b="1" lang="en-GB" sz="1400" spc="-1" strike="noStrike">
-                <a:solidFill>
-                  <a:srgbClr val="002060"/>
+            <a:pPr>
+              <a:lnSpc>
+                <a:spcPct val="100000"/>
+              </a:lnSpc>
+            </a:pPr>
+            <a:r>
+              <a:rPr b="1" lang="en-GB" sz="1800" spc="-1" strike="noStrike">
+                <a:solidFill>
+                  <a:srgbClr val="000000"/>
                 </a:solidFill>
                 <a:latin typeface="Arial"/>
                 <a:ea typeface="Calibri"/>
               </a:rPr>
-              <a:t>ICL-</a:t>
-            </a:r>
-            <a:r>
-              <a:rPr b="1" lang="en-GB" sz="1400" spc="-1" strike="noStrike">
-                <a:solidFill>
-                  <a:srgbClr val="0070c0"/>
+              <a:t>- 1D-DG Petrov-Galerkin FEM: </a:t>
+            </a:r>
+            <a:r>
+              <a:rPr b="0" lang="en-GB" sz="1800" spc="-1" strike="noStrike">
+                <a:solidFill>
+                  <a:srgbClr val="000000"/>
                 </a:solidFill>
                 <a:latin typeface="Arial"/>
                 <a:ea typeface="Calibri"/>
               </a:rPr>
-              <a:t>ICAM</a:t>
-            </a:r>
-            <a:r>
-              <a:rPr b="1" lang="en-GB" sz="1400" spc="-1" strike="noStrike">
-                <a:solidFill>
-                  <a:srgbClr val="002060"/>
-                </a:solidFill>
-                <a:latin typeface="Arial"/>
-                <a:ea typeface="Calibri"/>
-              </a:rPr>
-              <a:t>-BP Q1 Meeting</a:t>
-            </a:r>
-            <a:endParaRPr b="0" lang="en-GB" sz="1400" spc="-1" strike="noStrike">
-              <a:latin typeface="Arial"/>
-            </a:endParaRPr>
-          </a:p>
-          <a:p>
-            <a:pPr algn="ctr">
-              <a:lnSpc>
-                <a:spcPct val="90000"/>
-              </a:lnSpc>
-              <a:spcBef>
-                <a:spcPts val="1001"/>
-              </a:spcBef>
-            </a:pPr>
-            <a:r>
-              <a:rPr b="0" lang="en-GB" sz="1400" spc="-1" strike="noStrike">
-                <a:solidFill>
-                  <a:srgbClr val="000000"/>
-                </a:solidFill>
-                <a:latin typeface="Arial"/>
-                <a:ea typeface="Calibri"/>
-              </a:rPr>
-              <a:t>24</a:t>
-            </a:r>
-            <a:r>
-              <a:rPr b="0" lang="en-GB" sz="1400" spc="-1" strike="noStrike" baseline="30000">
-                <a:solidFill>
-                  <a:srgbClr val="000000"/>
-                </a:solidFill>
-                <a:latin typeface="Arial"/>
-                <a:ea typeface="Calibri"/>
-              </a:rPr>
-              <a:t>th</a:t>
-            </a:r>
-            <a:r>
-              <a:rPr b="0" lang="en-GB" sz="1400" spc="-1" strike="noStrike">
-                <a:solidFill>
-                  <a:srgbClr val="000000"/>
-                </a:solidFill>
-                <a:latin typeface="Arial"/>
-                <a:ea typeface="Calibri"/>
-              </a:rPr>
-              <a:t> March 2021</a:t>
-            </a:r>
-            <a:endParaRPr b="0" lang="en-GB" sz="1400" spc="-1" strike="noStrike">
-              <a:latin typeface="Arial"/>
-            </a:endParaRPr>
-          </a:p>
-        </p:txBody>
-      </p:sp>
-      <p:sp>
-        <p:nvSpPr>
-          <p:cNvPr id="148" name="CustomShape 2"/>
+              <a:t>2 documents</a:t>
+            </a:r>
+            <a:endParaRPr b="0" lang="en-GB" sz="1800" spc="-1" strike="noStrike">
+              <a:latin typeface="Arial"/>
+            </a:endParaRPr>
+          </a:p>
+          <a:p>
+            <a:pPr>
+              <a:lnSpc>
+                <a:spcPct val="100000"/>
+              </a:lnSpc>
+            </a:pPr>
+            <a:endParaRPr b="0" lang="en-GB" sz="1800" spc="-1" strike="noStrike">
+              <a:latin typeface="Arial"/>
+            </a:endParaRPr>
+          </a:p>
+          <a:p>
+            <a:pPr>
+              <a:lnSpc>
+                <a:spcPct val="100000"/>
+              </a:lnSpc>
+            </a:pPr>
+            <a:endParaRPr b="0" lang="en-GB" sz="1800" spc="-1" strike="noStrike">
+              <a:latin typeface="Arial"/>
+            </a:endParaRPr>
+          </a:p>
+        </p:txBody>
+      </p:sp>
+      <p:sp>
+        <p:nvSpPr>
+          <p:cNvPr id="142" name="CustomShape 2"/>
           <p:cNvSpPr/>
           <p:nvPr/>
         </p:nvSpPr>
         <p:spPr>
           <a:xfrm>
-            <a:off x="792000" y="1440000"/>
-            <a:ext cx="5903640" cy="359280"/>
+            <a:off x="322560" y="1800000"/>
+            <a:ext cx="1260360" cy="430920"/>
           </a:xfrm>
           <a:prstGeom prst="rect">
             <a:avLst/>
@@ -6540,44 +7136,24 @@
               </a:lnSpc>
             </a:pPr>
             <a:r>
-              <a:rPr b="1" lang="en-GB" sz="1800" spc="-1" strike="noStrike">
+              <a:rPr b="0" lang="en-GB" sz="1800" spc="-1" strike="noStrike">
+                <a:solidFill>
+                  <a:srgbClr val="0066b3"/>
+                </a:solidFill>
+                <a:latin typeface="Arial"/>
+                <a:ea typeface="Calibri"/>
+              </a:rPr>
+              <a:t>1- Report</a:t>
+            </a:r>
+            <a:r>
+              <a:rPr b="0" lang="en-GB" sz="1800" spc="-1" strike="noStrike">
                 <a:solidFill>
                   <a:srgbClr val="000000"/>
                 </a:solidFill>
                 <a:latin typeface="Arial"/>
                 <a:ea typeface="Calibri"/>
               </a:rPr>
-              <a:t>- Fortran Training</a:t>
-            </a:r>
-            <a:r>
-              <a:rPr b="1" lang="en-GB" sz="1800" spc="-1" strike="noStrike">
-                <a:solidFill>
-                  <a:srgbClr val="000000"/>
-                </a:solidFill>
-                <a:latin typeface="Arial"/>
-                <a:ea typeface="Calibri"/>
-              </a:rPr>
-              <a:t>	</a:t>
-            </a:r>
-            <a:r>
-              <a:rPr b="1" lang="en-GB" sz="1800" spc="-1" strike="noStrike">
-                <a:solidFill>
-                  <a:srgbClr val="000000"/>
-                </a:solidFill>
-                <a:latin typeface="Arial"/>
-                <a:ea typeface="Calibri"/>
-              </a:rPr>
-              <a:t>	</a:t>
-            </a:r>
-            <a:r>
-              <a:rPr b="1" lang="en-GB" sz="1800" spc="-1" strike="noStrike">
-                <a:solidFill>
-                  <a:srgbClr val="000000"/>
-                </a:solidFill>
-                <a:latin typeface="Arial"/>
-                <a:ea typeface="Calibri"/>
-              </a:rPr>
-              <a:t>- IC-FERST Workshop</a:t>
+              <a:t> </a:t>
             </a:r>
             <a:endParaRPr b="0" lang="en-GB" sz="1800" spc="-1" strike="noStrike">
               <a:latin typeface="Arial"/>
@@ -6603,18 +7179,28 @@
               <a:latin typeface="Arial"/>
             </a:endParaRPr>
           </a:p>
-        </p:txBody>
-      </p:sp>
-      <p:sp>
-        <p:nvSpPr>
-          <p:cNvPr id="149" name="CustomShape 3"/>
+          <a:p>
+            <a:pPr>
+              <a:lnSpc>
+                <a:spcPct val="100000"/>
+              </a:lnSpc>
+            </a:pPr>
+            <a:endParaRPr b="0" lang="en-GB" sz="1800" spc="-1" strike="noStrike">
+              <a:latin typeface="Arial"/>
+            </a:endParaRPr>
+          </a:p>
+        </p:txBody>
+      </p:sp>
+      <p:sp>
+        <p:nvSpPr>
+          <p:cNvPr id="143" name="CustomShape 3"/>
           <p:cNvSpPr/>
           <p:nvPr/>
         </p:nvSpPr>
         <p:spPr>
           <a:xfrm>
-            <a:off x="394920" y="1882800"/>
-            <a:ext cx="11467080" cy="1018800"/>
+            <a:off x="5760000" y="1800000"/>
+            <a:ext cx="1260360" cy="430920"/>
           </a:xfrm>
           <a:prstGeom prst="rect">
             <a:avLst/>
@@ -6633,77 +7219,52 @@
         <p:txBody>
           <a:bodyPr lIns="90000" rIns="90000" tIns="45000" bIns="45000"/>
           <a:p>
-            <a:pPr marL="216000" indent="-215640">
-              <a:lnSpc>
-                <a:spcPct val="115000"/>
-              </a:lnSpc>
-              <a:spcAft>
-                <a:spcPts val="567"/>
-              </a:spcAft>
-              <a:buClr>
-                <a:srgbClr val="000000"/>
-              </a:buClr>
-              <a:buSzPct val="45000"/>
-              <a:buFont typeface="Wingdings" charset="2"/>
-              <a:buChar char=""/>
-            </a:pPr>
-            <a:r>
-              <a:rPr b="0" lang="en-GB" sz="1200" spc="-1" strike="noStrike">
-                <a:latin typeface="Arial"/>
-              </a:rPr>
-              <a:t>Training sessions: multi-phase time-loop in the IC-FERST, identified the key subroutines corresponding to momentum, magma, porous media equations and their variables.</a:t>
-            </a:r>
-            <a:endParaRPr b="0" lang="en-GB" sz="1200" spc="-1" strike="noStrike">
-              <a:latin typeface="Arial"/>
-            </a:endParaRPr>
-          </a:p>
-          <a:p>
-            <a:pPr marL="216000" indent="-215640">
-              <a:lnSpc>
-                <a:spcPct val="115000"/>
-              </a:lnSpc>
-              <a:spcAft>
-                <a:spcPts val="567"/>
-              </a:spcAft>
-              <a:buClr>
-                <a:srgbClr val="000000"/>
-              </a:buClr>
-              <a:buSzPct val="45000"/>
-              <a:buFont typeface="Wingdings" charset="2"/>
-              <a:buChar char=""/>
-            </a:pPr>
-            <a:r>
-              <a:rPr b="0" lang="en-GB" sz="1200" spc="-1" strike="noStrike">
-                <a:latin typeface="Arial"/>
-              </a:rPr>
-              <a:t>Training for connecting &amp; working with workstations, downloading and compiling IC-FERST code.</a:t>
-            </a:r>
-            <a:endParaRPr b="0" lang="en-GB" sz="1200" spc="-1" strike="noStrike">
-              <a:latin typeface="Arial"/>
-            </a:endParaRPr>
-          </a:p>
-          <a:p>
-            <a:pPr marL="216000" indent="-215640">
-              <a:lnSpc>
-                <a:spcPct val="115000"/>
-              </a:lnSpc>
-              <a:spcAft>
-                <a:spcPts val="567"/>
-              </a:spcAft>
-              <a:buClr>
-                <a:srgbClr val="000000"/>
-              </a:buClr>
-              <a:buSzPct val="45000"/>
-              <a:buFont typeface="Wingdings" charset="2"/>
-              <a:buChar char=""/>
-            </a:pPr>
-            <a:r>
-              <a:rPr b="0" lang="en-GB" sz="1200" spc="-1" strike="noStrike">
-                <a:latin typeface="Arial"/>
-              </a:rPr>
-              <a:t>ran 2D test files e.g. flow pass in a cylinder &amp; collapsing water column. changed the flow velocity, the shapes and the positions of the problem.</a:t>
-            </a:r>
-            <a:endParaRPr b="0" lang="en-GB" sz="1200" spc="-1" strike="noStrike">
+            <a:pPr>
+              <a:lnSpc>
+                <a:spcPct val="100000"/>
+              </a:lnSpc>
+            </a:pPr>
+            <a:r>
+              <a:rPr b="0" lang="en-GB" sz="1800" spc="-1" strike="noStrike">
+                <a:solidFill>
+                  <a:srgbClr val="0066b3"/>
+                </a:solidFill>
+                <a:latin typeface="Arial"/>
+                <a:ea typeface="Calibri"/>
+              </a:rPr>
+              <a:t>1- Theory </a:t>
+            </a:r>
+            <a:endParaRPr b="0" lang="en-GB" sz="1800" spc="-1" strike="noStrike">
+              <a:latin typeface="Arial"/>
+            </a:endParaRPr>
+          </a:p>
+          <a:p>
+            <a:pPr>
+              <a:lnSpc>
+                <a:spcPct val="100000"/>
+              </a:lnSpc>
+            </a:pPr>
+            <a:endParaRPr b="0" lang="en-GB" sz="1800" spc="-1" strike="noStrike">
+              <a:latin typeface="Arial"/>
+            </a:endParaRPr>
+          </a:p>
+          <a:p>
+            <a:pPr>
+              <a:lnSpc>
+                <a:spcPct val="100000"/>
+              </a:lnSpc>
+            </a:pPr>
+            <a:endParaRPr b="0" lang="en-GB" sz="1800" spc="-1" strike="noStrike">
+              <a:latin typeface="Arial"/>
+            </a:endParaRPr>
+          </a:p>
+          <a:p>
+            <a:pPr>
+              <a:lnSpc>
+                <a:spcPct val="100000"/>
+              </a:lnSpc>
+            </a:pPr>
+            <a:endParaRPr b="0" lang="en-GB" sz="1800" spc="-1" strike="noStrike">
               <a:latin typeface="Arial"/>
             </a:endParaRPr>
           </a:p>
@@ -6711,19 +7272,18 @@
       </p:sp>
       <p:pic>
         <p:nvPicPr>
-          <p:cNvPr id="150" name="" descr=""/>
+          <p:cNvPr id="144" name="" descr=""/>
           <p:cNvPicPr/>
           <p:nvPr/>
         </p:nvPicPr>
         <p:blipFill>
           <a:blip r:embed="rId3"/>
-          <a:srcRect l="8237" t="28150" r="0" b="0"/>
           <a:stretch/>
         </p:blipFill>
         <p:spPr>
           <a:xfrm>
-            <a:off x="576000" y="3324600"/>
-            <a:ext cx="4895640" cy="1511640"/>
+            <a:off x="7344000" y="1728000"/>
+            <a:ext cx="4017600" cy="4390920"/>
           </a:xfrm>
           <a:prstGeom prst="rect">
             <a:avLst/>
@@ -6733,47 +7293,42 @@
           </a:ln>
         </p:spPr>
       </p:pic>
-      <p:pic>
-        <p:nvPicPr>
-          <p:cNvPr id="151" name="" descr=""/>
-          <p:cNvPicPr/>
-          <p:nvPr/>
-        </p:nvPicPr>
-        <p:blipFill>
-          <a:blip r:embed="rId4"/>
-          <a:srcRect l="7606" t="29279" r="0" b="0"/>
-          <a:stretch/>
-        </p:blipFill>
-        <p:spPr>
-          <a:xfrm>
-            <a:off x="6408000" y="3340800"/>
-            <a:ext cx="4899600" cy="1479240"/>
-          </a:xfrm>
-          <a:prstGeom prst="rect">
-            <a:avLst/>
-          </a:prstGeom>
-          <a:ln>
-            <a:noFill/>
-          </a:ln>
-        </p:spPr>
-      </p:pic>
-      <p:sp>
-        <p:nvSpPr>
-          <p:cNvPr id="152" name="CustomShape 4"/>
+      <p:sp>
+        <p:nvSpPr>
+          <p:cNvPr id="145" name="CustomShape 4"/>
           <p:cNvSpPr/>
           <p:nvPr/>
         </p:nvSpPr>
         <p:spPr>
-          <a:xfrm>
-            <a:off x="1737720" y="5040000"/>
-            <a:ext cx="2572200" cy="287640"/>
-          </a:xfrm>
-          <a:prstGeom prst="rect">
-            <a:avLst/>
-          </a:prstGeom>
+          <a:xfrm flipH="1">
+            <a:off x="5899320" y="2491920"/>
+            <a:ext cx="9000" cy="2895120"/>
+          </a:xfrm>
+          <a:custGeom>
+            <a:avLst/>
+            <a:gdLst/>
+            <a:ahLst/>
+            <a:rect l="l" t="t" r="r" b="b"/>
+            <a:pathLst>
+              <a:path w="21600" h="21600">
+                <a:moveTo>
+                  <a:pt x="0" y="0"/>
+                </a:moveTo>
+                <a:lnTo>
+                  <a:pt x="21600" y="21600"/>
+                </a:lnTo>
+              </a:path>
+            </a:pathLst>
+          </a:custGeom>
           <a:noFill/>
-          <a:ln>
-            <a:noFill/>
+          <a:ln cap="rnd" w="10080">
+            <a:solidFill>
+              <a:srgbClr val="0066b3"/>
+            </a:solidFill>
+            <a:custDash>
+              <a:ds d="1200000" sp="1200000"/>
+            </a:custDash>
+            <a:round/>
           </a:ln>
         </p:spPr>
         <p:style>
@@ -6782,36 +7337,79 @@
           <a:effectRef idx="0"/>
           <a:fontRef idx="minor"/>
         </p:style>
-        <p:txBody>
-          <a:bodyPr lIns="90000" rIns="90000" tIns="45000" bIns="45000"/>
-          <a:p>
-            <a:pPr>
-              <a:lnSpc>
-                <a:spcPct val="100000"/>
-              </a:lnSpc>
-            </a:pPr>
-            <a:r>
-              <a:rPr b="0" lang="en-GB" sz="1000" spc="-1" strike="noStrike">
-                <a:latin typeface="Arial"/>
-              </a:rPr>
-              <a:t>Flow pass a cylinder with a 2D fixed mesh</a:t>
-            </a:r>
-            <a:endParaRPr b="0" lang="en-GB" sz="1000" spc="-1" strike="noStrike">
-              <a:latin typeface="Arial"/>
-            </a:endParaRPr>
-          </a:p>
-        </p:txBody>
-      </p:sp>
-      <p:sp>
-        <p:nvSpPr>
-          <p:cNvPr id="153" name="CustomShape 5"/>
+      </p:sp>
+      <p:grpSp>
+        <p:nvGrpSpPr>
+          <p:cNvPr id="146" name="Group 5"/>
+          <p:cNvGrpSpPr/>
+          <p:nvPr/>
+        </p:nvGrpSpPr>
+        <p:grpSpPr>
+          <a:xfrm>
+            <a:off x="1440000" y="1872000"/>
+            <a:ext cx="3958920" cy="4030560"/>
+            <a:chOff x="1440000" y="1872000"/>
+            <a:chExt cx="3958920" cy="4030560"/>
+          </a:xfrm>
+        </p:grpSpPr>
+        <p:pic>
+          <p:nvPicPr>
+            <p:cNvPr id="147" name="" descr=""/>
+            <p:cNvPicPr/>
+            <p:nvPr/>
+          </p:nvPicPr>
+          <p:blipFill>
+            <a:blip r:embed="rId4"/>
+            <a:srcRect l="0" t="0" r="0" b="13571"/>
+            <a:stretch/>
+          </p:blipFill>
+          <p:spPr>
+            <a:xfrm>
+              <a:off x="1440000" y="1872000"/>
+              <a:ext cx="3958920" cy="4030560"/>
+            </a:xfrm>
+            <a:prstGeom prst="rect">
+              <a:avLst/>
+            </a:prstGeom>
+            <a:ln>
+              <a:noFill/>
+            </a:ln>
+          </p:spPr>
+        </p:pic>
+        <p:pic>
+          <p:nvPicPr>
+            <p:cNvPr id="148" name="" descr=""/>
+            <p:cNvPicPr/>
+            <p:nvPr/>
+          </p:nvPicPr>
+          <p:blipFill>
+            <a:blip r:embed="rId5"/>
+            <a:stretch/>
+          </p:blipFill>
+          <p:spPr>
+            <a:xfrm>
+              <a:off x="2880000" y="5400000"/>
+              <a:ext cx="1366920" cy="377640"/>
+            </a:xfrm>
+            <a:prstGeom prst="rect">
+              <a:avLst/>
+            </a:prstGeom>
+            <a:ln>
+              <a:noFill/>
+            </a:ln>
+          </p:spPr>
+        </p:pic>
+      </p:grpSp>
+      <p:sp>
+        <p:nvSpPr>
+          <p:cNvPr id="149" name="CustomShape 6"/>
           <p:cNvSpPr/>
           <p:nvPr/>
         </p:nvSpPr>
         <p:spPr>
           <a:xfrm>
-            <a:off x="7451280" y="5040360"/>
-            <a:ext cx="2813040" cy="287280"/>
+            <a:off x="4833360" y="6238080"/>
+            <a:ext cx="2524680" cy="471960"/>
           </a:xfrm>
           <a:prstGeom prst="rect">
             <a:avLst/>
@@ -6830,18 +7428,88 @@
         <p:txBody>
           <a:bodyPr lIns="90000" rIns="90000" tIns="45000" bIns="45000"/>
           <a:p>
-            <a:pPr>
-              <a:lnSpc>
-                <a:spcPct val="100000"/>
-              </a:lnSpc>
-            </a:pPr>
-            <a:r>
-              <a:rPr b="0" lang="en-GB" sz="1000" spc="-1" strike="noStrike">
-                <a:latin typeface="Arial"/>
-              </a:rPr>
-              <a:t>Flow pass a cylinder with a 2D adaptive mesh</a:t>
-            </a:r>
-            <a:endParaRPr b="0" lang="en-GB" sz="1000" spc="-1" strike="noStrike">
+            <a:pPr algn="ctr">
+              <a:lnSpc>
+                <a:spcPct val="90000"/>
+              </a:lnSpc>
+              <a:spcBef>
+                <a:spcPts val="1001"/>
+              </a:spcBef>
+            </a:pPr>
+            <a:r>
+              <a:rPr b="1" lang="en-GB" sz="1400" spc="-1" strike="noStrike">
+                <a:solidFill>
+                  <a:srgbClr val="002060"/>
+                </a:solidFill>
+                <a:latin typeface="Arial"/>
+                <a:ea typeface="Calibri"/>
+              </a:rPr>
+              <a:t>ICL-</a:t>
+            </a:r>
+            <a:r>
+              <a:rPr b="1" lang="en-GB" sz="1400" spc="-1" strike="noStrike">
+                <a:solidFill>
+                  <a:srgbClr val="0070c0"/>
+                </a:solidFill>
+                <a:latin typeface="Arial"/>
+                <a:ea typeface="Calibri"/>
+              </a:rPr>
+              <a:t>ICAM</a:t>
+            </a:r>
+            <a:r>
+              <a:rPr b="1" lang="en-GB" sz="1400" spc="-1" strike="noStrike">
+                <a:solidFill>
+                  <a:srgbClr val="002060"/>
+                </a:solidFill>
+                <a:latin typeface="Arial"/>
+                <a:ea typeface="Calibri"/>
+              </a:rPr>
+              <a:t>-BP</a:t>
+            </a:r>
+            <a:endParaRPr b="0" lang="en-GB" sz="1400" spc="-1" strike="noStrike">
+              <a:latin typeface="Arial"/>
+            </a:endParaRPr>
+          </a:p>
+          <a:p>
+            <a:pPr algn="ctr">
+              <a:lnSpc>
+                <a:spcPct val="90000"/>
+              </a:lnSpc>
+              <a:spcBef>
+                <a:spcPts val="1001"/>
+              </a:spcBef>
+            </a:pPr>
+            <a:r>
+              <a:rPr b="0" lang="en-GB" sz="1400" spc="-1" strike="noStrike">
+                <a:solidFill>
+                  <a:srgbClr val="000000"/>
+                </a:solidFill>
+                <a:latin typeface="Arial"/>
+                <a:ea typeface="Calibri"/>
+              </a:rPr>
+              <a:t>24</a:t>
+            </a:r>
+            <a:r>
+              <a:rPr b="0" lang="en-GB" sz="1400" spc="-1" strike="noStrike" baseline="30000">
+                <a:solidFill>
+                  <a:srgbClr val="000000"/>
+                </a:solidFill>
+                <a:latin typeface="Arial"/>
+                <a:ea typeface="Calibri"/>
+              </a:rPr>
+              <a:t>th</a:t>
+            </a:r>
+            <a:r>
+              <a:rPr b="0" lang="en-GB" sz="1400" spc="-1" strike="noStrike">
+                <a:solidFill>
+                  <a:srgbClr val="000000"/>
+                </a:solidFill>
+                <a:latin typeface="Arial"/>
+                <a:ea typeface="Calibri"/>
+              </a:rPr>
+              <a:t> March 2021</a:t>
+            </a:r>
+            <a:endParaRPr b="0" lang="en-GB" sz="1400" spc="-1" strike="noStrike">
               <a:latin typeface="Arial"/>
             </a:endParaRPr>
           </a:p>
@@ -6898,7 +7566,7 @@
       </p:grpSpPr>
       <p:pic>
         <p:nvPicPr>
-          <p:cNvPr id="154" name="Picture 6" descr=""/>
+          <p:cNvPr id="150" name="" descr=""/>
           <p:cNvPicPr/>
           <p:nvPr/>
         </p:nvPicPr>
@@ -6908,8 +7576,8 @@
         </p:blipFill>
         <p:spPr>
           <a:xfrm>
-            <a:off x="388440" y="333720"/>
-            <a:ext cx="1360800" cy="360360"/>
+            <a:off x="1164960" y="591840"/>
+            <a:ext cx="4522680" cy="5470920"/>
           </a:xfrm>
           <a:prstGeom prst="rect">
             <a:avLst/>
@@ -6921,7 +7589,7 @@
       </p:pic>
       <p:pic>
         <p:nvPicPr>
-          <p:cNvPr id="155" name="Picture 6" descr=""/>
+          <p:cNvPr id="151" name="Picture 6" descr=""/>
           <p:cNvPicPr/>
           <p:nvPr/>
         </p:nvPicPr>
@@ -6931,8 +7599,8 @@
         </p:blipFill>
         <p:spPr>
           <a:xfrm>
-            <a:off x="10336680" y="334800"/>
-            <a:ext cx="986400" cy="1274400"/>
+            <a:off x="388440" y="333720"/>
+            <a:ext cx="1360080" cy="359640"/>
           </a:xfrm>
           <a:prstGeom prst="rect">
             <a:avLst/>
@@ -6942,16 +7610,39 @@
           </a:ln>
         </p:spPr>
       </p:pic>
-      <p:sp>
-        <p:nvSpPr>
-          <p:cNvPr id="156" name="CustomShape 1"/>
+      <p:pic>
+        <p:nvPicPr>
+          <p:cNvPr id="152" name="Picture 6" descr=""/>
+          <p:cNvPicPr/>
+          <p:nvPr/>
+        </p:nvPicPr>
+        <p:blipFill>
+          <a:blip r:embed="rId3"/>
+          <a:stretch/>
+        </p:blipFill>
+        <p:spPr>
+          <a:xfrm>
+            <a:off x="10336680" y="334800"/>
+            <a:ext cx="985680" cy="1273680"/>
+          </a:xfrm>
+          <a:prstGeom prst="rect">
+            <a:avLst/>
+          </a:prstGeom>
+          <a:ln>
+            <a:noFill/>
+          </a:ln>
+        </p:spPr>
+      </p:pic>
+      <p:sp>
+        <p:nvSpPr>
+          <p:cNvPr id="153" name="CustomShape 1"/>
           <p:cNvSpPr/>
           <p:nvPr/>
         </p:nvSpPr>
         <p:spPr>
           <a:xfrm>
-            <a:off x="4530240" y="6063840"/>
-            <a:ext cx="2741760" cy="600840"/>
+            <a:off x="5934240" y="6192000"/>
+            <a:ext cx="2524680" cy="471960"/>
           </a:xfrm>
           <a:prstGeom prst="rect">
             <a:avLst/>
@@ -7006,7 +7697,7 @@
                 <a:latin typeface="Arial"/>
                 <a:ea typeface="Calibri"/>
               </a:rPr>
-              <a:t>-BP Q1 Meeting</a:t>
+              <a:t>-BP</a:t>
             </a:r>
             <a:endParaRPr b="0" lang="en-GB" sz="1400" spc="-1" strike="noStrike">
               <a:latin typeface="Arial"/>
@@ -7057,16 +7748,39 @@
           </a:p>
         </p:txBody>
       </p:sp>
-      <p:sp>
-        <p:nvSpPr>
-          <p:cNvPr id="157" name="CustomShape 2"/>
+      <p:pic>
+        <p:nvPicPr>
+          <p:cNvPr id="154" name="" descr=""/>
+          <p:cNvPicPr/>
+          <p:nvPr/>
+        </p:nvPicPr>
+        <p:blipFill>
+          <a:blip r:embed="rId4"/>
+          <a:stretch/>
+        </p:blipFill>
+        <p:spPr>
+          <a:xfrm>
+            <a:off x="6966720" y="1633680"/>
+            <a:ext cx="3868920" cy="2901240"/>
+          </a:xfrm>
+          <a:prstGeom prst="rect">
+            <a:avLst/>
+          </a:prstGeom>
+          <a:ln>
+            <a:noFill/>
+          </a:ln>
+        </p:spPr>
+      </p:pic>
+      <p:sp>
+        <p:nvSpPr>
+          <p:cNvPr id="155" name="CustomShape 2"/>
           <p:cNvSpPr/>
           <p:nvPr/>
         </p:nvSpPr>
         <p:spPr>
           <a:xfrm>
-            <a:off x="792000" y="1440000"/>
-            <a:ext cx="5903640" cy="359280"/>
+            <a:off x="6427440" y="4549320"/>
+            <a:ext cx="4947480" cy="345600"/>
           </a:xfrm>
           <a:prstGeom prst="rect">
             <a:avLst/>
@@ -7085,87 +7799,37 @@
         <p:txBody>
           <a:bodyPr lIns="90000" rIns="90000" tIns="45000" bIns="45000"/>
           <a:p>
-            <a:pPr>
+            <a:pPr algn="ctr">
               <a:lnSpc>
                 <a:spcPct val="100000"/>
               </a:lnSpc>
             </a:pPr>
             <a:r>
-              <a:rPr b="1" lang="en-GB" sz="1800" spc="-1" strike="noStrike">
+              <a:rPr b="0" lang="en-GB" sz="1100" spc="-1" strike="noStrike">
                 <a:solidFill>
                   <a:srgbClr val="000000"/>
                 </a:solidFill>
-                <a:latin typeface="Arial"/>
-                <a:ea typeface="Calibri"/>
-              </a:rPr>
-              <a:t>- Fortran Training</a:t>
-            </a:r>
-            <a:r>
-              <a:rPr b="1" lang="en-GB" sz="1800" spc="-1" strike="noStrike">
-                <a:solidFill>
-                  <a:srgbClr val="000000"/>
-                </a:solidFill>
-                <a:latin typeface="Arial"/>
-                <a:ea typeface="Calibri"/>
-              </a:rPr>
-              <a:t>	</a:t>
-            </a:r>
-            <a:r>
-              <a:rPr b="1" lang="en-GB" sz="1800" spc="-1" strike="noStrike">
-                <a:solidFill>
-                  <a:srgbClr val="000000"/>
-                </a:solidFill>
-                <a:latin typeface="Arial"/>
-                <a:ea typeface="Calibri"/>
-              </a:rPr>
-              <a:t>	</a:t>
-            </a:r>
-            <a:r>
-              <a:rPr b="1" lang="en-GB" sz="1800" spc="-1" strike="noStrike">
-                <a:solidFill>
-                  <a:srgbClr val="000000"/>
-                </a:solidFill>
-                <a:latin typeface="Arial"/>
-                <a:ea typeface="Calibri"/>
-              </a:rPr>
-              <a:t>- IC-FERST training</a:t>
-            </a:r>
-            <a:endParaRPr b="0" lang="en-GB" sz="1800" spc="-1" strike="noStrike">
-              <a:latin typeface="Arial"/>
-            </a:endParaRPr>
-          </a:p>
-          <a:p>
-            <a:pPr>
-              <a:lnSpc>
-                <a:spcPct val="100000"/>
-              </a:lnSpc>
-            </a:pPr>
-            <a:endParaRPr b="0" lang="en-GB" sz="1800" spc="-1" strike="noStrike">
-              <a:latin typeface="Arial"/>
-            </a:endParaRPr>
-          </a:p>
-          <a:p>
-            <a:pPr>
-              <a:lnSpc>
-                <a:spcPct val="100000"/>
-              </a:lnSpc>
-            </a:pPr>
-            <a:endParaRPr b="0" lang="en-GB" sz="1800" spc="-1" strike="noStrike">
-              <a:latin typeface="Arial"/>
-            </a:endParaRPr>
-          </a:p>
-        </p:txBody>
-      </p:sp>
-      <p:sp>
-        <p:nvSpPr>
-          <p:cNvPr id="158" name="CustomShape 3"/>
+                <a:latin typeface="arial"/>
+                <a:ea typeface="DejaVu Sans"/>
+              </a:rPr>
+              <a:t>Figure 5. Illustration of the standard DG against DPG results for the same number of elements, 400.</a:t>
+            </a:r>
+            <a:endParaRPr b="0" lang="en-GB" sz="1100" spc="-1" strike="noStrike">
+              <a:latin typeface="Arial"/>
+            </a:endParaRPr>
+          </a:p>
+        </p:txBody>
+      </p:sp>
+      <p:sp>
+        <p:nvSpPr>
+          <p:cNvPr id="156" name="CustomShape 3"/>
           <p:cNvSpPr/>
           <p:nvPr/>
         </p:nvSpPr>
         <p:spPr>
           <a:xfrm>
-            <a:off x="394920" y="1882800"/>
-            <a:ext cx="11467080" cy="1018800"/>
+            <a:off x="1338480" y="6133320"/>
+            <a:ext cx="4175280" cy="345600"/>
           </a:xfrm>
           <a:prstGeom prst="rect">
             <a:avLst/>
@@ -7184,264 +7848,23 @@
         <p:txBody>
           <a:bodyPr lIns="90000" rIns="90000" tIns="45000" bIns="45000"/>
           <a:p>
-            <a:pPr marL="216000" indent="-215640">
-              <a:lnSpc>
-                <a:spcPct val="115000"/>
-              </a:lnSpc>
-              <a:spcAft>
-                <a:spcPts val="567"/>
-              </a:spcAft>
-              <a:buClr>
-                <a:srgbClr val="000000"/>
-              </a:buClr>
-              <a:buSzPct val="45000"/>
-              <a:buFont typeface="Wingdings" charset="2"/>
-              <a:buChar char=""/>
-            </a:pPr>
-            <a:r>
-              <a:rPr b="0" lang="en-GB" sz="1200" spc="-1" strike="noStrike">
-                <a:latin typeface="Arial"/>
-              </a:rPr>
-              <a:t>Training sessions: multi-phase time-loop in the IC-FERST, identified the key subroutines corresponding to momentum, magma, porous media equations and their variables.</a:t>
-            </a:r>
-            <a:endParaRPr b="0" lang="en-GB" sz="1200" spc="-1" strike="noStrike">
-              <a:latin typeface="Arial"/>
-            </a:endParaRPr>
-          </a:p>
-          <a:p>
-            <a:pPr marL="216000" indent="-215640">
-              <a:lnSpc>
-                <a:spcPct val="115000"/>
-              </a:lnSpc>
-              <a:spcAft>
-                <a:spcPts val="567"/>
-              </a:spcAft>
-              <a:buClr>
-                <a:srgbClr val="000000"/>
-              </a:buClr>
-              <a:buSzPct val="45000"/>
-              <a:buFont typeface="Wingdings" charset="2"/>
-              <a:buChar char=""/>
-            </a:pPr>
-            <a:r>
-              <a:rPr b="0" lang="en-GB" sz="1200" spc="-1" strike="noStrike">
-                <a:latin typeface="Arial"/>
-              </a:rPr>
-              <a:t>Training for connecting &amp; working with workstations, downloading and compiling IC-FERST code.</a:t>
-            </a:r>
-            <a:endParaRPr b="0" lang="en-GB" sz="1200" spc="-1" strike="noStrike">
-              <a:latin typeface="Arial"/>
-            </a:endParaRPr>
-          </a:p>
-          <a:p>
-            <a:pPr marL="216000" indent="-215640">
-              <a:lnSpc>
-                <a:spcPct val="115000"/>
-              </a:lnSpc>
-              <a:spcAft>
-                <a:spcPts val="567"/>
-              </a:spcAft>
-              <a:buClr>
-                <a:srgbClr val="000000"/>
-              </a:buClr>
-              <a:buSzPct val="45000"/>
-              <a:buFont typeface="Wingdings" charset="2"/>
-              <a:buChar char=""/>
-            </a:pPr>
-            <a:r>
-              <a:rPr b="0" lang="en-GB" sz="1200" spc="-1" strike="noStrike">
-                <a:latin typeface="Arial"/>
-              </a:rPr>
-              <a:t>ran 2D test files e.g. flow pass in a cylinder &amp; collapsing water column. changed the flow velocity, the shapes and the positions of the problem.</a:t>
-            </a:r>
-            <a:endParaRPr b="0" lang="en-GB" sz="1200" spc="-1" strike="noStrike">
-              <a:latin typeface="Arial"/>
-            </a:endParaRPr>
-          </a:p>
-        </p:txBody>
-      </p:sp>
-      <p:pic>
-        <p:nvPicPr>
-          <p:cNvPr id="159" name="" descr=""/>
-          <p:cNvPicPr/>
-          <p:nvPr/>
-        </p:nvPicPr>
-        <p:blipFill>
-          <a:blip r:embed="rId3"/>
-          <a:srcRect l="28664" t="0" r="28215" b="0"/>
-          <a:stretch/>
-        </p:blipFill>
-        <p:spPr>
-          <a:xfrm>
-            <a:off x="2756160" y="3149640"/>
-            <a:ext cx="2283480" cy="2087640"/>
-          </a:xfrm>
-          <a:prstGeom prst="rect">
-            <a:avLst/>
-          </a:prstGeom>
-          <a:ln>
-            <a:noFill/>
-          </a:ln>
-        </p:spPr>
-      </p:pic>
-      <p:pic>
-        <p:nvPicPr>
-          <p:cNvPr id="160" name="" descr=""/>
-          <p:cNvPicPr/>
-          <p:nvPr/>
-        </p:nvPicPr>
-        <p:blipFill>
-          <a:blip r:embed="rId4"/>
-          <a:srcRect l="28664" t="0" r="28215" b="0"/>
-          <a:stretch/>
-        </p:blipFill>
-        <p:spPr>
-          <a:xfrm>
-            <a:off x="432000" y="3149640"/>
-            <a:ext cx="2303640" cy="2106000"/>
-          </a:xfrm>
-          <a:prstGeom prst="rect">
-            <a:avLst/>
-          </a:prstGeom>
-          <a:ln>
-            <a:noFill/>
-          </a:ln>
-        </p:spPr>
-      </p:pic>
-      <p:pic>
-        <p:nvPicPr>
-          <p:cNvPr id="161" name="" descr=""/>
-          <p:cNvPicPr/>
-          <p:nvPr/>
-        </p:nvPicPr>
-        <p:blipFill>
-          <a:blip r:embed="rId5"/>
-          <a:srcRect l="28536" t="0" r="28346" b="0"/>
-          <a:stretch/>
-        </p:blipFill>
-        <p:spPr>
-          <a:xfrm>
-            <a:off x="5724000" y="3168000"/>
-            <a:ext cx="2949480" cy="2080440"/>
-          </a:xfrm>
-          <a:prstGeom prst="rect">
-            <a:avLst/>
-          </a:prstGeom>
-          <a:ln>
-            <a:noFill/>
-          </a:ln>
-        </p:spPr>
-      </p:pic>
-      <p:pic>
-        <p:nvPicPr>
-          <p:cNvPr id="162" name="" descr=""/>
-          <p:cNvPicPr/>
-          <p:nvPr/>
-        </p:nvPicPr>
-        <p:blipFill>
-          <a:blip r:embed="rId6"/>
-          <a:srcRect l="28070" t="0" r="28220" b="0"/>
-          <a:stretch/>
-        </p:blipFill>
-        <p:spPr>
-          <a:xfrm>
-            <a:off x="8709840" y="3175200"/>
-            <a:ext cx="2989800" cy="2080440"/>
-          </a:xfrm>
-          <a:prstGeom prst="rect">
-            <a:avLst/>
-          </a:prstGeom>
-          <a:ln>
-            <a:noFill/>
-          </a:ln>
-        </p:spPr>
-      </p:pic>
-      <p:sp>
-        <p:nvSpPr>
-          <p:cNvPr id="163" name="CustomShape 4"/>
-          <p:cNvSpPr/>
-          <p:nvPr/>
-        </p:nvSpPr>
-        <p:spPr>
-          <a:xfrm>
-            <a:off x="972000" y="5370840"/>
-            <a:ext cx="3417120" cy="346320"/>
-          </a:xfrm>
-          <a:prstGeom prst="rect">
-            <a:avLst/>
-          </a:prstGeom>
-          <a:noFill/>
-          <a:ln>
-            <a:noFill/>
-          </a:ln>
-        </p:spPr>
-        <p:style>
-          <a:lnRef idx="0"/>
-          <a:fillRef idx="0"/>
-          <a:effectRef idx="0"/>
-          <a:fontRef idx="minor"/>
-        </p:style>
-        <p:txBody>
-          <a:bodyPr lIns="90000" rIns="90000" tIns="45000" bIns="45000"/>
-          <a:p>
-            <a:pPr>
+            <a:pPr algn="ctr">
               <a:lnSpc>
                 <a:spcPct val="100000"/>
               </a:lnSpc>
             </a:pPr>
             <a:r>
-              <a:rPr b="0" lang="en-GB" sz="1000" spc="-1" strike="noStrike">
-                <a:latin typeface="Arial"/>
-              </a:rPr>
-              <a:t>Collapsing water column under gravity with a fixed mesh</a:t>
-            </a:r>
-            <a:endParaRPr b="0" lang="en-GB" sz="1000" spc="-1" strike="noStrike">
-              <a:latin typeface="Arial"/>
-            </a:endParaRPr>
-          </a:p>
-        </p:txBody>
-      </p:sp>
-      <p:sp>
-        <p:nvSpPr>
-          <p:cNvPr id="164" name="CustomShape 5"/>
-          <p:cNvSpPr/>
-          <p:nvPr/>
-        </p:nvSpPr>
-        <p:spPr>
-          <a:xfrm>
-            <a:off x="6878520" y="5370840"/>
-            <a:ext cx="3705120" cy="373680"/>
-          </a:xfrm>
-          <a:prstGeom prst="rect">
-            <a:avLst/>
-          </a:prstGeom>
-          <a:noFill/>
-          <a:ln>
-            <a:noFill/>
-          </a:ln>
-        </p:spPr>
-        <p:style>
-          <a:lnRef idx="0"/>
-          <a:fillRef idx="0"/>
-          <a:effectRef idx="0"/>
-          <a:fontRef idx="minor"/>
-        </p:style>
-        <p:txBody>
-          <a:bodyPr lIns="90000" rIns="90000" tIns="45000" bIns="45000"/>
-          <a:p>
-            <a:pPr>
-              <a:lnSpc>
-                <a:spcPct val="100000"/>
-              </a:lnSpc>
-            </a:pPr>
-            <a:r>
-              <a:rPr b="0" lang="en-GB" sz="1000" spc="-1" strike="noStrike">
-                <a:latin typeface="Arial"/>
-              </a:rPr>
-              <a:t>Collapsing water column under gravity with an adaptive mesh</a:t>
-            </a:r>
-            <a:endParaRPr b="0" lang="en-GB" sz="1000" spc="-1" strike="noStrike">
-              <a:latin typeface="Arial"/>
+              <a:rPr b="0" lang="en-GB" sz="1800" spc="-1" strike="noStrike" baseline="33000">
+                <a:solidFill>
+                  <a:srgbClr val="000000"/>
+                </a:solidFill>
+                <a:latin typeface="arial"/>
+                <a:ea typeface="DejaVu Sans"/>
+              </a:rPr>
+              <a:t>Figure 4. Flowchart for the DG Petrov-Galerkin diffusion method.</a:t>
+            </a:r>
+            <a:endParaRPr b="0" lang="en-GB" sz="1800" spc="-1" strike="noStrike">
+              <a:latin typeface="arial"/>
             </a:endParaRPr>
           </a:p>
         </p:txBody>
@@ -7497,7 +7920,7 @@
       </p:grpSpPr>
       <p:pic>
         <p:nvPicPr>
-          <p:cNvPr id="165" name="Picture 6" descr=""/>
+          <p:cNvPr id="157" name="Picture 6" descr=""/>
           <p:cNvPicPr/>
           <p:nvPr/>
         </p:nvPicPr>
@@ -7508,7 +7931,7 @@
         <p:spPr>
           <a:xfrm>
             <a:off x="388440" y="333720"/>
-            <a:ext cx="1360800" cy="360360"/>
+            <a:ext cx="1360080" cy="359640"/>
           </a:xfrm>
           <a:prstGeom prst="rect">
             <a:avLst/>
@@ -7518,9 +7941,68 @@
           </a:ln>
         </p:spPr>
       </p:pic>
+      <p:sp>
+        <p:nvSpPr>
+          <p:cNvPr id="158" name="CustomShape 1"/>
+          <p:cNvSpPr/>
+          <p:nvPr/>
+        </p:nvSpPr>
+        <p:spPr>
+          <a:xfrm>
+            <a:off x="648000" y="1044000"/>
+            <a:ext cx="1196280" cy="358560"/>
+          </a:xfrm>
+          <a:prstGeom prst="rect">
+            <a:avLst/>
+          </a:prstGeom>
+          <a:noFill/>
+          <a:ln>
+            <a:noFill/>
+          </a:ln>
+        </p:spPr>
+        <p:style>
+          <a:lnRef idx="0"/>
+          <a:fillRef idx="0"/>
+          <a:effectRef idx="0"/>
+          <a:fontRef idx="minor"/>
+        </p:style>
+        <p:txBody>
+          <a:bodyPr lIns="90000" rIns="90000" tIns="45000" bIns="45000"/>
+          <a:p>
+            <a:pPr>
+              <a:lnSpc>
+                <a:spcPct val="100000"/>
+              </a:lnSpc>
+            </a:pPr>
+            <a:r>
+              <a:rPr b="1" lang="en-GB" sz="1800" spc="-1" strike="noStrike">
+                <a:solidFill>
+                  <a:srgbClr val="000000"/>
+                </a:solidFill>
+                <a:latin typeface="Arial"/>
+                <a:ea typeface="Calibri"/>
+              </a:rPr>
+              <a:t>- 2D FDM</a:t>
+            </a:r>
+            <a:endParaRPr b="0" lang="en-GB" sz="1800" spc="-1" strike="noStrike">
+              <a:latin typeface="Arial"/>
+            </a:endParaRPr>
+          </a:p>
+          <a:p>
+            <a:pPr>
+              <a:lnSpc>
+                <a:spcPct val="100000"/>
+              </a:lnSpc>
+            </a:pPr>
+            <a:endParaRPr b="0" lang="en-GB" sz="1800" spc="-1" strike="noStrike">
+              <a:latin typeface="Arial"/>
+            </a:endParaRPr>
+          </a:p>
+        </p:txBody>
+      </p:sp>
       <p:pic>
         <p:nvPicPr>
-          <p:cNvPr id="166" name="Picture 6" descr=""/>
+          <p:cNvPr id="159" name="Picture 6" descr=""/>
           <p:cNvPicPr/>
           <p:nvPr/>
         </p:nvPicPr>
@@ -7531,7 +8013,7 @@
         <p:spPr>
           <a:xfrm>
             <a:off x="10336680" y="334800"/>
-            <a:ext cx="986400" cy="1274400"/>
+            <a:ext cx="985680" cy="1273680"/>
           </a:xfrm>
           <a:prstGeom prst="rect">
             <a:avLst/>
@@ -7541,175 +8023,9 @@
           </a:ln>
         </p:spPr>
       </p:pic>
-      <p:sp>
-        <p:nvSpPr>
-          <p:cNvPr id="167" name="CustomShape 1"/>
-          <p:cNvSpPr/>
-          <p:nvPr/>
-        </p:nvSpPr>
-        <p:spPr>
-          <a:xfrm>
-            <a:off x="4530240" y="6063840"/>
-            <a:ext cx="2741760" cy="600840"/>
-          </a:xfrm>
-          <a:prstGeom prst="rect">
-            <a:avLst/>
-          </a:prstGeom>
-          <a:noFill/>
-          <a:ln>
-            <a:noFill/>
-          </a:ln>
-        </p:spPr>
-        <p:style>
-          <a:lnRef idx="0"/>
-          <a:fillRef idx="0"/>
-          <a:effectRef idx="0"/>
-          <a:fontRef idx="minor"/>
-        </p:style>
-        <p:txBody>
-          <a:bodyPr lIns="90000" rIns="90000" tIns="45000" bIns="45000"/>
-          <a:p>
-            <a:pPr algn="ctr">
-              <a:lnSpc>
-                <a:spcPct val="90000"/>
-              </a:lnSpc>
-              <a:spcBef>
-                <a:spcPts val="1001"/>
-              </a:spcBef>
-            </a:pPr>
-            <a:r>
-              <a:rPr b="1" lang="en-GB" sz="1400" spc="-1" strike="noStrike">
-                <a:solidFill>
-                  <a:srgbClr val="002060"/>
-                </a:solidFill>
-                <a:latin typeface="Arial"/>
-                <a:ea typeface="Calibri"/>
-              </a:rPr>
-              <a:t>ICL-</a:t>
-            </a:r>
-            <a:r>
-              <a:rPr b="1" lang="en-GB" sz="1400" spc="-1" strike="noStrike">
-                <a:solidFill>
-                  <a:srgbClr val="0070c0"/>
-                </a:solidFill>
-                <a:latin typeface="Arial"/>
-                <a:ea typeface="Calibri"/>
-              </a:rPr>
-              <a:t>ICAM</a:t>
-            </a:r>
-            <a:r>
-              <a:rPr b="1" lang="en-GB" sz="1400" spc="-1" strike="noStrike">
-                <a:solidFill>
-                  <a:srgbClr val="002060"/>
-                </a:solidFill>
-                <a:latin typeface="Arial"/>
-                <a:ea typeface="Calibri"/>
-              </a:rPr>
-              <a:t>-BP Q1 Meeting</a:t>
-            </a:r>
-            <a:endParaRPr b="0" lang="en-GB" sz="1400" spc="-1" strike="noStrike">
-              <a:latin typeface="Arial"/>
-            </a:endParaRPr>
-          </a:p>
-          <a:p>
-            <a:pPr algn="ctr">
-              <a:lnSpc>
-                <a:spcPct val="90000"/>
-              </a:lnSpc>
-              <a:spcBef>
-                <a:spcPts val="1001"/>
-              </a:spcBef>
-            </a:pPr>
-            <a:r>
-              <a:rPr b="0" lang="en-GB" sz="1400" spc="-1" strike="noStrike">
-                <a:solidFill>
-                  <a:srgbClr val="000000"/>
-                </a:solidFill>
-                <a:latin typeface="Arial"/>
-                <a:ea typeface="Calibri"/>
-              </a:rPr>
-              <a:t>24</a:t>
-            </a:r>
-            <a:r>
-              <a:rPr b="0" lang="en-GB" sz="1400" spc="-1" strike="noStrike" baseline="30000">
-                <a:solidFill>
-                  <a:srgbClr val="000000"/>
-                </a:solidFill>
-                <a:latin typeface="Arial"/>
-                <a:ea typeface="Calibri"/>
-              </a:rPr>
-              <a:t>th</a:t>
-            </a:r>
-            <a:r>
-              <a:rPr b="0" lang="en-GB" sz="1400" spc="-1" strike="noStrike">
-                <a:solidFill>
-                  <a:srgbClr val="000000"/>
-                </a:solidFill>
-                <a:latin typeface="Arial"/>
-                <a:ea typeface="Calibri"/>
-              </a:rPr>
-              <a:t> March 2021</a:t>
-            </a:r>
-            <a:endParaRPr b="0" lang="en-GB" sz="1400" spc="-1" strike="noStrike">
-              <a:latin typeface="Arial"/>
-            </a:endParaRPr>
-          </a:p>
-        </p:txBody>
-      </p:sp>
-      <p:sp>
-        <p:nvSpPr>
-          <p:cNvPr id="168" name="CustomShape 2"/>
-          <p:cNvSpPr/>
-          <p:nvPr/>
-        </p:nvSpPr>
-        <p:spPr>
-          <a:xfrm>
-            <a:off x="648000" y="1440000"/>
-            <a:ext cx="3808080" cy="323640"/>
-          </a:xfrm>
-          <a:prstGeom prst="rect">
-            <a:avLst/>
-          </a:prstGeom>
-          <a:noFill/>
-          <a:ln>
-            <a:noFill/>
-          </a:ln>
-        </p:spPr>
-        <p:style>
-          <a:lnRef idx="0"/>
-          <a:fillRef idx="0"/>
-          <a:effectRef idx="0"/>
-          <a:fontRef idx="minor"/>
-        </p:style>
-        <p:txBody>
-          <a:bodyPr lIns="90000" rIns="90000" tIns="45000" bIns="45000"/>
-          <a:p>
-            <a:pPr marL="216000" indent="-215640">
-              <a:lnSpc>
-                <a:spcPct val="100000"/>
-              </a:lnSpc>
-              <a:buClr>
-                <a:srgbClr val="000000"/>
-              </a:buClr>
-              <a:buSzPct val="45000"/>
-              <a:buFont typeface="Wingdings" charset="2"/>
-              <a:buChar char=""/>
-            </a:pPr>
-            <a:r>
-              <a:rPr b="0" lang="en-GB" sz="1200" spc="-1" strike="noStrike">
-                <a:latin typeface="Arial"/>
-              </a:rPr>
-              <a:t>ran a 3D test files for flow pass in a cylinder case . </a:t>
-            </a:r>
-            <a:endParaRPr b="0" lang="en-GB" sz="1200" spc="-1" strike="noStrike">
-              <a:latin typeface="Arial"/>
-            </a:endParaRPr>
-          </a:p>
-        </p:txBody>
-      </p:sp>
       <p:pic>
         <p:nvPicPr>
-          <p:cNvPr id="169" name="" descr=""/>
+          <p:cNvPr id="160" name="" descr=""/>
           <p:cNvPicPr/>
           <p:nvPr/>
         </p:nvPicPr>
@@ -7719,8 +8035,8 @@
         </p:blipFill>
         <p:spPr>
           <a:xfrm>
-            <a:off x="1440000" y="2016000"/>
-            <a:ext cx="9071640" cy="3578760"/>
+            <a:off x="3420000" y="890280"/>
+            <a:ext cx="4174920" cy="1880640"/>
           </a:xfrm>
           <a:prstGeom prst="rect">
             <a:avLst/>
@@ -7732,14 +8048,14 @@
       </p:pic>
       <p:sp>
         <p:nvSpPr>
-          <p:cNvPr id="170" name="CustomShape 3"/>
+          <p:cNvPr id="161" name="CustomShape 2"/>
           <p:cNvSpPr/>
           <p:nvPr/>
         </p:nvSpPr>
         <p:spPr>
           <a:xfrm>
-            <a:off x="4604400" y="5688000"/>
-            <a:ext cx="2742840" cy="373680"/>
+            <a:off x="648000" y="2952000"/>
+            <a:ext cx="1727640" cy="358560"/>
           </a:xfrm>
           <a:prstGeom prst="rect">
             <a:avLst/>
@@ -7764,12 +8080,406 @@
               </a:lnSpc>
             </a:pPr>
             <a:r>
-              <a:rPr b="0" lang="en-GB" sz="1000" spc="-1" strike="noStrike">
-                <a:latin typeface="Arial"/>
-              </a:rPr>
-              <a:t>Flow pass a cylinder with a 3D adaptive mesh</a:t>
-            </a:r>
-            <a:endParaRPr b="0" lang="en-GB" sz="1000" spc="-1" strike="noStrike">
+              <a:rPr b="1" lang="en-GB" sz="1800" spc="-1" strike="noStrike">
+                <a:solidFill>
+                  <a:srgbClr val="000000"/>
+                </a:solidFill>
+                <a:latin typeface="Arial"/>
+                <a:ea typeface="Calibri"/>
+              </a:rPr>
+              <a:t>- 2D DG-FEM</a:t>
+            </a:r>
+            <a:endParaRPr b="0" lang="en-GB" sz="1800" spc="-1" strike="noStrike">
+              <a:latin typeface="Arial"/>
+            </a:endParaRPr>
+          </a:p>
+          <a:p>
+            <a:pPr>
+              <a:lnSpc>
+                <a:spcPct val="100000"/>
+              </a:lnSpc>
+            </a:pPr>
+            <a:endParaRPr b="0" lang="en-GB" sz="1800" spc="-1" strike="noStrike">
+              <a:latin typeface="Arial"/>
+            </a:endParaRPr>
+          </a:p>
+        </p:txBody>
+      </p:sp>
+      <p:pic>
+        <p:nvPicPr>
+          <p:cNvPr id="162" name="" descr=""/>
+          <p:cNvPicPr/>
+          <p:nvPr/>
+        </p:nvPicPr>
+        <p:blipFill>
+          <a:blip r:embed="rId4"/>
+          <a:stretch/>
+        </p:blipFill>
+        <p:spPr>
+          <a:xfrm>
+            <a:off x="731160" y="3420000"/>
+            <a:ext cx="3128400" cy="2385720"/>
+          </a:xfrm>
+          <a:prstGeom prst="rect">
+            <a:avLst/>
+          </a:prstGeom>
+          <a:ln>
+            <a:noFill/>
+          </a:ln>
+        </p:spPr>
+      </p:pic>
+      <p:pic>
+        <p:nvPicPr>
+          <p:cNvPr id="163" name="" descr=""/>
+          <p:cNvPicPr/>
+          <p:nvPr/>
+        </p:nvPicPr>
+        <p:blipFill>
+          <a:blip r:embed="rId5"/>
+          <a:stretch/>
+        </p:blipFill>
+        <p:spPr>
+          <a:xfrm>
+            <a:off x="5112000" y="3420000"/>
+            <a:ext cx="1979640" cy="1942920"/>
+          </a:xfrm>
+          <a:prstGeom prst="rect">
+            <a:avLst/>
+          </a:prstGeom>
+          <a:ln>
+            <a:noFill/>
+          </a:ln>
+        </p:spPr>
+      </p:pic>
+      <p:pic>
+        <p:nvPicPr>
+          <p:cNvPr id="164" name="" descr=""/>
+          <p:cNvPicPr/>
+          <p:nvPr/>
+        </p:nvPicPr>
+        <p:blipFill>
+          <a:blip r:embed="rId6"/>
+          <a:stretch/>
+        </p:blipFill>
+        <p:spPr>
+          <a:xfrm>
+            <a:off x="8836920" y="3420000"/>
+            <a:ext cx="2414520" cy="1222920"/>
+          </a:xfrm>
+          <a:prstGeom prst="rect">
+            <a:avLst/>
+          </a:prstGeom>
+          <a:ln>
+            <a:noFill/>
+          </a:ln>
+        </p:spPr>
+      </p:pic>
+      <p:sp>
+        <p:nvSpPr>
+          <p:cNvPr id="165" name="CustomShape 3"/>
+          <p:cNvSpPr/>
+          <p:nvPr/>
+        </p:nvSpPr>
+        <p:spPr>
+          <a:xfrm>
+            <a:off x="897480" y="5832000"/>
+            <a:ext cx="2795760" cy="286920"/>
+          </a:xfrm>
+          <a:prstGeom prst="rect">
+            <a:avLst/>
+          </a:prstGeom>
+          <a:noFill/>
+          <a:ln>
+            <a:noFill/>
+          </a:ln>
+        </p:spPr>
+        <p:style>
+          <a:lnRef idx="0"/>
+          <a:fillRef idx="0"/>
+          <a:effectRef idx="0"/>
+          <a:fontRef idx="minor"/>
+        </p:style>
+        <p:txBody>
+          <a:bodyPr lIns="90000" rIns="90000" tIns="45000" bIns="45000"/>
+          <a:p>
+            <a:pPr algn="ctr">
+              <a:lnSpc>
+                <a:spcPct val="100000"/>
+              </a:lnSpc>
+            </a:pPr>
+            <a:r>
+              <a:rPr b="0" lang="en-GB" sz="1100" spc="-1" strike="noStrike">
+                <a:solidFill>
+                  <a:srgbClr val="000000"/>
+                </a:solidFill>
+                <a:latin typeface="Arial"/>
+                <a:ea typeface="DejaVu Sans"/>
+              </a:rPr>
+              <a:t>Figure 7. 2D domain with local &amp; global node numbering</a:t>
+            </a:r>
+            <a:endParaRPr b="0" lang="en-GB" sz="1100" spc="-1" strike="noStrike">
+              <a:latin typeface="Arial"/>
+            </a:endParaRPr>
+          </a:p>
+        </p:txBody>
+      </p:sp>
+      <p:sp>
+        <p:nvSpPr>
+          <p:cNvPr id="166" name="CustomShape 4"/>
+          <p:cNvSpPr/>
+          <p:nvPr/>
+        </p:nvSpPr>
+        <p:spPr>
+          <a:xfrm>
+            <a:off x="4644000" y="5580000"/>
+            <a:ext cx="3420000" cy="231120"/>
+          </a:xfrm>
+          <a:prstGeom prst="rect">
+            <a:avLst/>
+          </a:prstGeom>
+          <a:noFill/>
+          <a:ln>
+            <a:noFill/>
+          </a:ln>
+        </p:spPr>
+        <p:style>
+          <a:lnRef idx="0"/>
+          <a:fillRef idx="0"/>
+          <a:effectRef idx="0"/>
+          <a:fontRef idx="minor"/>
+        </p:style>
+        <p:txBody>
+          <a:bodyPr lIns="90000" rIns="90000" tIns="45000" bIns="45000"/>
+          <a:p>
+            <a:pPr algn="ctr">
+              <a:lnSpc>
+                <a:spcPct val="100000"/>
+              </a:lnSpc>
+            </a:pPr>
+            <a:r>
+              <a:rPr b="0" lang="en-GB" sz="1100" spc="-1" strike="noStrike">
+                <a:solidFill>
+                  <a:srgbClr val="000000"/>
+                </a:solidFill>
+                <a:latin typeface="Arial"/>
+                <a:ea typeface="DejaVu Sans"/>
+              </a:rPr>
+              <a:t>Figure 8. Volume integral using 3-0point Gaussian quadrature method</a:t>
+            </a:r>
+            <a:endParaRPr b="0" lang="en-GB" sz="1100" spc="-1" strike="noStrike">
+              <a:latin typeface="Arial"/>
+            </a:endParaRPr>
+          </a:p>
+        </p:txBody>
+      </p:sp>
+      <p:sp>
+        <p:nvSpPr>
+          <p:cNvPr id="167" name="CustomShape 5"/>
+          <p:cNvSpPr/>
+          <p:nvPr/>
+        </p:nvSpPr>
+        <p:spPr>
+          <a:xfrm>
+            <a:off x="8640000" y="4881960"/>
+            <a:ext cx="2808000" cy="372960"/>
+          </a:xfrm>
+          <a:prstGeom prst="rect">
+            <a:avLst/>
+          </a:prstGeom>
+          <a:noFill/>
+          <a:ln>
+            <a:noFill/>
+          </a:ln>
+        </p:spPr>
+        <p:style>
+          <a:lnRef idx="0"/>
+          <a:fillRef idx="0"/>
+          <a:effectRef idx="0"/>
+          <a:fontRef idx="minor"/>
+        </p:style>
+        <p:txBody>
+          <a:bodyPr lIns="90000" rIns="90000" tIns="45000" bIns="45000"/>
+          <a:p>
+            <a:pPr algn="ctr">
+              <a:lnSpc>
+                <a:spcPct val="100000"/>
+              </a:lnSpc>
+            </a:pPr>
+            <a:r>
+              <a:rPr b="0" lang="en-GB" sz="1100" spc="-1" strike="noStrike">
+                <a:solidFill>
+                  <a:srgbClr val="000000"/>
+                </a:solidFill>
+                <a:latin typeface="Arial"/>
+                <a:ea typeface="DejaVu Sans"/>
+              </a:rPr>
+              <a:t>Figure 9. Surface integral using 2-point Gaussian quadrature method</a:t>
+            </a:r>
+            <a:endParaRPr b="0" lang="en-GB" sz="1100" spc="-1" strike="noStrike">
+              <a:latin typeface="Arial"/>
+            </a:endParaRPr>
+          </a:p>
+        </p:txBody>
+      </p:sp>
+      <p:sp>
+        <p:nvSpPr>
+          <p:cNvPr id="168" name="CustomShape 6"/>
+          <p:cNvSpPr/>
+          <p:nvPr/>
+        </p:nvSpPr>
+        <p:spPr>
+          <a:xfrm>
+            <a:off x="4833360" y="6238080"/>
+            <a:ext cx="2524680" cy="471960"/>
+          </a:xfrm>
+          <a:prstGeom prst="rect">
+            <a:avLst/>
+          </a:prstGeom>
+          <a:noFill/>
+          <a:ln>
+            <a:noFill/>
+          </a:ln>
+        </p:spPr>
+        <p:style>
+          <a:lnRef idx="0"/>
+          <a:fillRef idx="0"/>
+          <a:effectRef idx="0"/>
+          <a:fontRef idx="minor"/>
+        </p:style>
+        <p:txBody>
+          <a:bodyPr lIns="90000" rIns="90000" tIns="45000" bIns="45000"/>
+          <a:p>
+            <a:pPr algn="ctr">
+              <a:lnSpc>
+                <a:spcPct val="90000"/>
+              </a:lnSpc>
+              <a:spcBef>
+                <a:spcPts val="1001"/>
+              </a:spcBef>
+            </a:pPr>
+            <a:r>
+              <a:rPr b="1" lang="en-GB" sz="1400" spc="-1" strike="noStrike">
+                <a:solidFill>
+                  <a:srgbClr val="002060"/>
+                </a:solidFill>
+                <a:latin typeface="Arial"/>
+                <a:ea typeface="Calibri"/>
+              </a:rPr>
+              <a:t>ICL-</a:t>
+            </a:r>
+            <a:r>
+              <a:rPr b="1" lang="en-GB" sz="1400" spc="-1" strike="noStrike">
+                <a:solidFill>
+                  <a:srgbClr val="0070c0"/>
+                </a:solidFill>
+                <a:latin typeface="Arial"/>
+                <a:ea typeface="Calibri"/>
+              </a:rPr>
+              <a:t>ICAM</a:t>
+            </a:r>
+            <a:r>
+              <a:rPr b="1" lang="en-GB" sz="1400" spc="-1" strike="noStrike">
+                <a:solidFill>
+                  <a:srgbClr val="002060"/>
+                </a:solidFill>
+                <a:latin typeface="Arial"/>
+                <a:ea typeface="Calibri"/>
+              </a:rPr>
+              <a:t>-BP</a:t>
+            </a:r>
+            <a:endParaRPr b="0" lang="en-GB" sz="1400" spc="-1" strike="noStrike">
+              <a:latin typeface="Arial"/>
+            </a:endParaRPr>
+          </a:p>
+          <a:p>
+            <a:pPr algn="ctr">
+              <a:lnSpc>
+                <a:spcPct val="90000"/>
+              </a:lnSpc>
+              <a:spcBef>
+                <a:spcPts val="1001"/>
+              </a:spcBef>
+            </a:pPr>
+            <a:r>
+              <a:rPr b="0" lang="en-GB" sz="1400" spc="-1" strike="noStrike">
+                <a:solidFill>
+                  <a:srgbClr val="000000"/>
+                </a:solidFill>
+                <a:latin typeface="Arial"/>
+                <a:ea typeface="Calibri"/>
+              </a:rPr>
+              <a:t>24</a:t>
+            </a:r>
+            <a:r>
+              <a:rPr b="0" lang="en-GB" sz="1400" spc="-1" strike="noStrike" baseline="30000">
+                <a:solidFill>
+                  <a:srgbClr val="000000"/>
+                </a:solidFill>
+                <a:latin typeface="Arial"/>
+                <a:ea typeface="Calibri"/>
+              </a:rPr>
+              <a:t>th</a:t>
+            </a:r>
+            <a:r>
+              <a:rPr b="0" lang="en-GB" sz="1400" spc="-1" strike="noStrike">
+                <a:solidFill>
+                  <a:srgbClr val="000000"/>
+                </a:solidFill>
+                <a:latin typeface="Arial"/>
+                <a:ea typeface="Calibri"/>
+              </a:rPr>
+              <a:t> March 2021</a:t>
+            </a:r>
+            <a:endParaRPr b="0" lang="en-GB" sz="1400" spc="-1" strike="noStrike">
+              <a:latin typeface="Arial"/>
+            </a:endParaRPr>
+          </a:p>
+        </p:txBody>
+      </p:sp>
+      <p:sp>
+        <p:nvSpPr>
+          <p:cNvPr id="169" name="CustomShape 7"/>
+          <p:cNvSpPr/>
+          <p:nvPr/>
+        </p:nvSpPr>
+        <p:spPr>
+          <a:xfrm>
+            <a:off x="3677760" y="2880000"/>
+            <a:ext cx="3954240" cy="286920"/>
+          </a:xfrm>
+          <a:prstGeom prst="rect">
+            <a:avLst/>
+          </a:prstGeom>
+          <a:noFill/>
+          <a:ln>
+            <a:noFill/>
+          </a:ln>
+        </p:spPr>
+        <p:style>
+          <a:lnRef idx="0"/>
+          <a:fillRef idx="0"/>
+          <a:effectRef idx="0"/>
+          <a:fontRef idx="minor"/>
+        </p:style>
+        <p:txBody>
+          <a:bodyPr lIns="90000" rIns="90000" tIns="45000" bIns="45000"/>
+          <a:p>
+            <a:pPr>
+              <a:lnSpc>
+                <a:spcPct val="100000"/>
+              </a:lnSpc>
+            </a:pPr>
+            <a:r>
+              <a:rPr b="0" lang="en-GB" sz="1100" spc="-1" strike="noStrike">
+                <a:solidFill>
+                  <a:srgbClr val="000000"/>
+                </a:solidFill>
+                <a:latin typeface="Arial"/>
+                <a:ea typeface="DejaVu Sans"/>
+              </a:rPr>
+              <a:t>Figure 6. Travelling a square wave in 2D with 500 elements.</a:t>
+            </a:r>
+            <a:endParaRPr b="0" lang="en-GB" sz="1100" spc="-1" strike="noStrike">
               <a:latin typeface="Arial"/>
             </a:endParaRPr>
           </a:p>
@@ -7824,189 +8534,9 @@
           <a:chExt cx="0" cy="0"/>
         </a:xfrm>
       </p:grpSpPr>
-      <p:sp>
-        <p:nvSpPr>
-          <p:cNvPr id="171" name="CustomShape 1"/>
-          <p:cNvSpPr/>
-          <p:nvPr/>
-        </p:nvSpPr>
-        <p:spPr>
-          <a:xfrm>
-            <a:off x="8105040" y="1711440"/>
-            <a:ext cx="3281040" cy="3382560"/>
-          </a:xfrm>
-          <a:prstGeom prst="rect">
-            <a:avLst/>
-          </a:prstGeom>
-          <a:noFill/>
-          <a:ln>
-            <a:noFill/>
-          </a:ln>
-        </p:spPr>
-        <p:style>
-          <a:lnRef idx="0"/>
-          <a:fillRef idx="0"/>
-          <a:effectRef idx="0"/>
-          <a:fontRef idx="minor"/>
-        </p:style>
-        <p:txBody>
-          <a:bodyPr lIns="90000" rIns="90000" tIns="45000" bIns="45000"/>
-          <a:p>
-            <a:pPr>
-              <a:lnSpc>
-                <a:spcPct val="100000"/>
-              </a:lnSpc>
-            </a:pPr>
-            <a:r>
-              <a:rPr b="1" lang="en-GB" sz="1800" spc="-1" strike="noStrike">
-                <a:solidFill>
-                  <a:srgbClr val="000000"/>
-                </a:solidFill>
-                <a:latin typeface="Arial"/>
-                <a:ea typeface="Calibri"/>
-              </a:rPr>
-              <a:t>Near-future work</a:t>
-            </a:r>
-            <a:endParaRPr b="0" lang="en-GB" sz="1800" spc="-1" strike="noStrike">
-              <a:latin typeface="Arial"/>
-            </a:endParaRPr>
-          </a:p>
-          <a:p>
-            <a:pPr>
-              <a:lnSpc>
-                <a:spcPct val="100000"/>
-              </a:lnSpc>
-            </a:pPr>
-            <a:endParaRPr b="0" lang="en-GB" sz="1800" spc="-1" strike="noStrike">
-              <a:latin typeface="Arial"/>
-            </a:endParaRPr>
-          </a:p>
-          <a:p>
-            <a:pPr marL="285840" indent="-284400">
-              <a:lnSpc>
-                <a:spcPct val="100000"/>
-              </a:lnSpc>
-              <a:buClr>
-                <a:srgbClr val="000000"/>
-              </a:buClr>
-              <a:buFont typeface="Arial,Sans-Serif"/>
-              <a:buChar char="•"/>
-            </a:pPr>
-            <a:r>
-              <a:rPr b="0" lang="en-GB" sz="1800" spc="-1" strike="noStrike">
-                <a:solidFill>
-                  <a:srgbClr val="000000"/>
-                </a:solidFill>
-                <a:latin typeface="Arial"/>
-                <a:ea typeface="Calibri"/>
-              </a:rPr>
-              <a:t>Will be working with Dr. Obeysekara on the flow in a tank problem</a:t>
-            </a:r>
-            <a:endParaRPr b="0" lang="en-GB" sz="1800" spc="-1" strike="noStrike">
-              <a:latin typeface="Arial"/>
-            </a:endParaRPr>
-          </a:p>
-          <a:p>
-            <a:pPr marL="285840" indent="-284400">
-              <a:lnSpc>
-                <a:spcPct val="100000"/>
-              </a:lnSpc>
-              <a:buClr>
-                <a:srgbClr val="000000"/>
-              </a:buClr>
-              <a:buFont typeface="Arial,Sans-Serif"/>
-              <a:buChar char="•"/>
-            </a:pPr>
-            <a:r>
-              <a:rPr b="0" lang="en-GB" sz="1800" spc="-1" strike="noStrike">
-                <a:solidFill>
-                  <a:srgbClr val="000000"/>
-                </a:solidFill>
-                <a:latin typeface="Arial"/>
-                <a:ea typeface="Calibri"/>
-              </a:rPr>
-              <a:t>2D 1st order square wave DG-FEM</a:t>
-            </a:r>
-            <a:endParaRPr b="0" lang="en-GB" sz="1800" spc="-1" strike="noStrike">
-              <a:latin typeface="Arial"/>
-            </a:endParaRPr>
-          </a:p>
-          <a:p>
-            <a:pPr marL="285840" indent="-284400">
-              <a:lnSpc>
-                <a:spcPct val="100000"/>
-              </a:lnSpc>
-              <a:buClr>
-                <a:srgbClr val="000000"/>
-              </a:buClr>
-              <a:buFont typeface="Arial,Sans-Serif"/>
-              <a:buChar char="•"/>
-            </a:pPr>
-            <a:r>
-              <a:rPr b="0" lang="en-GB" sz="1800" spc="-1" strike="noStrike">
-                <a:solidFill>
-                  <a:srgbClr val="000000"/>
-                </a:solidFill>
-                <a:latin typeface="Arial"/>
-                <a:ea typeface="Calibri"/>
-              </a:rPr>
-              <a:t>semi-structured 2D DG-FEM. </a:t>
-            </a:r>
-            <a:endParaRPr b="0" lang="en-GB" sz="1800" spc="-1" strike="noStrike">
-              <a:latin typeface="Arial"/>
-            </a:endParaRPr>
-          </a:p>
-          <a:p>
-            <a:pPr marL="285840" indent="-284400">
-              <a:lnSpc>
-                <a:spcPct val="100000"/>
-              </a:lnSpc>
-              <a:buClr>
-                <a:srgbClr val="000000"/>
-              </a:buClr>
-              <a:buFont typeface="Arial"/>
-              <a:buChar char="•"/>
-            </a:pPr>
-            <a:r>
-              <a:rPr b="0" lang="en-GB" sz="1800" spc="-1" strike="noStrike">
-                <a:solidFill>
-                  <a:srgbClr val="000000"/>
-                </a:solidFill>
-                <a:latin typeface="Arial"/>
-                <a:ea typeface="Calibri"/>
-              </a:rPr>
-              <a:t>Will be work with Prof. Pain and others on the Fortan code for semi-structured and with space-time  within</a:t>
-            </a:r>
-            <a:br/>
-            <a:r>
-              <a:rPr b="0" lang="en-GB" sz="1800" spc="-1" strike="noStrike">
-                <a:solidFill>
-                  <a:srgbClr val="000000"/>
-                </a:solidFill>
-                <a:latin typeface="Arial"/>
-                <a:ea typeface="Calibri"/>
-              </a:rPr>
-              <a:t>ICFERST/FLUIDITY.</a:t>
-            </a:r>
-            <a:endParaRPr b="0" lang="en-GB" sz="1800" spc="-1" strike="noStrike">
-              <a:latin typeface="Arial"/>
-            </a:endParaRPr>
-          </a:p>
-          <a:p>
-            <a:pPr>
-              <a:lnSpc>
-                <a:spcPct val="100000"/>
-              </a:lnSpc>
-            </a:pPr>
-            <a:endParaRPr b="0" lang="en-GB" sz="1800" spc="-1" strike="noStrike">
-              <a:latin typeface="Arial"/>
-            </a:endParaRPr>
-          </a:p>
-        </p:txBody>
-      </p:sp>
       <p:pic>
         <p:nvPicPr>
-          <p:cNvPr id="172" name="Picture 6" descr=""/>
+          <p:cNvPr id="170" name="Picture 6" descr=""/>
           <p:cNvPicPr/>
           <p:nvPr/>
         </p:nvPicPr>
@@ -8017,7 +8547,7 @@
         <p:spPr>
           <a:xfrm>
             <a:off x="388440" y="333720"/>
-            <a:ext cx="1360800" cy="360360"/>
+            <a:ext cx="1360080" cy="359640"/>
           </a:xfrm>
           <a:prstGeom prst="rect">
             <a:avLst/>
@@ -8029,7 +8559,7 @@
       </p:pic>
       <p:pic>
         <p:nvPicPr>
-          <p:cNvPr id="173" name="Picture 6" descr=""/>
+          <p:cNvPr id="171" name="Picture 6" descr=""/>
           <p:cNvPicPr/>
           <p:nvPr/>
         </p:nvPicPr>
@@ -8040,7 +8570,7 @@
         <p:spPr>
           <a:xfrm>
             <a:off x="10336680" y="334800"/>
-            <a:ext cx="986400" cy="1274400"/>
+            <a:ext cx="985680" cy="1273680"/>
           </a:xfrm>
           <a:prstGeom prst="rect">
             <a:avLst/>
@@ -8052,14 +8582,14 @@
       </p:pic>
       <p:sp>
         <p:nvSpPr>
-          <p:cNvPr id="174" name="CustomShape 2"/>
+          <p:cNvPr id="172" name="CustomShape 1"/>
           <p:cNvSpPr/>
           <p:nvPr/>
         </p:nvSpPr>
         <p:spPr>
           <a:xfrm>
-            <a:off x="638280" y="1711440"/>
-            <a:ext cx="3349080" cy="2833920"/>
+            <a:off x="792000" y="1440000"/>
+            <a:ext cx="5902920" cy="358560"/>
           </a:xfrm>
           <a:prstGeom prst="rect">
             <a:avLst/>
@@ -8091,7 +8621,37 @@
                 <a:latin typeface="Arial"/>
                 <a:ea typeface="Calibri"/>
               </a:rPr>
-              <a:t>Regular weekly meetings</a:t>
+              <a:t>- Fortran Training</a:t>
+            </a:r>
+            <a:r>
+              <a:rPr b="1" lang="en-GB" sz="1800" spc="-1" strike="noStrike">
+                <a:solidFill>
+                  <a:srgbClr val="000000"/>
+                </a:solidFill>
+                <a:latin typeface="Arial"/>
+                <a:ea typeface="Calibri"/>
+              </a:rPr>
+              <a:t>	</a:t>
+            </a:r>
+            <a:r>
+              <a:rPr b="1" lang="en-GB" sz="1800" spc="-1" strike="noStrike">
+                <a:solidFill>
+                  <a:srgbClr val="000000"/>
+                </a:solidFill>
+                <a:latin typeface="Arial"/>
+                <a:ea typeface="Calibri"/>
+              </a:rPr>
+              <a:t>	</a:t>
+            </a:r>
+            <a:r>
+              <a:rPr b="1" lang="en-GB" sz="1800" spc="-1" strike="noStrike">
+                <a:solidFill>
+                  <a:srgbClr val="000000"/>
+                </a:solidFill>
+                <a:latin typeface="Arial"/>
+                <a:ea typeface="Calibri"/>
+              </a:rPr>
+              <a:t>- IC-FERST Workshop</a:t>
             </a:r>
             <a:endParaRPr b="0" lang="en-GB" sz="1800" spc="-1" strike="noStrike">
               <a:latin typeface="Arial"/>
@@ -8108,122 +8668,27 @@
             </a:endParaRPr>
           </a:p>
           <a:p>
-            <a:pPr marL="285840" indent="-284400">
+            <a:pPr>
               <a:lnSpc>
                 <a:spcPct val="100000"/>
               </a:lnSpc>
-              <a:buClr>
-                <a:srgbClr val="000000"/>
-              </a:buClr>
-              <a:buFont typeface="Arial"/>
-              <a:buChar char="•"/>
-            </a:pPr>
-            <a:r>
-              <a:rPr b="0" lang="en-GB" sz="1800" spc="-1" strike="noStrike">
-                <a:solidFill>
-                  <a:srgbClr val="000000"/>
-                </a:solidFill>
-                <a:latin typeface="Arial"/>
-                <a:ea typeface="Calibri"/>
-              </a:rPr>
-              <a:t>AMCG catch-up</a:t>
-            </a:r>
+            </a:pPr>
             <a:endParaRPr b="0" lang="en-GB" sz="1800" spc="-1" strike="noStrike">
               <a:latin typeface="Arial"/>
             </a:endParaRPr>
           </a:p>
-          <a:p>
-            <a:pPr marL="285840" indent="-284400">
-              <a:lnSpc>
-                <a:spcPct val="100000"/>
-              </a:lnSpc>
-              <a:buClr>
-                <a:srgbClr val="000000"/>
-              </a:buClr>
-              <a:buFont typeface="Arial"/>
-              <a:buChar char="•"/>
-            </a:pPr>
-            <a:r>
-              <a:rPr b="0" lang="en-GB" sz="1800" spc="-1" strike="noStrike">
-                <a:solidFill>
-                  <a:srgbClr val="000000"/>
-                </a:solidFill>
-                <a:latin typeface="Arial"/>
-                <a:ea typeface="Calibri"/>
-              </a:rPr>
-              <a:t>Porous media/Inertia</a:t>
-            </a:r>
-            <a:endParaRPr b="0" lang="en-GB" sz="1800" spc="-1" strike="noStrike">
-              <a:latin typeface="Arial"/>
-            </a:endParaRPr>
-          </a:p>
-          <a:p>
-            <a:pPr marL="285840" indent="-284400">
-              <a:lnSpc>
-                <a:spcPct val="100000"/>
-              </a:lnSpc>
-              <a:buClr>
-                <a:srgbClr val="000000"/>
-              </a:buClr>
-              <a:buFont typeface="Arial"/>
-              <a:buChar char="•"/>
-            </a:pPr>
-            <a:r>
-              <a:rPr b="0" lang="en-GB" sz="1800" spc="-1" strike="noStrike">
-                <a:solidFill>
-                  <a:srgbClr val="000000"/>
-                </a:solidFill>
-                <a:latin typeface="Arial"/>
-                <a:ea typeface="Calibri"/>
-              </a:rPr>
-              <a:t>BP catch-up </a:t>
-            </a:r>
-            <a:endParaRPr b="0" lang="en-GB" sz="1800" spc="-1" strike="noStrike">
-              <a:latin typeface="Arial"/>
-            </a:endParaRPr>
-          </a:p>
-          <a:p>
-            <a:pPr>
-              <a:lnSpc>
-                <a:spcPct val="100000"/>
-              </a:lnSpc>
-            </a:pPr>
-            <a:endParaRPr b="0" lang="en-GB" sz="1800" spc="-1" strike="noStrike">
-              <a:latin typeface="Arial"/>
-            </a:endParaRPr>
-          </a:p>
-          <a:p>
-            <a:pPr>
-              <a:lnSpc>
-                <a:spcPct val="100000"/>
-              </a:lnSpc>
-            </a:pPr>
-            <a:endParaRPr b="0" lang="en-GB" sz="1800" spc="-1" strike="noStrike">
-              <a:latin typeface="Arial"/>
-            </a:endParaRPr>
-          </a:p>
-          <a:p>
-            <a:pPr>
-              <a:lnSpc>
-                <a:spcPct val="100000"/>
-              </a:lnSpc>
-            </a:pPr>
-            <a:endParaRPr b="0" lang="en-GB" sz="1800" spc="-1" strike="noStrike">
-              <a:latin typeface="Arial"/>
-            </a:endParaRPr>
-          </a:p>
-        </p:txBody>
-      </p:sp>
-      <p:sp>
-        <p:nvSpPr>
-          <p:cNvPr id="175" name="CustomShape 3"/>
+        </p:txBody>
+      </p:sp>
+      <p:sp>
+        <p:nvSpPr>
+          <p:cNvPr id="173" name="CustomShape 2"/>
           <p:cNvSpPr/>
           <p:nvPr/>
         </p:nvSpPr>
         <p:spPr>
           <a:xfrm>
-            <a:off x="4530240" y="6063840"/>
-            <a:ext cx="2741760" cy="600840"/>
+            <a:off x="394920" y="1882800"/>
+            <a:ext cx="11466360" cy="1018080"/>
           </a:xfrm>
           <a:prstGeom prst="rect">
             <a:avLst/>
@@ -8242,103 +8707,152 @@
         <p:txBody>
           <a:bodyPr lIns="90000" rIns="90000" tIns="45000" bIns="45000"/>
           <a:p>
-            <a:pPr algn="ctr">
-              <a:lnSpc>
-                <a:spcPct val="90000"/>
-              </a:lnSpc>
-              <a:spcBef>
-                <a:spcPts val="1001"/>
-              </a:spcBef>
-            </a:pPr>
-            <a:r>
-              <a:rPr b="1" lang="en-GB" sz="1400" spc="-1" strike="noStrike">
-                <a:solidFill>
-                  <a:srgbClr val="002060"/>
-                </a:solidFill>
-                <a:latin typeface="Arial"/>
-                <a:ea typeface="Calibri"/>
-              </a:rPr>
-              <a:t>ICL-</a:t>
-            </a:r>
-            <a:r>
-              <a:rPr b="1" lang="en-GB" sz="1400" spc="-1" strike="noStrike">
-                <a:solidFill>
-                  <a:srgbClr val="0070c0"/>
-                </a:solidFill>
-                <a:latin typeface="Arial"/>
-                <a:ea typeface="Calibri"/>
-              </a:rPr>
-              <a:t>ICAM</a:t>
-            </a:r>
-            <a:r>
-              <a:rPr b="1" lang="en-GB" sz="1400" spc="-1" strike="noStrike">
-                <a:solidFill>
-                  <a:srgbClr val="002060"/>
-                </a:solidFill>
-                <a:latin typeface="Arial"/>
-                <a:ea typeface="Calibri"/>
-              </a:rPr>
-              <a:t>-BP Q1 Meeting</a:t>
-            </a:r>
-            <a:endParaRPr b="0" lang="en-GB" sz="1400" spc="-1" strike="noStrike">
-              <a:latin typeface="Arial"/>
-            </a:endParaRPr>
-          </a:p>
-          <a:p>
-            <a:pPr algn="ctr">
-              <a:lnSpc>
-                <a:spcPct val="90000"/>
-              </a:lnSpc>
-              <a:spcBef>
-                <a:spcPts val="1001"/>
-              </a:spcBef>
-            </a:pPr>
-            <a:r>
-              <a:rPr b="0" lang="en-GB" sz="1400" spc="-1" strike="noStrike">
+            <a:pPr marL="216000" indent="-214920">
+              <a:lnSpc>
+                <a:spcPct val="115000"/>
+              </a:lnSpc>
+              <a:spcAft>
+                <a:spcPts val="567"/>
+              </a:spcAft>
+              <a:buClr>
+                <a:srgbClr val="000000"/>
+              </a:buClr>
+              <a:buSzPct val="45000"/>
+              <a:buFont typeface="Wingdings" charset="2"/>
+              <a:buChar char=""/>
+            </a:pPr>
+            <a:r>
+              <a:rPr b="0" lang="en-GB" sz="1200" spc="-1" strike="noStrike">
                 <a:solidFill>
                   <a:srgbClr val="000000"/>
                 </a:solidFill>
                 <a:latin typeface="Arial"/>
-                <a:ea typeface="Calibri"/>
-              </a:rPr>
-              <a:t>24</a:t>
-            </a:r>
-            <a:r>
-              <a:rPr b="0" lang="en-GB" sz="1400" spc="-1" strike="noStrike" baseline="30000">
+                <a:ea typeface="DejaVu Sans"/>
+              </a:rPr>
+              <a:t>Training sessions: multi-phase time-loop in the IC-FERST, identified the key subroutines corresponding to momentum, magma, porous media equations and their variables.</a:t>
+            </a:r>
+            <a:endParaRPr b="0" lang="en-GB" sz="1200" spc="-1" strike="noStrike">
+              <a:latin typeface="Arial"/>
+            </a:endParaRPr>
+          </a:p>
+          <a:p>
+            <a:pPr marL="216000" indent="-214920">
+              <a:lnSpc>
+                <a:spcPct val="115000"/>
+              </a:lnSpc>
+              <a:spcAft>
+                <a:spcPts val="567"/>
+              </a:spcAft>
+              <a:buClr>
+                <a:srgbClr val="000000"/>
+              </a:buClr>
+              <a:buSzPct val="45000"/>
+              <a:buFont typeface="Wingdings" charset="2"/>
+              <a:buChar char=""/>
+            </a:pPr>
+            <a:r>
+              <a:rPr b="0" lang="en-GB" sz="1200" spc="-1" strike="noStrike">
                 <a:solidFill>
                   <a:srgbClr val="000000"/>
                 </a:solidFill>
                 <a:latin typeface="Arial"/>
-                <a:ea typeface="Calibri"/>
-              </a:rPr>
-              <a:t>th</a:t>
-            </a:r>
-            <a:r>
-              <a:rPr b="0" lang="en-GB" sz="1400" spc="-1" strike="noStrike">
+                <a:ea typeface="DejaVu Sans"/>
+              </a:rPr>
+              <a:t>Training for connecting &amp; working with workstations, downloading and compiling IC-FERST code.</a:t>
+            </a:r>
+            <a:endParaRPr b="0" lang="en-GB" sz="1200" spc="-1" strike="noStrike">
+              <a:latin typeface="Arial"/>
+            </a:endParaRPr>
+          </a:p>
+          <a:p>
+            <a:pPr marL="216000" indent="-214920">
+              <a:lnSpc>
+                <a:spcPct val="115000"/>
+              </a:lnSpc>
+              <a:spcAft>
+                <a:spcPts val="567"/>
+              </a:spcAft>
+              <a:buClr>
+                <a:srgbClr val="000000"/>
+              </a:buClr>
+              <a:buSzPct val="45000"/>
+              <a:buFont typeface="Wingdings" charset="2"/>
+              <a:buChar char=""/>
+            </a:pPr>
+            <a:r>
+              <a:rPr b="0" lang="en-GB" sz="1200" spc="-1" strike="noStrike">
                 <a:solidFill>
                   <a:srgbClr val="000000"/>
                 </a:solidFill>
                 <a:latin typeface="Arial"/>
-                <a:ea typeface="Calibri"/>
-              </a:rPr>
-              <a:t> March 2021</a:t>
-            </a:r>
-            <a:endParaRPr b="0" lang="en-GB" sz="1400" spc="-1" strike="noStrike">
-              <a:latin typeface="Arial"/>
-            </a:endParaRPr>
-          </a:p>
-        </p:txBody>
-      </p:sp>
-      <p:sp>
-        <p:nvSpPr>
-          <p:cNvPr id="176" name="CustomShape 4"/>
+                <a:ea typeface="DejaVu Sans"/>
+              </a:rPr>
+              <a:t>2D test files e.g. flow pass in a cylinder &amp; collapsing water column. changed the flow velocity, the shapes and the positions of the problem.</a:t>
+            </a:r>
+            <a:endParaRPr b="0" lang="en-GB" sz="1200" spc="-1" strike="noStrike">
+              <a:latin typeface="Arial"/>
+            </a:endParaRPr>
+          </a:p>
+        </p:txBody>
+      </p:sp>
+      <p:pic>
+        <p:nvPicPr>
+          <p:cNvPr id="174" name="" descr=""/>
+          <p:cNvPicPr/>
+          <p:nvPr/>
+        </p:nvPicPr>
+        <p:blipFill>
+          <a:blip r:embed="rId3"/>
+          <a:srcRect l="8237" t="28138" r="0" b="0"/>
+          <a:stretch/>
+        </p:blipFill>
+        <p:spPr>
+          <a:xfrm>
+            <a:off x="576000" y="3324600"/>
+            <a:ext cx="4894920" cy="1510920"/>
+          </a:xfrm>
+          <a:prstGeom prst="rect">
+            <a:avLst/>
+          </a:prstGeom>
+          <a:ln>
+            <a:noFill/>
+          </a:ln>
+        </p:spPr>
+      </p:pic>
+      <p:pic>
+        <p:nvPicPr>
+          <p:cNvPr id="175" name="" descr=""/>
+          <p:cNvPicPr/>
+          <p:nvPr/>
+        </p:nvPicPr>
+        <p:blipFill>
+          <a:blip r:embed="rId4"/>
+          <a:srcRect l="7606" t="29267" r="0" b="0"/>
+          <a:stretch/>
+        </p:blipFill>
+        <p:spPr>
+          <a:xfrm>
+            <a:off x="6408000" y="3340800"/>
+            <a:ext cx="4898880" cy="1478520"/>
+          </a:xfrm>
+          <a:prstGeom prst="rect">
+            <a:avLst/>
+          </a:prstGeom>
+          <a:ln>
+            <a:noFill/>
+          </a:ln>
+        </p:spPr>
+      </p:pic>
+      <p:sp>
+        <p:nvSpPr>
+          <p:cNvPr id="176" name="CustomShape 3"/>
           <p:cNvSpPr/>
           <p:nvPr/>
         </p:nvSpPr>
         <p:spPr>
           <a:xfrm>
-            <a:off x="4140000" y="1711440"/>
-            <a:ext cx="3349080" cy="2833920"/>
+            <a:off x="1279800" y="4896000"/>
+            <a:ext cx="3487320" cy="286920"/>
           </a:xfrm>
           <a:prstGeom prst="rect">
             <a:avLst/>
@@ -8363,151 +8877,362 @@
               </a:lnSpc>
             </a:pPr>
             <a:r>
-              <a:rPr b="1" lang="en-GB" sz="1800" spc="-1" strike="noStrike">
+              <a:rPr b="0" lang="en-GB" sz="1100" spc="-1" strike="noStrike">
                 <a:solidFill>
                   <a:srgbClr val="000000"/>
                 </a:solidFill>
                 <a:latin typeface="Arial"/>
+                <a:ea typeface="DejaVu Sans"/>
+              </a:rPr>
+              <a:t>Figure 10. Flow pass a cylinder with the fixed mesh</a:t>
+            </a:r>
+            <a:endParaRPr b="0" lang="en-GB" sz="1100" spc="-1" strike="noStrike">
+              <a:latin typeface="Arial"/>
+            </a:endParaRPr>
+          </a:p>
+        </p:txBody>
+      </p:sp>
+      <p:sp>
+        <p:nvSpPr>
+          <p:cNvPr id="177" name="CustomShape 4"/>
+          <p:cNvSpPr/>
+          <p:nvPr/>
+        </p:nvSpPr>
+        <p:spPr>
+          <a:xfrm>
+            <a:off x="6959160" y="4896360"/>
+            <a:ext cx="3796920" cy="286560"/>
+          </a:xfrm>
+          <a:prstGeom prst="rect">
+            <a:avLst/>
+          </a:prstGeom>
+          <a:noFill/>
+          <a:ln>
+            <a:noFill/>
+          </a:ln>
+        </p:spPr>
+        <p:style>
+          <a:lnRef idx="0"/>
+          <a:fillRef idx="0"/>
+          <a:effectRef idx="0"/>
+          <a:fontRef idx="minor"/>
+        </p:style>
+        <p:txBody>
+          <a:bodyPr lIns="90000" rIns="90000" tIns="45000" bIns="45000"/>
+          <a:p>
+            <a:pPr>
+              <a:lnSpc>
+                <a:spcPct val="100000"/>
+              </a:lnSpc>
+            </a:pPr>
+            <a:r>
+              <a:rPr b="0" lang="en-GB" sz="1100" spc="-1" strike="noStrike">
+                <a:solidFill>
+                  <a:srgbClr val="000000"/>
+                </a:solidFill>
+                <a:latin typeface="Arial"/>
+                <a:ea typeface="DejaVu Sans"/>
+              </a:rPr>
+              <a:t>Figure 11. Flow pass a cylinder with the adaptive mesh</a:t>
+            </a:r>
+            <a:endParaRPr b="0" lang="en-GB" sz="1100" spc="-1" strike="noStrike">
+              <a:latin typeface="Arial"/>
+            </a:endParaRPr>
+          </a:p>
+        </p:txBody>
+      </p:sp>
+      <p:sp>
+        <p:nvSpPr>
+          <p:cNvPr id="178" name="CustomShape 5"/>
+          <p:cNvSpPr/>
+          <p:nvPr/>
+        </p:nvSpPr>
+        <p:spPr>
+          <a:xfrm>
+            <a:off x="4833360" y="6238080"/>
+            <a:ext cx="2524680" cy="471960"/>
+          </a:xfrm>
+          <a:prstGeom prst="rect">
+            <a:avLst/>
+          </a:prstGeom>
+          <a:noFill/>
+          <a:ln>
+            <a:noFill/>
+          </a:ln>
+        </p:spPr>
+        <p:style>
+          <a:lnRef idx="0"/>
+          <a:fillRef idx="0"/>
+          <a:effectRef idx="0"/>
+          <a:fontRef idx="minor"/>
+        </p:style>
+        <p:txBody>
+          <a:bodyPr lIns="90000" rIns="90000" tIns="45000" bIns="45000"/>
+          <a:p>
+            <a:pPr algn="ctr">
+              <a:lnSpc>
+                <a:spcPct val="90000"/>
+              </a:lnSpc>
+              <a:spcBef>
+                <a:spcPts val="1001"/>
+              </a:spcBef>
+            </a:pPr>
+            <a:r>
+              <a:rPr b="1" lang="en-GB" sz="1400" spc="-1" strike="noStrike">
+                <a:solidFill>
+                  <a:srgbClr val="002060"/>
+                </a:solidFill>
+                <a:latin typeface="Arial"/>
                 <a:ea typeface="Calibri"/>
               </a:rPr>
-              <a:t>Theory</a:t>
-            </a:r>
-            <a:endParaRPr b="0" lang="en-GB" sz="1800" spc="-1" strike="noStrike">
-              <a:latin typeface="Arial"/>
-            </a:endParaRPr>
-          </a:p>
+              <a:t>ICL-</a:t>
+            </a:r>
+            <a:r>
+              <a:rPr b="1" lang="en-GB" sz="1400" spc="-1" strike="noStrike">
+                <a:solidFill>
+                  <a:srgbClr val="0070c0"/>
+                </a:solidFill>
+                <a:latin typeface="Arial"/>
+                <a:ea typeface="Calibri"/>
+              </a:rPr>
+              <a:t>ICAM</a:t>
+            </a:r>
+            <a:r>
+              <a:rPr b="1" lang="en-GB" sz="1400" spc="-1" strike="noStrike">
+                <a:solidFill>
+                  <a:srgbClr val="002060"/>
+                </a:solidFill>
+                <a:latin typeface="Arial"/>
+                <a:ea typeface="Calibri"/>
+              </a:rPr>
+              <a:t>-BP</a:t>
+            </a:r>
+            <a:endParaRPr b="0" lang="en-GB" sz="1400" spc="-1" strike="noStrike">
+              <a:latin typeface="Arial"/>
+            </a:endParaRPr>
+          </a:p>
+          <a:p>
+            <a:pPr algn="ctr">
+              <a:lnSpc>
+                <a:spcPct val="90000"/>
+              </a:lnSpc>
+              <a:spcBef>
+                <a:spcPts val="1001"/>
+              </a:spcBef>
+            </a:pPr>
+            <a:r>
+              <a:rPr b="0" lang="en-GB" sz="1400" spc="-1" strike="noStrike">
+                <a:solidFill>
+                  <a:srgbClr val="000000"/>
+                </a:solidFill>
+                <a:latin typeface="Arial"/>
+                <a:ea typeface="Calibri"/>
+              </a:rPr>
+              <a:t>24</a:t>
+            </a:r>
+            <a:r>
+              <a:rPr b="0" lang="en-GB" sz="1400" spc="-1" strike="noStrike" baseline="30000">
+                <a:solidFill>
+                  <a:srgbClr val="000000"/>
+                </a:solidFill>
+                <a:latin typeface="Arial"/>
+                <a:ea typeface="Calibri"/>
+              </a:rPr>
+              <a:t>th</a:t>
+            </a:r>
+            <a:r>
+              <a:rPr b="0" lang="en-GB" sz="1400" spc="-1" strike="noStrike">
+                <a:solidFill>
+                  <a:srgbClr val="000000"/>
+                </a:solidFill>
+                <a:latin typeface="Arial"/>
+                <a:ea typeface="Calibri"/>
+              </a:rPr>
+              <a:t> March 2021</a:t>
+            </a:r>
+            <a:endParaRPr b="0" lang="en-GB" sz="1400" spc="-1" strike="noStrike">
+              <a:latin typeface="Arial"/>
+            </a:endParaRPr>
+          </a:p>
+        </p:txBody>
+      </p:sp>
+      <p:sp>
+        <p:nvSpPr>
+          <p:cNvPr id="179" name="CustomShape 6"/>
+          <p:cNvSpPr/>
+          <p:nvPr/>
+        </p:nvSpPr>
+        <p:spPr>
+          <a:xfrm>
+            <a:off x="1296000" y="5292000"/>
+            <a:ext cx="3455640" cy="1043640"/>
+          </a:xfrm>
+          <a:prstGeom prst="rect">
+            <a:avLst/>
+          </a:prstGeom>
+          <a:noFill/>
+          <a:ln>
+            <a:solidFill>
+              <a:srgbClr val="000000"/>
+            </a:solidFill>
+          </a:ln>
+        </p:spPr>
+        <p:style>
+          <a:lnRef idx="0"/>
+          <a:fillRef idx="0"/>
+          <a:effectRef idx="0"/>
+          <a:fontRef idx="minor"/>
+        </p:style>
+        <p:txBody>
+          <a:bodyPr lIns="90000" rIns="90000" tIns="45000" bIns="45000"/>
           <a:p>
             <a:pPr>
               <a:lnSpc>
                 <a:spcPct val="100000"/>
               </a:lnSpc>
             </a:pPr>
-            <a:endParaRPr b="0" lang="en-GB" sz="1800" spc="-1" strike="noStrike">
-              <a:latin typeface="Arial"/>
-            </a:endParaRPr>
-          </a:p>
-          <a:p>
-            <a:pPr marL="285840" indent="-284400">
+            <a:r>
+              <a:rPr b="0" lang="en-GB" sz="1200" spc="-1" strike="noStrike">
+                <a:solidFill>
+                  <a:srgbClr val="000000"/>
+                </a:solidFill>
+                <a:latin typeface="Arial"/>
+                <a:ea typeface="DejaVu Sans"/>
+              </a:rPr>
+              <a:t>Simulation info:</a:t>
+            </a:r>
+            <a:endParaRPr b="0" lang="en-GB" sz="1200" spc="-1" strike="noStrike">
+              <a:latin typeface="Arial"/>
+            </a:endParaRPr>
+          </a:p>
+          <a:p>
+            <a:pPr>
               <a:lnSpc>
                 <a:spcPct val="100000"/>
               </a:lnSpc>
-              <a:buClr>
-                <a:srgbClr val="000000"/>
-              </a:buClr>
-              <a:buFont typeface="Arial"/>
-              <a:buChar char="•"/>
-            </a:pPr>
-            <a:r>
-              <a:rPr b="0" lang="en-GB" sz="1800" spc="-1" strike="noStrike">
+            </a:pPr>
+            <a:r>
+              <a:rPr b="0" lang="en-GB" sz="1200" spc="-1" strike="noStrike">
                 <a:solidFill>
                   <a:srgbClr val="000000"/>
                 </a:solidFill>
                 <a:latin typeface="Arial"/>
-                <a:ea typeface="Calibri"/>
-              </a:rPr>
-              <a:t>Delaunay and barycenter triangulation</a:t>
-            </a:r>
-            <a:endParaRPr b="0" lang="en-GB" sz="1800" spc="-1" strike="noStrike">
-              <a:latin typeface="Arial"/>
-            </a:endParaRPr>
-          </a:p>
-          <a:p>
-            <a:pPr marL="285840" indent="-284400">
+                <a:ea typeface="DejaVu Sans"/>
+              </a:rPr>
+              <a:t>Number of elements: 9444</a:t>
+            </a:r>
+            <a:endParaRPr b="0" lang="en-GB" sz="1200" spc="-1" strike="noStrike">
+              <a:latin typeface="Arial"/>
+            </a:endParaRPr>
+          </a:p>
+          <a:p>
+            <a:pPr>
               <a:lnSpc>
                 <a:spcPct val="100000"/>
               </a:lnSpc>
-              <a:buClr>
-                <a:srgbClr val="000000"/>
-              </a:buClr>
-              <a:buFont typeface="Arial"/>
-              <a:buChar char="•"/>
-            </a:pPr>
-            <a:r>
-              <a:rPr b="0" lang="en-GB" sz="1800" spc="-1" strike="noStrike">
+            </a:pPr>
+            <a:r>
+              <a:rPr b="0" lang="en-GB" sz="1200" spc="-1" strike="noStrike">
                 <a:solidFill>
                   <a:srgbClr val="000000"/>
                 </a:solidFill>
                 <a:latin typeface="Arial"/>
-                <a:ea typeface="Calibri"/>
-              </a:rPr>
-              <a:t>Voronoi diagram</a:t>
-            </a:r>
-            <a:endParaRPr b="0" lang="en-GB" sz="1800" spc="-1" strike="noStrike">
-              <a:latin typeface="Arial"/>
-            </a:endParaRPr>
-          </a:p>
-          <a:p>
-            <a:pPr marL="285840" indent="-284400">
+                <a:ea typeface="DejaVu Sans"/>
+              </a:rPr>
+              <a:t>Final time: 100</a:t>
+            </a:r>
+            <a:endParaRPr b="0" lang="en-GB" sz="1200" spc="-1" strike="noStrike">
+              <a:latin typeface="Arial"/>
+            </a:endParaRPr>
+          </a:p>
+          <a:p>
+            <a:pPr>
               <a:lnSpc>
                 <a:spcPct val="100000"/>
               </a:lnSpc>
-              <a:buClr>
-                <a:srgbClr val="000000"/>
-              </a:buClr>
-              <a:buFont typeface="Arial"/>
-              <a:buChar char="•"/>
-            </a:pPr>
-            <a:r>
-              <a:rPr b="0" lang="en-GB" sz="1800" spc="-1" strike="noStrike">
+            </a:pPr>
+            <a:r>
+              <a:rPr b="0" lang="en-GB" sz="1200" spc="-1" strike="noStrike">
                 <a:solidFill>
                   <a:srgbClr val="000000"/>
                 </a:solidFill>
                 <a:latin typeface="Arial"/>
-                <a:ea typeface="Calibri"/>
-              </a:rPr>
-              <a:t>Structured mesh generation</a:t>
-            </a:r>
-            <a:endParaRPr b="0" lang="en-GB" sz="1800" spc="-1" strike="noStrike">
-              <a:latin typeface="Arial"/>
-            </a:endParaRPr>
-          </a:p>
-          <a:p>
-            <a:pPr marL="285840" indent="-284400">
+                <a:ea typeface="DejaVu Sans"/>
+              </a:rPr>
+              <a:t>Time-step: 0.005</a:t>
+            </a:r>
+            <a:endParaRPr b="0" lang="en-GB" sz="1200" spc="-1" strike="noStrike">
+              <a:latin typeface="Arial"/>
+            </a:endParaRPr>
+          </a:p>
+          <a:p>
+            <a:pPr>
               <a:lnSpc>
                 <a:spcPct val="100000"/>
               </a:lnSpc>
-              <a:buClr>
-                <a:srgbClr val="000000"/>
-              </a:buClr>
-              <a:buFont typeface="Arial"/>
-              <a:buChar char="•"/>
-            </a:pPr>
-            <a:r>
-              <a:rPr b="0" lang="en-GB" sz="1800" spc="-1" strike="noStrike">
+            </a:pPr>
+            <a:r>
+              <a:rPr b="0" lang="en-GB" sz="1200" spc="-1" strike="noStrike">
                 <a:solidFill>
                   <a:srgbClr val="000000"/>
                 </a:solidFill>
                 <a:latin typeface="Arial"/>
-                <a:ea typeface="Calibri"/>
-              </a:rPr>
-              <a:t>Unstructured mesh generation </a:t>
-            </a:r>
-            <a:endParaRPr b="0" lang="en-GB" sz="1800" spc="-1" strike="noStrike">
-              <a:latin typeface="Arial"/>
-            </a:endParaRPr>
-          </a:p>
-          <a:p>
-            <a:pPr marL="285840" indent="-284400">
+                <a:ea typeface="DejaVu Sans"/>
+              </a:rPr>
+              <a:t>Reynolds number: 3900 </a:t>
+            </a:r>
+            <a:endParaRPr b="0" lang="en-GB" sz="1200" spc="-1" strike="noStrike">
+              <a:latin typeface="Arial"/>
+            </a:endParaRPr>
+          </a:p>
+        </p:txBody>
+      </p:sp>
+      <p:sp>
+        <p:nvSpPr>
+          <p:cNvPr id="180" name="CustomShape 7"/>
+          <p:cNvSpPr/>
+          <p:nvPr/>
+        </p:nvSpPr>
+        <p:spPr>
+          <a:xfrm>
+            <a:off x="7129440" y="5292000"/>
+            <a:ext cx="3455640" cy="1223640"/>
+          </a:xfrm>
+          <a:prstGeom prst="rect">
+            <a:avLst/>
+          </a:prstGeom>
+          <a:noFill/>
+          <a:ln>
+            <a:solidFill>
+              <a:srgbClr val="000000"/>
+            </a:solidFill>
+          </a:ln>
+        </p:spPr>
+        <p:style>
+          <a:lnRef idx="0"/>
+          <a:fillRef idx="0"/>
+          <a:effectRef idx="0"/>
+          <a:fontRef idx="minor"/>
+        </p:style>
+        <p:txBody>
+          <a:bodyPr lIns="90000" rIns="90000" tIns="45000" bIns="45000"/>
+          <a:p>
+            <a:pPr>
               <a:lnSpc>
                 <a:spcPct val="100000"/>
               </a:lnSpc>
-              <a:buClr>
-                <a:srgbClr val="000000"/>
-              </a:buClr>
-              <a:buFont typeface="Arial"/>
-              <a:buChar char="•"/>
-            </a:pPr>
-            <a:r>
-              <a:rPr b="0" lang="en-GB" sz="1800" spc="-1" strike="noStrike">
+            </a:pPr>
+            <a:r>
+              <a:rPr b="0" lang="en-GB" sz="1200" spc="-1" strike="noStrike">
                 <a:solidFill>
                   <a:srgbClr val="000000"/>
                 </a:solidFill>
                 <a:latin typeface="Arial"/>
-                <a:ea typeface="Calibri"/>
-              </a:rPr>
-              <a:t>Semi-structured mesh</a:t>
-            </a:r>
-            <a:endParaRPr b="0" lang="en-GB" sz="1800" spc="-1" strike="noStrike">
+                <a:ea typeface="DejaVu Sans"/>
+              </a:rPr>
+              <a:t>Simulation info:</a:t>
+            </a:r>
+            <a:endParaRPr b="0" lang="en-GB" sz="1200" spc="-1" strike="noStrike">
               <a:latin typeface="Arial"/>
             </a:endParaRPr>
           </a:p>
@@ -8517,7 +9242,17 @@
                 <a:spcPct val="100000"/>
               </a:lnSpc>
             </a:pPr>
-            <a:endParaRPr b="0" lang="en-GB" sz="1800" spc="-1" strike="noStrike">
+            <a:r>
+              <a:rPr b="0" lang="en-GB" sz="1200" spc="-1" strike="noStrike">
+                <a:solidFill>
+                  <a:srgbClr val="000000"/>
+                </a:solidFill>
+                <a:latin typeface="Arial"/>
+                <a:ea typeface="DejaVu Sans"/>
+              </a:rPr>
+              <a:t>Initial number of elements: 168</a:t>
+            </a:r>
+            <a:endParaRPr b="0" lang="en-GB" sz="1200" spc="-1" strike="noStrike">
               <a:latin typeface="Arial"/>
             </a:endParaRPr>
           </a:p>
@@ -8527,7 +9262,17 @@
                 <a:spcPct val="100000"/>
               </a:lnSpc>
             </a:pPr>
-            <a:endParaRPr b="0" lang="en-GB" sz="1800" spc="-1" strike="noStrike">
+            <a:r>
+              <a:rPr b="0" lang="en-GB" sz="1200" spc="-1" strike="noStrike">
+                <a:solidFill>
+                  <a:srgbClr val="000000"/>
+                </a:solidFill>
+                <a:latin typeface="Arial"/>
+                <a:ea typeface="DejaVu Sans"/>
+              </a:rPr>
+              <a:t>Final number of elements: 2032</a:t>
+            </a:r>
+            <a:endParaRPr b="0" lang="en-GB" sz="1200" spc="-1" strike="noStrike">
               <a:latin typeface="Arial"/>
             </a:endParaRPr>
           </a:p>
@@ -8537,7 +9282,57 @@
                 <a:spcPct val="100000"/>
               </a:lnSpc>
             </a:pPr>
-            <a:endParaRPr b="0" lang="en-GB" sz="1800" spc="-1" strike="noStrike">
+            <a:r>
+              <a:rPr b="0" lang="en-GB" sz="1200" spc="-1" strike="noStrike">
+                <a:solidFill>
+                  <a:srgbClr val="000000"/>
+                </a:solidFill>
+                <a:latin typeface="Arial"/>
+                <a:ea typeface="DejaVu Sans"/>
+              </a:rPr>
+              <a:t>Final time: 100</a:t>
+            </a:r>
+            <a:endParaRPr b="0" lang="en-GB" sz="1200" spc="-1" strike="noStrike">
+              <a:latin typeface="Arial"/>
+            </a:endParaRPr>
+          </a:p>
+          <a:p>
+            <a:pPr>
+              <a:lnSpc>
+                <a:spcPct val="100000"/>
+              </a:lnSpc>
+            </a:pPr>
+            <a:r>
+              <a:rPr b="0" lang="en-GB" sz="1200" spc="-1" strike="noStrike">
+                <a:solidFill>
+                  <a:srgbClr val="000000"/>
+                </a:solidFill>
+                <a:latin typeface="Arial"/>
+                <a:ea typeface="DejaVu Sans"/>
+              </a:rPr>
+              <a:t>Time-step: 0.005</a:t>
+            </a:r>
+            <a:endParaRPr b="0" lang="en-GB" sz="1200" spc="-1" strike="noStrike">
+              <a:latin typeface="Arial"/>
+            </a:endParaRPr>
+          </a:p>
+          <a:p>
+            <a:pPr>
+              <a:lnSpc>
+                <a:spcPct val="100000"/>
+              </a:lnSpc>
+            </a:pPr>
+            <a:r>
+              <a:rPr b="0" lang="en-GB" sz="1200" spc="-1" strike="noStrike">
+                <a:solidFill>
+                  <a:srgbClr val="000000"/>
+                </a:solidFill>
+                <a:latin typeface="Arial"/>
+                <a:ea typeface="DejaVu Sans"/>
+              </a:rPr>
+              <a:t>Reynolds number: 3900 </a:t>
+            </a:r>
+            <a:endParaRPr b="0" lang="en-GB" sz="1200" spc="-1" strike="noStrike">
               <a:latin typeface="Arial"/>
             </a:endParaRPr>
           </a:p>
@@ -8592,78 +9387,9 @@
           <a:chExt cx="0" cy="0"/>
         </a:xfrm>
       </p:grpSpPr>
-      <p:sp>
-        <p:nvSpPr>
-          <p:cNvPr id="177" name="CustomShape 1"/>
-          <p:cNvSpPr/>
-          <p:nvPr/>
-        </p:nvSpPr>
-        <p:spPr>
-          <a:xfrm>
-            <a:off x="720000" y="5384160"/>
-            <a:ext cx="3621960" cy="807480"/>
-          </a:xfrm>
-          <a:prstGeom prst="rect">
-            <a:avLst/>
-          </a:prstGeom>
-          <a:noFill/>
-          <a:ln>
-            <a:noFill/>
-          </a:ln>
-        </p:spPr>
-        <p:style>
-          <a:lnRef idx="0"/>
-          <a:fillRef idx="0"/>
-          <a:effectRef idx="0"/>
-          <a:fontRef idx="minor"/>
-        </p:style>
-        <p:txBody>
-          <a:bodyPr lIns="90000" rIns="90000" tIns="45000" bIns="45000"/>
-          <a:p>
-            <a:pPr>
-              <a:lnSpc>
-                <a:spcPct val="100000"/>
-              </a:lnSpc>
-            </a:pPr>
-            <a:r>
-              <a:rPr b="0" lang="en-GB" sz="1400" spc="-1" strike="noStrike">
-                <a:solidFill>
-                  <a:srgbClr val="000000"/>
-                </a:solidFill>
-                <a:latin typeface="arial"/>
-                <a:ea typeface="Calibri"/>
-              </a:rPr>
-              <a:t>Supervisors:</a:t>
-            </a:r>
-            <a:endParaRPr b="0" lang="en-GB" sz="1400" spc="-1" strike="noStrike">
-              <a:latin typeface="Arial"/>
-            </a:endParaRPr>
-          </a:p>
-          <a:p>
-            <a:pPr>
-              <a:lnSpc>
-                <a:spcPct val="100000"/>
-              </a:lnSpc>
-            </a:pPr>
-            <a:r>
-              <a:rPr b="0" lang="en-GB" sz="1400" spc="-1" strike="noStrike">
-                <a:solidFill>
-                  <a:srgbClr val="000000"/>
-                </a:solidFill>
-                <a:latin typeface="arial"/>
-                <a:ea typeface="Calibri"/>
-              </a:rPr>
-              <a:t>Professor C. C. Pain, Dr P. Salinas, Dr A. I. Obeysekara and Dr A. Nicolle (BP)</a:t>
-            </a:r>
-            <a:endParaRPr b="0" lang="en-GB" sz="1400" spc="-1" strike="noStrike">
-              <a:latin typeface="Arial"/>
-            </a:endParaRPr>
-          </a:p>
-        </p:txBody>
-      </p:sp>
       <p:pic>
         <p:nvPicPr>
-          <p:cNvPr id="178" name="Picture 6" descr=""/>
+          <p:cNvPr id="181" name="Picture 6" descr=""/>
           <p:cNvPicPr/>
           <p:nvPr/>
         </p:nvPicPr>
@@ -8673,8 +9399,8 @@
         </p:blipFill>
         <p:spPr>
           <a:xfrm>
-            <a:off x="10336680" y="334800"/>
-            <a:ext cx="986400" cy="1274400"/>
+            <a:off x="388440" y="333720"/>
+            <a:ext cx="1360080" cy="359640"/>
           </a:xfrm>
           <a:prstGeom prst="rect">
             <a:avLst/>
@@ -8686,7 +9412,7 @@
       </p:pic>
       <p:pic>
         <p:nvPicPr>
-          <p:cNvPr id="179" name="Picture 6" descr=""/>
+          <p:cNvPr id="182" name="Picture 6" descr=""/>
           <p:cNvPicPr/>
           <p:nvPr/>
         </p:nvPicPr>
@@ -8696,8 +9422,8 @@
         </p:blipFill>
         <p:spPr>
           <a:xfrm>
-            <a:off x="388440" y="333720"/>
-            <a:ext cx="1360800" cy="360360"/>
+            <a:off x="10336680" y="334800"/>
+            <a:ext cx="985680" cy="1273680"/>
           </a:xfrm>
           <a:prstGeom prst="rect">
             <a:avLst/>
@@ -8709,14 +9435,14 @@
       </p:pic>
       <p:sp>
         <p:nvSpPr>
-          <p:cNvPr id="180" name="CustomShape 2"/>
+          <p:cNvPr id="183" name="CustomShape 1"/>
           <p:cNvSpPr/>
           <p:nvPr/>
         </p:nvSpPr>
         <p:spPr>
           <a:xfrm>
-            <a:off x="875880" y="827640"/>
-            <a:ext cx="9233280" cy="1735920"/>
+            <a:off x="792000" y="1440000"/>
+            <a:ext cx="5902920" cy="358560"/>
           </a:xfrm>
           <a:prstGeom prst="rect">
             <a:avLst/>
@@ -8741,16 +9467,46 @@
               </a:lnSpc>
             </a:pPr>
             <a:r>
-              <a:rPr b="1" lang="en-GB" sz="1400" spc="-1" strike="noStrike">
+              <a:rPr b="1" lang="en-GB" sz="1800" spc="-1" strike="noStrike">
                 <a:solidFill>
                   <a:srgbClr val="000000"/>
                 </a:solidFill>
-                <a:latin typeface="Calibri"/>
+                <a:latin typeface="Arial"/>
                 <a:ea typeface="Calibri"/>
               </a:rPr>
-              <a:t>PhD project</a:t>
-            </a:r>
-            <a:endParaRPr b="0" lang="en-GB" sz="1400" spc="-1" strike="noStrike">
+              <a:t>- Fortran Training</a:t>
+            </a:r>
+            <a:r>
+              <a:rPr b="1" lang="en-GB" sz="1800" spc="-1" strike="noStrike">
+                <a:solidFill>
+                  <a:srgbClr val="000000"/>
+                </a:solidFill>
+                <a:latin typeface="Arial"/>
+                <a:ea typeface="Calibri"/>
+              </a:rPr>
+              <a:t>	</a:t>
+            </a:r>
+            <a:r>
+              <a:rPr b="1" lang="en-GB" sz="1800" spc="-1" strike="noStrike">
+                <a:solidFill>
+                  <a:srgbClr val="000000"/>
+                </a:solidFill>
+                <a:latin typeface="Arial"/>
+                <a:ea typeface="Calibri"/>
+              </a:rPr>
+              <a:t>	</a:t>
+            </a:r>
+            <a:r>
+              <a:rPr b="1" lang="en-GB" sz="1800" spc="-1" strike="noStrike">
+                <a:solidFill>
+                  <a:srgbClr val="000000"/>
+                </a:solidFill>
+                <a:latin typeface="Arial"/>
+                <a:ea typeface="Calibri"/>
+              </a:rPr>
+              <a:t>- IC-FERST training</a:t>
+            </a:r>
+            <a:endParaRPr b="0" lang="en-GB" sz="1800" spc="-1" strike="noStrike">
               <a:latin typeface="Arial"/>
             </a:endParaRPr>
           </a:p>
@@ -8760,65 +9516,32 @@
                 <a:spcPct val="100000"/>
               </a:lnSpc>
             </a:pPr>
-            <a:endParaRPr b="0" lang="en-GB" sz="1400" spc="-1" strike="noStrike">
-              <a:latin typeface="Arial"/>
-            </a:endParaRPr>
-          </a:p>
-          <a:p>
-            <a:pPr algn="ctr">
+            <a:endParaRPr b="0" lang="en-GB" sz="1800" spc="-1" strike="noStrike">
+              <a:latin typeface="Arial"/>
+            </a:endParaRPr>
+          </a:p>
+          <a:p>
+            <a:pPr>
               <a:lnSpc>
                 <a:spcPct val="100000"/>
               </a:lnSpc>
             </a:pPr>
-            <a:r>
-              <a:rPr b="1" lang="en-GB" sz="2000" spc="-1" strike="noStrike">
-                <a:solidFill>
-                  <a:srgbClr val="000000"/>
-                </a:solidFill>
-                <a:latin typeface="Calibri"/>
-                <a:ea typeface="Calibri"/>
-              </a:rPr>
-              <a:t>Dynamic semi-structured meshes for fast numerical simulation of Multi-Phase Modelling in the energy industry</a:t>
-            </a:r>
-            <a:endParaRPr b="0" lang="en-GB" sz="2000" spc="-1" strike="noStrike">
-              <a:latin typeface="Arial"/>
-            </a:endParaRPr>
-          </a:p>
-        </p:txBody>
-      </p:sp>
-      <p:pic>
-        <p:nvPicPr>
-          <p:cNvPr id="181" name="Picture 2" descr=""/>
-          <p:cNvPicPr/>
-          <p:nvPr/>
-        </p:nvPicPr>
-        <p:blipFill>
-          <a:blip r:embed="rId3"/>
-          <a:stretch/>
-        </p:blipFill>
-        <p:spPr>
-          <a:xfrm>
-            <a:off x="10338840" y="5466960"/>
-            <a:ext cx="1415880" cy="601560"/>
-          </a:xfrm>
-          <a:prstGeom prst="rect">
-            <a:avLst/>
-          </a:prstGeom>
-          <a:ln>
-            <a:noFill/>
-          </a:ln>
-        </p:spPr>
-      </p:pic>
-      <p:sp>
-        <p:nvSpPr>
-          <p:cNvPr id="182" name="CustomShape 3"/>
+            <a:endParaRPr b="0" lang="en-GB" sz="1800" spc="-1" strike="noStrike">
+              <a:latin typeface="Arial"/>
+            </a:endParaRPr>
+          </a:p>
+        </p:txBody>
+      </p:sp>
+      <p:sp>
+        <p:nvSpPr>
+          <p:cNvPr id="184" name="CustomShape 2"/>
           <p:cNvSpPr/>
           <p:nvPr/>
         </p:nvSpPr>
         <p:spPr>
           <a:xfrm>
-            <a:off x="7772400" y="5168160"/>
-            <a:ext cx="2523240" cy="1023480"/>
+            <a:off x="394920" y="1882800"/>
+            <a:ext cx="11466360" cy="1018080"/>
           </a:xfrm>
           <a:prstGeom prst="rect">
             <a:avLst/>
@@ -8837,22 +9560,89 @@
         <p:txBody>
           <a:bodyPr lIns="90000" rIns="90000" tIns="45000" bIns="45000"/>
           <a:p>
-            <a:pPr>
-              <a:lnSpc>
-                <a:spcPct val="100000"/>
-              </a:lnSpc>
-            </a:pPr>
-            <a:r>
-              <a:rPr b="0" lang="en-GB" sz="1400" spc="-1" strike="noStrike">
+            <a:pPr marL="216000" indent="-214920">
+              <a:lnSpc>
+                <a:spcPct val="115000"/>
+              </a:lnSpc>
+              <a:spcAft>
+                <a:spcPts val="567"/>
+              </a:spcAft>
+              <a:buClr>
+                <a:srgbClr val="000000"/>
+              </a:buClr>
+              <a:buSzPct val="45000"/>
+              <a:buFont typeface="Wingdings" charset="2"/>
+              <a:buChar char=""/>
+            </a:pPr>
+            <a:r>
+              <a:rPr b="0" lang="en-GB" sz="1200" spc="-1" strike="noStrike">
                 <a:solidFill>
                   <a:srgbClr val="000000"/>
                 </a:solidFill>
-                <a:latin typeface="arial"/>
-                <a:ea typeface="Calibri"/>
-              </a:rPr>
-              <a:t>Applied Modelling and Computational Group, Department of Earth Science and Engineering</a:t>
-            </a:r>
-            <a:endParaRPr b="0" lang="en-GB" sz="1400" spc="-1" strike="noStrike">
+                <a:latin typeface="Arial"/>
+                <a:ea typeface="DejaVu Sans"/>
+              </a:rPr>
+              <a:t>Training sessions: multi-phase time-loop in the IC-FERST, identified the key subroutines corresponding to momentum, magma, porous media equations and their variables.</a:t>
+            </a:r>
+            <a:endParaRPr b="0" lang="en-GB" sz="1200" spc="-1" strike="noStrike">
+              <a:latin typeface="Arial"/>
+            </a:endParaRPr>
+          </a:p>
+          <a:p>
+            <a:pPr marL="216000" indent="-214920">
+              <a:lnSpc>
+                <a:spcPct val="115000"/>
+              </a:lnSpc>
+              <a:spcAft>
+                <a:spcPts val="567"/>
+              </a:spcAft>
+              <a:buClr>
+                <a:srgbClr val="000000"/>
+              </a:buClr>
+              <a:buSzPct val="45000"/>
+              <a:buFont typeface="Wingdings" charset="2"/>
+              <a:buChar char=""/>
+            </a:pPr>
+            <a:r>
+              <a:rPr b="0" lang="en-GB" sz="1200" spc="-1" strike="noStrike">
+                <a:solidFill>
+                  <a:srgbClr val="000000"/>
+                </a:solidFill>
+                <a:latin typeface="Arial"/>
+                <a:ea typeface="DejaVu Sans"/>
+              </a:rPr>
+              <a:t>Training for connecting &amp; working with workstations, downloading and compiling IC-FERST code.</a:t>
+            </a:r>
+            <a:endParaRPr b="0" lang="en-GB" sz="1200" spc="-1" strike="noStrike">
+              <a:latin typeface="Arial"/>
+            </a:endParaRPr>
+          </a:p>
+          <a:p>
+            <a:pPr marL="216000" indent="-214920">
+              <a:lnSpc>
+                <a:spcPct val="115000"/>
+              </a:lnSpc>
+              <a:spcAft>
+                <a:spcPts val="567"/>
+              </a:spcAft>
+              <a:buClr>
+                <a:srgbClr val="000000"/>
+              </a:buClr>
+              <a:buSzPct val="45000"/>
+              <a:buFont typeface="Wingdings" charset="2"/>
+              <a:buChar char=""/>
+            </a:pPr>
+            <a:r>
+              <a:rPr b="0" lang="en-GB" sz="1200" spc="-1" strike="noStrike">
+                <a:solidFill>
+                  <a:srgbClr val="000000"/>
+                </a:solidFill>
+                <a:latin typeface="Arial"/>
+                <a:ea typeface="DejaVu Sans"/>
+              </a:rPr>
+              <a:t>2D test files e.g. flow pass in a cylinder &amp; collapsing water column. changed the flow velocity, the shapes and the positions of the problem.</a:t>
+            </a:r>
+            <a:endParaRPr b="0" lang="en-GB" sz="1200" spc="-1" strike="noStrike">
               <a:latin typeface="Arial"/>
             </a:endParaRPr>
           </a:p>
@@ -8860,18 +9650,43 @@
       </p:sp>
       <p:pic>
         <p:nvPicPr>
-          <p:cNvPr id="183" name="Picture 8" descr=""/>
+          <p:cNvPr id="185" name="" descr=""/>
+          <p:cNvPicPr/>
+          <p:nvPr/>
+        </p:nvPicPr>
+        <p:blipFill>
+          <a:blip r:embed="rId3"/>
+          <a:srcRect l="28657" t="0" r="28208" b="0"/>
+          <a:stretch/>
+        </p:blipFill>
+        <p:spPr>
+          <a:xfrm>
+            <a:off x="2756160" y="3149640"/>
+            <a:ext cx="2282760" cy="2086920"/>
+          </a:xfrm>
+          <a:prstGeom prst="rect">
+            <a:avLst/>
+          </a:prstGeom>
+          <a:ln>
+            <a:noFill/>
+          </a:ln>
+        </p:spPr>
+      </p:pic>
+      <p:pic>
+        <p:nvPicPr>
+          <p:cNvPr id="186" name="" descr=""/>
           <p:cNvPicPr/>
           <p:nvPr/>
         </p:nvPicPr>
         <p:blipFill>
           <a:blip r:embed="rId4"/>
+          <a:srcRect l="28657" t="0" r="28208" b="0"/>
           <a:stretch/>
         </p:blipFill>
         <p:spPr>
           <a:xfrm>
-            <a:off x="6349320" y="2212200"/>
-            <a:ext cx="3985920" cy="2422440"/>
+            <a:off x="432000" y="3149640"/>
+            <a:ext cx="2302920" cy="2105280"/>
           </a:xfrm>
           <a:prstGeom prst="rect">
             <a:avLst/>
@@ -8881,219 +9696,6 @@
           </a:ln>
         </p:spPr>
       </p:pic>
-      <p:sp>
-        <p:nvSpPr>
-          <p:cNvPr id="184" name="CustomShape 4"/>
-          <p:cNvSpPr/>
-          <p:nvPr/>
-        </p:nvSpPr>
-        <p:spPr>
-          <a:xfrm>
-            <a:off x="1509120" y="4844160"/>
-            <a:ext cx="2701080" cy="303480"/>
-          </a:xfrm>
-          <a:prstGeom prst="rect">
-            <a:avLst/>
-          </a:prstGeom>
-          <a:noFill/>
-          <a:ln>
-            <a:noFill/>
-          </a:ln>
-        </p:spPr>
-        <p:style>
-          <a:lnRef idx="0"/>
-          <a:fillRef idx="0"/>
-          <a:effectRef idx="0"/>
-          <a:fontRef idx="minor"/>
-        </p:style>
-        <p:txBody>
-          <a:bodyPr lIns="90000" rIns="90000" tIns="45000" bIns="45000"/>
-          <a:p>
-            <a:pPr>
-              <a:lnSpc>
-                <a:spcPct val="100000"/>
-              </a:lnSpc>
-            </a:pPr>
-            <a:r>
-              <a:rPr b="0" lang="en-GB" sz="1200" spc="-1" strike="noStrike">
-                <a:solidFill>
-                  <a:srgbClr val="000000"/>
-                </a:solidFill>
-                <a:latin typeface="Calibri"/>
-                <a:ea typeface="DejaVu Sans"/>
-              </a:rPr>
-              <a:t>Figure 1. Semi-structured mesh</a:t>
-            </a:r>
-            <a:endParaRPr b="0" lang="en-GB" sz="1200" spc="-1" strike="noStrike">
-              <a:latin typeface="Arial"/>
-            </a:endParaRPr>
-          </a:p>
-        </p:txBody>
-      </p:sp>
-      <p:sp>
-        <p:nvSpPr>
-          <p:cNvPr id="185" name="CustomShape 5"/>
-          <p:cNvSpPr/>
-          <p:nvPr/>
-        </p:nvSpPr>
-        <p:spPr>
-          <a:xfrm>
-            <a:off x="6264000" y="4632840"/>
-            <a:ext cx="3671640" cy="334800"/>
-          </a:xfrm>
-          <a:prstGeom prst="rect">
-            <a:avLst/>
-          </a:prstGeom>
-          <a:noFill/>
-          <a:ln>
-            <a:noFill/>
-          </a:ln>
-        </p:spPr>
-        <p:style>
-          <a:lnRef idx="0"/>
-          <a:fillRef idx="0"/>
-          <a:effectRef idx="0"/>
-          <a:fontRef idx="minor"/>
-        </p:style>
-        <p:txBody>
-          <a:bodyPr lIns="90000" rIns="90000" tIns="45000" bIns="45000"/>
-          <a:p>
-            <a:pPr>
-              <a:lnSpc>
-                <a:spcPct val="100000"/>
-              </a:lnSpc>
-            </a:pPr>
-            <a:r>
-              <a:rPr b="0" lang="en-GB" sz="1200" spc="-1" strike="noStrike">
-                <a:solidFill>
-                  <a:srgbClr val="000000"/>
-                </a:solidFill>
-                <a:latin typeface="Calibri"/>
-                <a:ea typeface="DejaVu Sans"/>
-              </a:rPr>
-              <a:t>Figure 2. Creation and dispersion of a droplet</a:t>
-            </a:r>
-            <a:endParaRPr b="0" lang="en-GB" sz="1200" spc="-1" strike="noStrike">
-              <a:latin typeface="Arial"/>
-            </a:endParaRPr>
-          </a:p>
-        </p:txBody>
-      </p:sp>
-      <p:sp>
-        <p:nvSpPr>
-          <p:cNvPr id="186" name="CustomShape 6"/>
-          <p:cNvSpPr/>
-          <p:nvPr/>
-        </p:nvSpPr>
-        <p:spPr>
-          <a:xfrm>
-            <a:off x="4530240" y="6063840"/>
-            <a:ext cx="2741760" cy="600840"/>
-          </a:xfrm>
-          <a:prstGeom prst="rect">
-            <a:avLst/>
-          </a:prstGeom>
-          <a:noFill/>
-          <a:ln>
-            <a:noFill/>
-          </a:ln>
-        </p:spPr>
-        <p:style>
-          <a:lnRef idx="0"/>
-          <a:fillRef idx="0"/>
-          <a:effectRef idx="0"/>
-          <a:fontRef idx="minor"/>
-        </p:style>
-        <p:txBody>
-          <a:bodyPr lIns="90000" rIns="90000" tIns="45000" bIns="45000"/>
-          <a:p>
-            <a:pPr algn="ctr">
-              <a:lnSpc>
-                <a:spcPct val="90000"/>
-              </a:lnSpc>
-              <a:spcBef>
-                <a:spcPts val="1001"/>
-              </a:spcBef>
-            </a:pPr>
-            <a:r>
-              <a:rPr b="1" lang="en-GB" sz="1400" spc="-1" strike="noStrike">
-                <a:solidFill>
-                  <a:srgbClr val="002060"/>
-                </a:solidFill>
-                <a:latin typeface="Arial"/>
-                <a:ea typeface="Calibri"/>
-              </a:rPr>
-              <a:t>ICL-</a:t>
-            </a:r>
-            <a:r>
-              <a:rPr b="1" lang="en-GB" sz="1400" spc="-1" strike="noStrike">
-                <a:solidFill>
-                  <a:srgbClr val="0070c0"/>
-                </a:solidFill>
-                <a:latin typeface="Arial"/>
-                <a:ea typeface="Calibri"/>
-              </a:rPr>
-              <a:t>ICAM</a:t>
-            </a:r>
-            <a:r>
-              <a:rPr b="1" lang="en-GB" sz="1400" spc="-1" strike="noStrike">
-                <a:solidFill>
-                  <a:srgbClr val="002060"/>
-                </a:solidFill>
-                <a:latin typeface="Arial"/>
-                <a:ea typeface="Calibri"/>
-              </a:rPr>
-              <a:t>-BP Q1 Meeting</a:t>
-            </a:r>
-            <a:endParaRPr b="0" lang="en-GB" sz="1400" spc="-1" strike="noStrike">
-              <a:latin typeface="Arial"/>
-            </a:endParaRPr>
-          </a:p>
-          <a:p>
-            <a:pPr algn="ctr">
-              <a:lnSpc>
-                <a:spcPct val="90000"/>
-              </a:lnSpc>
-              <a:spcBef>
-                <a:spcPts val="1001"/>
-              </a:spcBef>
-            </a:pPr>
-            <a:r>
-              <a:rPr b="0" lang="en-GB" sz="1400" spc="-1" strike="noStrike">
-                <a:solidFill>
-                  <a:srgbClr val="000000"/>
-                </a:solidFill>
-                <a:latin typeface="Arial"/>
-                <a:ea typeface="Calibri"/>
-              </a:rPr>
-              <a:t>24</a:t>
-            </a:r>
-            <a:r>
-              <a:rPr b="0" lang="en-GB" sz="1400" spc="-1" strike="noStrike" baseline="30000">
-                <a:solidFill>
-                  <a:srgbClr val="000000"/>
-                </a:solidFill>
-                <a:latin typeface="Arial"/>
-                <a:ea typeface="Calibri"/>
-              </a:rPr>
-              <a:t>th</a:t>
-            </a:r>
-            <a:r>
-              <a:rPr b="0" lang="en-GB" sz="1400" spc="-1" strike="noStrike">
-                <a:solidFill>
-                  <a:srgbClr val="000000"/>
-                </a:solidFill>
-                <a:latin typeface="Arial"/>
-                <a:ea typeface="Calibri"/>
-              </a:rPr>
-              <a:t> March 2021</a:t>
-            </a:r>
-            <a:endParaRPr b="0" lang="en-GB" sz="1400" spc="-1" strike="noStrike">
-              <a:latin typeface="Arial"/>
-            </a:endParaRPr>
-          </a:p>
-        </p:txBody>
-      </p:sp>
       <p:pic>
         <p:nvPicPr>
           <p:cNvPr id="187" name="" descr=""/>
@@ -9101,15 +9703,14 @@
           <p:nvPr/>
         </p:nvPicPr>
         <p:blipFill>
-          <a:blip r:embed="rId5">
-            <a:lum contrast="10000"/>
-          </a:blip>
+          <a:blip r:embed="rId5"/>
+          <a:srcRect l="28529" t="0" r="28339" b="0"/>
           <a:stretch/>
         </p:blipFill>
         <p:spPr>
           <a:xfrm>
-            <a:off x="1635840" y="2088000"/>
-            <a:ext cx="2447640" cy="2734920"/>
+            <a:off x="5724000" y="3168000"/>
+            <a:ext cx="2948760" cy="2079720"/>
           </a:xfrm>
           <a:prstGeom prst="rect">
             <a:avLst/>
@@ -9119,6 +9720,243 @@
           </a:ln>
         </p:spPr>
       </p:pic>
+      <p:pic>
+        <p:nvPicPr>
+          <p:cNvPr id="188" name="" descr=""/>
+          <p:cNvPicPr/>
+          <p:nvPr/>
+        </p:nvPicPr>
+        <p:blipFill>
+          <a:blip r:embed="rId6"/>
+          <a:srcRect l="28063" t="0" r="28213" b="0"/>
+          <a:stretch/>
+        </p:blipFill>
+        <p:spPr>
+          <a:xfrm>
+            <a:off x="8709840" y="3175200"/>
+            <a:ext cx="2989080" cy="2079720"/>
+          </a:xfrm>
+          <a:prstGeom prst="rect">
+            <a:avLst/>
+          </a:prstGeom>
+          <a:ln>
+            <a:noFill/>
+          </a:ln>
+        </p:spPr>
+      </p:pic>
+      <p:sp>
+        <p:nvSpPr>
+          <p:cNvPr id="189" name="CustomShape 3"/>
+          <p:cNvSpPr/>
+          <p:nvPr/>
+        </p:nvSpPr>
+        <p:spPr>
+          <a:xfrm>
+            <a:off x="612000" y="5370840"/>
+            <a:ext cx="4392000" cy="345600"/>
+          </a:xfrm>
+          <a:prstGeom prst="rect">
+            <a:avLst/>
+          </a:prstGeom>
+          <a:noFill/>
+          <a:ln>
+            <a:noFill/>
+          </a:ln>
+        </p:spPr>
+        <p:style>
+          <a:lnRef idx="0"/>
+          <a:fillRef idx="0"/>
+          <a:effectRef idx="0"/>
+          <a:fontRef idx="minor"/>
+        </p:style>
+        <p:txBody>
+          <a:bodyPr lIns="90000" rIns="90000" tIns="45000" bIns="45000"/>
+          <a:p>
+            <a:pPr>
+              <a:lnSpc>
+                <a:spcPct val="100000"/>
+              </a:lnSpc>
+            </a:pPr>
+            <a:r>
+              <a:rPr b="0" lang="en-GB" sz="1100" spc="-1" strike="noStrike">
+                <a:solidFill>
+                  <a:srgbClr val="000000"/>
+                </a:solidFill>
+                <a:latin typeface="Arial"/>
+                <a:ea typeface="DejaVu Sans"/>
+              </a:rPr>
+              <a:t>Figure 12. Collapsing water column under gravity with a fixed mesh</a:t>
+            </a:r>
+            <a:endParaRPr b="0" lang="en-GB" sz="1100" spc="-1" strike="noStrike">
+              <a:latin typeface="Arial"/>
+            </a:endParaRPr>
+          </a:p>
+        </p:txBody>
+      </p:sp>
+      <p:sp>
+        <p:nvSpPr>
+          <p:cNvPr id="190" name="CustomShape 4"/>
+          <p:cNvSpPr/>
+          <p:nvPr/>
+        </p:nvSpPr>
+        <p:spPr>
+          <a:xfrm>
+            <a:off x="6554520" y="5370840"/>
+            <a:ext cx="4785480" cy="372960"/>
+          </a:xfrm>
+          <a:prstGeom prst="rect">
+            <a:avLst/>
+          </a:prstGeom>
+          <a:noFill/>
+          <a:ln>
+            <a:noFill/>
+          </a:ln>
+        </p:spPr>
+        <p:style>
+          <a:lnRef idx="0"/>
+          <a:fillRef idx="0"/>
+          <a:effectRef idx="0"/>
+          <a:fontRef idx="minor"/>
+        </p:style>
+        <p:txBody>
+          <a:bodyPr lIns="90000" rIns="90000" tIns="45000" bIns="45000"/>
+          <a:p>
+            <a:pPr>
+              <a:lnSpc>
+                <a:spcPct val="100000"/>
+              </a:lnSpc>
+            </a:pPr>
+            <a:r>
+              <a:rPr b="0" lang="en-GB" sz="1100" spc="-1" strike="noStrike">
+                <a:solidFill>
+                  <a:srgbClr val="000000"/>
+                </a:solidFill>
+                <a:latin typeface="Arial"/>
+                <a:ea typeface="DejaVu Sans"/>
+              </a:rPr>
+              <a:t>Figure 13. Collapsing water column under gravity with the adaptive mesh</a:t>
+            </a:r>
+            <a:endParaRPr b="0" lang="en-GB" sz="1100" spc="-1" strike="noStrike">
+              <a:latin typeface="Arial"/>
+            </a:endParaRPr>
+          </a:p>
+        </p:txBody>
+      </p:sp>
+      <p:sp>
+        <p:nvSpPr>
+          <p:cNvPr id="191" name="CustomShape 5"/>
+          <p:cNvSpPr/>
+          <p:nvPr/>
+        </p:nvSpPr>
+        <p:spPr>
+          <a:xfrm>
+            <a:off x="4833360" y="6238080"/>
+            <a:ext cx="2524680" cy="471960"/>
+          </a:xfrm>
+          <a:prstGeom prst="rect">
+            <a:avLst/>
+          </a:prstGeom>
+          <a:noFill/>
+          <a:ln>
+            <a:noFill/>
+          </a:ln>
+        </p:spPr>
+        <p:style>
+          <a:lnRef idx="0"/>
+          <a:fillRef idx="0"/>
+          <a:effectRef idx="0"/>
+          <a:fontRef idx="minor"/>
+        </p:style>
+        <p:txBody>
+          <a:bodyPr lIns="90000" rIns="90000" tIns="45000" bIns="45000"/>
+          <a:p>
+            <a:pPr algn="ctr">
+              <a:lnSpc>
+                <a:spcPct val="90000"/>
+              </a:lnSpc>
+              <a:spcBef>
+                <a:spcPts val="1001"/>
+              </a:spcBef>
+            </a:pPr>
+            <a:r>
+              <a:rPr b="1" lang="en-GB" sz="1400" spc="-1" strike="noStrike">
+                <a:solidFill>
+                  <a:srgbClr val="002060"/>
+                </a:solidFill>
+                <a:latin typeface="Arial"/>
+                <a:ea typeface="Calibri"/>
+              </a:rPr>
+              <a:t>ICL-</a:t>
+            </a:r>
+            <a:r>
+              <a:rPr b="1" lang="en-GB" sz="1400" spc="-1" strike="noStrike">
+                <a:solidFill>
+                  <a:srgbClr val="0070c0"/>
+                </a:solidFill>
+                <a:latin typeface="Arial"/>
+                <a:ea typeface="Calibri"/>
+              </a:rPr>
+              <a:t>ICAM</a:t>
+            </a:r>
+            <a:r>
+              <a:rPr b="1" lang="en-GB" sz="1400" spc="-1" strike="noStrike">
+                <a:solidFill>
+                  <a:srgbClr val="002060"/>
+                </a:solidFill>
+                <a:latin typeface="Arial"/>
+                <a:ea typeface="Calibri"/>
+              </a:rPr>
+              <a:t>-BP</a:t>
+            </a:r>
+            <a:endParaRPr b="0" lang="en-GB" sz="1400" spc="-1" strike="noStrike">
+              <a:latin typeface="Arial"/>
+            </a:endParaRPr>
+          </a:p>
+          <a:p>
+            <a:pPr algn="ctr">
+              <a:lnSpc>
+                <a:spcPct val="90000"/>
+              </a:lnSpc>
+              <a:spcBef>
+                <a:spcPts val="1001"/>
+              </a:spcBef>
+            </a:pPr>
+            <a:r>
+              <a:rPr b="0" lang="en-GB" sz="1400" spc="-1" strike="noStrike">
+                <a:solidFill>
+                  <a:srgbClr val="000000"/>
+                </a:solidFill>
+                <a:latin typeface="Arial"/>
+                <a:ea typeface="Calibri"/>
+              </a:rPr>
+              <a:t>24</a:t>
+            </a:r>
+            <a:r>
+              <a:rPr b="0" lang="en-GB" sz="1400" spc="-1" strike="noStrike" baseline="30000">
+                <a:solidFill>
+                  <a:srgbClr val="000000"/>
+                </a:solidFill>
+                <a:latin typeface="Arial"/>
+                <a:ea typeface="Calibri"/>
+              </a:rPr>
+              <a:t>th</a:t>
+            </a:r>
+            <a:r>
+              <a:rPr b="0" lang="en-GB" sz="1400" spc="-1" strike="noStrike">
+                <a:solidFill>
+                  <a:srgbClr val="000000"/>
+                </a:solidFill>
+                <a:latin typeface="Arial"/>
+                <a:ea typeface="Calibri"/>
+              </a:rPr>
+              <a:t> March 2021</a:t>
+            </a:r>
+            <a:endParaRPr b="0" lang="en-GB" sz="1400" spc="-1" strike="noStrike">
+              <a:latin typeface="Arial"/>
+            </a:endParaRPr>
+          </a:p>
+        </p:txBody>
+      </p:sp>
     </p:spTree>
   </p:cSld>
   <p:timing>
@@ -9128,6 +9966,560 @@
           <p:childTnLst>
             <p:seq>
               <p:cTn id="16" dur="indefinite" nodeType="mainSeq"/>
+              <p:prevCondLst>
+                <p:cond delay="0" evt="onPrev">
+                  <p:tgtEl>
+                    <p:sldTgt/>
+                  </p:tgtEl>
+                </p:cond>
+              </p:prevCondLst>
+              <p:nextCondLst>
+                <p:cond delay="0" evt="onNext">
+                  <p:tgtEl>
+                    <p:sldTgt/>
+                  </p:tgtEl>
+                </p:cond>
+              </p:nextCondLst>
+            </p:seq>
+          </p:childTnLst>
+        </p:cTn>
+      </p:par>
+    </p:tnLst>
+  </p:timing>
+</p:sld>
+</file>
+
+<file path=ppt/slides/slide9.xml><?xml version="1.0" encoding="utf-8"?>
+<p:sld xmlns:a="http://schemas.openxmlformats.org/drawingml/2006/main" xmlns:p="http://schemas.openxmlformats.org/presentationml/2006/main" xmlns:r="http://schemas.openxmlformats.org/officeDocument/2006/relationships" xmlns:p14="http://schemas.microsoft.com/office/powerpoint/2010/main" xmlns:p15="http://schemas.microsoft.com/office/powerpoint/2012/main" xmlns:mc="http://schemas.openxmlformats.org/markup-compatibility/2006">
+  <p:cSld>
+    <p:spTree>
+      <p:nvGrpSpPr>
+        <p:cNvPr id="1" name=""/>
+        <p:cNvGrpSpPr/>
+        <p:nvPr/>
+      </p:nvGrpSpPr>
+      <p:grpSpPr>
+        <a:xfrm>
+          <a:off x="0" y="0"/>
+          <a:ext cx="0" cy="0"/>
+          <a:chOff x="0" y="0"/>
+          <a:chExt cx="0" cy="0"/>
+        </a:xfrm>
+      </p:grpSpPr>
+      <p:pic>
+        <p:nvPicPr>
+          <p:cNvPr id="192" name="Picture 6" descr=""/>
+          <p:cNvPicPr/>
+          <p:nvPr/>
+        </p:nvPicPr>
+        <p:blipFill>
+          <a:blip r:embed="rId1"/>
+          <a:stretch/>
+        </p:blipFill>
+        <p:spPr>
+          <a:xfrm>
+            <a:off x="388440" y="333720"/>
+            <a:ext cx="1360080" cy="359640"/>
+          </a:xfrm>
+          <a:prstGeom prst="rect">
+            <a:avLst/>
+          </a:prstGeom>
+          <a:ln>
+            <a:noFill/>
+          </a:ln>
+        </p:spPr>
+      </p:pic>
+      <p:pic>
+        <p:nvPicPr>
+          <p:cNvPr id="193" name="Picture 6" descr=""/>
+          <p:cNvPicPr/>
+          <p:nvPr/>
+        </p:nvPicPr>
+        <p:blipFill>
+          <a:blip r:embed="rId2"/>
+          <a:stretch/>
+        </p:blipFill>
+        <p:spPr>
+          <a:xfrm>
+            <a:off x="10336680" y="334800"/>
+            <a:ext cx="985680" cy="1273680"/>
+          </a:xfrm>
+          <a:prstGeom prst="rect">
+            <a:avLst/>
+          </a:prstGeom>
+          <a:ln>
+            <a:noFill/>
+          </a:ln>
+        </p:spPr>
+      </p:pic>
+      <p:sp>
+        <p:nvSpPr>
+          <p:cNvPr id="194" name="CustomShape 1"/>
+          <p:cNvSpPr/>
+          <p:nvPr/>
+        </p:nvSpPr>
+        <p:spPr>
+          <a:xfrm>
+            <a:off x="2952000" y="360000"/>
+            <a:ext cx="3383640" cy="322920"/>
+          </a:xfrm>
+          <a:prstGeom prst="rect">
+            <a:avLst/>
+          </a:prstGeom>
+          <a:noFill/>
+          <a:ln>
+            <a:noFill/>
+          </a:ln>
+        </p:spPr>
+        <p:style>
+          <a:lnRef idx="0"/>
+          <a:fillRef idx="0"/>
+          <a:effectRef idx="0"/>
+          <a:fontRef idx="minor"/>
+        </p:style>
+        <p:txBody>
+          <a:bodyPr lIns="90000" rIns="90000" tIns="45000" bIns="45000"/>
+          <a:p>
+            <a:pPr>
+              <a:lnSpc>
+                <a:spcPct val="100000"/>
+              </a:lnSpc>
+            </a:pPr>
+            <a:r>
+              <a:rPr b="0" lang="en-GB" sz="1200" spc="-1" strike="noStrike">
+                <a:solidFill>
+                  <a:srgbClr val="000000"/>
+                </a:solidFill>
+                <a:latin typeface="Arial"/>
+                <a:ea typeface="DejaVu Sans"/>
+              </a:rPr>
+              <a:t>3D test files for flow pass in a cylinder case. </a:t>
+            </a:r>
+            <a:endParaRPr b="0" lang="en-GB" sz="1200" spc="-1" strike="noStrike">
+              <a:latin typeface="Arial"/>
+            </a:endParaRPr>
+          </a:p>
+        </p:txBody>
+      </p:sp>
+      <p:sp>
+        <p:nvSpPr>
+          <p:cNvPr id="195" name="CustomShape 2"/>
+          <p:cNvSpPr/>
+          <p:nvPr/>
+        </p:nvSpPr>
+        <p:spPr>
+          <a:xfrm>
+            <a:off x="1827360" y="3420000"/>
+            <a:ext cx="3873600" cy="372960"/>
+          </a:xfrm>
+          <a:prstGeom prst="rect">
+            <a:avLst/>
+          </a:prstGeom>
+          <a:noFill/>
+          <a:ln>
+            <a:noFill/>
+          </a:ln>
+        </p:spPr>
+        <p:style>
+          <a:lnRef idx="0"/>
+          <a:fillRef idx="0"/>
+          <a:effectRef idx="0"/>
+          <a:fontRef idx="minor"/>
+        </p:style>
+        <p:txBody>
+          <a:bodyPr lIns="90000" rIns="90000" tIns="45000" bIns="45000"/>
+          <a:p>
+            <a:pPr>
+              <a:lnSpc>
+                <a:spcPct val="100000"/>
+              </a:lnSpc>
+            </a:pPr>
+            <a:r>
+              <a:rPr b="0" lang="en-GB" sz="1000" spc="-1" strike="noStrike">
+                <a:solidFill>
+                  <a:srgbClr val="000000"/>
+                </a:solidFill>
+                <a:latin typeface="Arial"/>
+                <a:ea typeface="DejaVu Sans"/>
+              </a:rPr>
+              <a:t>Figure 14.Flow pass in a cylinder in 3D with the adaptive mesh</a:t>
+            </a:r>
+            <a:endParaRPr b="0" lang="en-GB" sz="1000" spc="-1" strike="noStrike">
+              <a:latin typeface="Arial"/>
+            </a:endParaRPr>
+          </a:p>
+        </p:txBody>
+      </p:sp>
+      <p:sp>
+        <p:nvSpPr>
+          <p:cNvPr id="196" name="CustomShape 3"/>
+          <p:cNvSpPr/>
+          <p:nvPr/>
+        </p:nvSpPr>
+        <p:spPr>
+          <a:xfrm>
+            <a:off x="9549360" y="6238080"/>
+            <a:ext cx="2524680" cy="471960"/>
+          </a:xfrm>
+          <a:prstGeom prst="rect">
+            <a:avLst/>
+          </a:prstGeom>
+          <a:noFill/>
+          <a:ln>
+            <a:noFill/>
+          </a:ln>
+        </p:spPr>
+        <p:style>
+          <a:lnRef idx="0"/>
+          <a:fillRef idx="0"/>
+          <a:effectRef idx="0"/>
+          <a:fontRef idx="minor"/>
+        </p:style>
+        <p:txBody>
+          <a:bodyPr lIns="90000" rIns="90000" tIns="45000" bIns="45000"/>
+          <a:p>
+            <a:pPr algn="ctr">
+              <a:lnSpc>
+                <a:spcPct val="90000"/>
+              </a:lnSpc>
+              <a:spcBef>
+                <a:spcPts val="1001"/>
+              </a:spcBef>
+            </a:pPr>
+            <a:r>
+              <a:rPr b="1" lang="en-GB" sz="1400" spc="-1" strike="noStrike">
+                <a:solidFill>
+                  <a:srgbClr val="002060"/>
+                </a:solidFill>
+                <a:latin typeface="Arial"/>
+                <a:ea typeface="Calibri"/>
+              </a:rPr>
+              <a:t>ICL-</a:t>
+            </a:r>
+            <a:r>
+              <a:rPr b="1" lang="en-GB" sz="1400" spc="-1" strike="noStrike">
+                <a:solidFill>
+                  <a:srgbClr val="0070c0"/>
+                </a:solidFill>
+                <a:latin typeface="Arial"/>
+                <a:ea typeface="Calibri"/>
+              </a:rPr>
+              <a:t>ICAM</a:t>
+            </a:r>
+            <a:r>
+              <a:rPr b="1" lang="en-GB" sz="1400" spc="-1" strike="noStrike">
+                <a:solidFill>
+                  <a:srgbClr val="002060"/>
+                </a:solidFill>
+                <a:latin typeface="Arial"/>
+                <a:ea typeface="Calibri"/>
+              </a:rPr>
+              <a:t>-BP</a:t>
+            </a:r>
+            <a:endParaRPr b="0" lang="en-GB" sz="1400" spc="-1" strike="noStrike">
+              <a:latin typeface="Arial"/>
+            </a:endParaRPr>
+          </a:p>
+          <a:p>
+            <a:pPr algn="ctr">
+              <a:lnSpc>
+                <a:spcPct val="90000"/>
+              </a:lnSpc>
+              <a:spcBef>
+                <a:spcPts val="1001"/>
+              </a:spcBef>
+            </a:pPr>
+            <a:r>
+              <a:rPr b="0" lang="en-GB" sz="1400" spc="-1" strike="noStrike">
+                <a:solidFill>
+                  <a:srgbClr val="000000"/>
+                </a:solidFill>
+                <a:latin typeface="Arial"/>
+                <a:ea typeface="Calibri"/>
+              </a:rPr>
+              <a:t>24</a:t>
+            </a:r>
+            <a:r>
+              <a:rPr b="0" lang="en-GB" sz="1400" spc="-1" strike="noStrike" baseline="30000">
+                <a:solidFill>
+                  <a:srgbClr val="000000"/>
+                </a:solidFill>
+                <a:latin typeface="Arial"/>
+                <a:ea typeface="Calibri"/>
+              </a:rPr>
+              <a:t>th</a:t>
+            </a:r>
+            <a:r>
+              <a:rPr b="0" lang="en-GB" sz="1400" spc="-1" strike="noStrike">
+                <a:solidFill>
+                  <a:srgbClr val="000000"/>
+                </a:solidFill>
+                <a:latin typeface="Arial"/>
+                <a:ea typeface="Calibri"/>
+              </a:rPr>
+              <a:t> March 2021</a:t>
+            </a:r>
+            <a:endParaRPr b="0" lang="en-GB" sz="1400" spc="-1" strike="noStrike">
+              <a:latin typeface="Arial"/>
+            </a:endParaRPr>
+          </a:p>
+        </p:txBody>
+      </p:sp>
+      <p:pic>
+        <p:nvPicPr>
+          <p:cNvPr id="197" name="" descr=""/>
+          <p:cNvPicPr/>
+          <p:nvPr/>
+        </p:nvPicPr>
+        <p:blipFill>
+          <a:blip r:embed="rId3"/>
+          <a:stretch/>
+        </p:blipFill>
+        <p:spPr>
+          <a:xfrm>
+            <a:off x="414720" y="812880"/>
+            <a:ext cx="6698880" cy="2642760"/>
+          </a:xfrm>
+          <a:prstGeom prst="rect">
+            <a:avLst/>
+          </a:prstGeom>
+          <a:ln>
+            <a:noFill/>
+          </a:ln>
+        </p:spPr>
+      </p:pic>
+      <p:sp>
+        <p:nvSpPr>
+          <p:cNvPr id="198" name="CustomShape 4"/>
+          <p:cNvSpPr/>
+          <p:nvPr/>
+        </p:nvSpPr>
+        <p:spPr>
+          <a:xfrm>
+            <a:off x="7236000" y="1701000"/>
+            <a:ext cx="3455640" cy="1223640"/>
+          </a:xfrm>
+          <a:prstGeom prst="rect">
+            <a:avLst/>
+          </a:prstGeom>
+          <a:noFill/>
+          <a:ln>
+            <a:solidFill>
+              <a:srgbClr val="000000"/>
+            </a:solidFill>
+          </a:ln>
+        </p:spPr>
+        <p:style>
+          <a:lnRef idx="0"/>
+          <a:fillRef idx="0"/>
+          <a:effectRef idx="0"/>
+          <a:fontRef idx="minor"/>
+        </p:style>
+        <p:txBody>
+          <a:bodyPr lIns="90000" rIns="90000" tIns="45000" bIns="45000"/>
+          <a:p>
+            <a:pPr>
+              <a:lnSpc>
+                <a:spcPct val="100000"/>
+              </a:lnSpc>
+            </a:pPr>
+            <a:r>
+              <a:rPr b="0" lang="en-GB" sz="1200" spc="-1" strike="noStrike">
+                <a:solidFill>
+                  <a:srgbClr val="000000"/>
+                </a:solidFill>
+                <a:latin typeface="Arial"/>
+                <a:ea typeface="DejaVu Sans"/>
+              </a:rPr>
+              <a:t>Simulation info:</a:t>
+            </a:r>
+            <a:endParaRPr b="0" lang="en-GB" sz="1200" spc="-1" strike="noStrike">
+              <a:latin typeface="Arial"/>
+            </a:endParaRPr>
+          </a:p>
+          <a:p>
+            <a:pPr>
+              <a:lnSpc>
+                <a:spcPct val="100000"/>
+              </a:lnSpc>
+            </a:pPr>
+            <a:r>
+              <a:rPr b="0" lang="en-GB" sz="1200" spc="-1" strike="noStrike">
+                <a:solidFill>
+                  <a:srgbClr val="000000"/>
+                </a:solidFill>
+                <a:latin typeface="Arial"/>
+                <a:ea typeface="DejaVu Sans"/>
+              </a:rPr>
+              <a:t>Initial number of elements: 8470</a:t>
+            </a:r>
+            <a:endParaRPr b="0" lang="en-GB" sz="1200" spc="-1" strike="noStrike">
+              <a:latin typeface="Arial"/>
+            </a:endParaRPr>
+          </a:p>
+          <a:p>
+            <a:pPr>
+              <a:lnSpc>
+                <a:spcPct val="100000"/>
+              </a:lnSpc>
+            </a:pPr>
+            <a:r>
+              <a:rPr b="0" lang="en-GB" sz="1200" spc="-1" strike="noStrike">
+                <a:solidFill>
+                  <a:srgbClr val="000000"/>
+                </a:solidFill>
+                <a:latin typeface="Arial"/>
+                <a:ea typeface="DejaVu Sans"/>
+              </a:rPr>
+              <a:t>Final number of elements: 21480</a:t>
+            </a:r>
+            <a:endParaRPr b="0" lang="en-GB" sz="1200" spc="-1" strike="noStrike">
+              <a:latin typeface="Arial"/>
+            </a:endParaRPr>
+          </a:p>
+          <a:p>
+            <a:pPr>
+              <a:lnSpc>
+                <a:spcPct val="100000"/>
+              </a:lnSpc>
+            </a:pPr>
+            <a:r>
+              <a:rPr b="0" lang="en-GB" sz="1200" spc="-1" strike="noStrike">
+                <a:solidFill>
+                  <a:srgbClr val="000000"/>
+                </a:solidFill>
+                <a:latin typeface="Arial"/>
+                <a:ea typeface="DejaVu Sans"/>
+              </a:rPr>
+              <a:t>Final time: 0.76</a:t>
+            </a:r>
+            <a:endParaRPr b="0" lang="en-GB" sz="1200" spc="-1" strike="noStrike">
+              <a:latin typeface="Arial"/>
+            </a:endParaRPr>
+          </a:p>
+          <a:p>
+            <a:pPr>
+              <a:lnSpc>
+                <a:spcPct val="100000"/>
+              </a:lnSpc>
+            </a:pPr>
+            <a:r>
+              <a:rPr b="0" lang="en-GB" sz="1200" spc="-1" strike="noStrike">
+                <a:solidFill>
+                  <a:srgbClr val="000000"/>
+                </a:solidFill>
+                <a:latin typeface="Arial"/>
+                <a:ea typeface="DejaVu Sans"/>
+              </a:rPr>
+              <a:t>Time-step: 0.005</a:t>
+            </a:r>
+            <a:endParaRPr b="0" lang="en-GB" sz="1200" spc="-1" strike="noStrike">
+              <a:latin typeface="Arial"/>
+            </a:endParaRPr>
+          </a:p>
+          <a:p>
+            <a:pPr>
+              <a:lnSpc>
+                <a:spcPct val="100000"/>
+              </a:lnSpc>
+            </a:pPr>
+            <a:r>
+              <a:rPr b="0" lang="en-GB" sz="1200" spc="-1" strike="noStrike">
+                <a:solidFill>
+                  <a:srgbClr val="000000"/>
+                </a:solidFill>
+                <a:latin typeface="Arial"/>
+                <a:ea typeface="DejaVu Sans"/>
+              </a:rPr>
+              <a:t>Reynolds number: 3900 </a:t>
+            </a:r>
+            <a:endParaRPr b="0" lang="en-GB" sz="1200" spc="-1" strike="noStrike">
+              <a:latin typeface="Arial"/>
+            </a:endParaRPr>
+          </a:p>
+        </p:txBody>
+      </p:sp>
+      <p:pic>
+        <p:nvPicPr>
+          <p:cNvPr id="199" name="" descr=""/>
+          <p:cNvPicPr/>
+          <p:nvPr/>
+        </p:nvPicPr>
+        <p:blipFill>
+          <a:blip r:embed="rId4"/>
+          <a:stretch/>
+        </p:blipFill>
+        <p:spPr>
+          <a:xfrm rot="30000">
+            <a:off x="393480" y="3745440"/>
+            <a:ext cx="6668280" cy="2630160"/>
+          </a:xfrm>
+          <a:prstGeom prst="rect">
+            <a:avLst/>
+          </a:prstGeom>
+          <a:ln>
+            <a:noFill/>
+          </a:ln>
+        </p:spPr>
+      </p:pic>
+      <p:sp>
+        <p:nvSpPr>
+          <p:cNvPr id="200" name="CustomShape 5"/>
+          <p:cNvSpPr/>
+          <p:nvPr/>
+        </p:nvSpPr>
+        <p:spPr>
+          <a:xfrm>
+            <a:off x="933480" y="6372000"/>
+            <a:ext cx="5588640" cy="372960"/>
+          </a:xfrm>
+          <a:prstGeom prst="rect">
+            <a:avLst/>
+          </a:prstGeom>
+          <a:noFill/>
+          <a:ln>
+            <a:noFill/>
+          </a:ln>
+        </p:spPr>
+        <p:style>
+          <a:lnRef idx="0"/>
+          <a:fillRef idx="0"/>
+          <a:effectRef idx="0"/>
+          <a:fontRef idx="minor"/>
+        </p:style>
+        <p:txBody>
+          <a:bodyPr lIns="90000" rIns="90000" tIns="45000" bIns="45000"/>
+          <a:p>
+            <a:pPr>
+              <a:lnSpc>
+                <a:spcPct val="100000"/>
+              </a:lnSpc>
+            </a:pPr>
+            <a:r>
+              <a:rPr b="0" lang="en-GB" sz="1000" spc="-1" strike="noStrike">
+                <a:solidFill>
+                  <a:srgbClr val="000000"/>
+                </a:solidFill>
+                <a:latin typeface="Arial"/>
+                <a:ea typeface="DejaVu Sans"/>
+              </a:rPr>
+              <a:t>Figure 15.Sliced mesh view for the flow pass in a cylinder problem in 3D with the adaptive mesh</a:t>
+            </a:r>
+            <a:endParaRPr b="0" lang="en-GB" sz="1000" spc="-1" strike="noStrike">
+              <a:latin typeface="Arial"/>
+            </a:endParaRPr>
+          </a:p>
+        </p:txBody>
+      </p:sp>
+    </p:spTree>
+  </p:cSld>
+  <p:timing>
+    <p:tnLst>
+      <p:par>
+        <p:cTn id="17" dur="indefinite" restart="never" nodeType="tmRoot">
+          <p:childTnLst>
+            <p:seq>
+              <p:cTn id="18" dur="indefinite" nodeType="mainSeq"/>
               <p:prevCondLst>
                 <p:cond delay="0" evt="onPrev">
                   <p:tgtEl>

--- a/BP/BP-ICAM 24 Mar 2021.pptx
+++ b/BP/BP-ICAM 24 Mar 2021.pptx
@@ -17,6 +17,7 @@
     <p:sldId id="263" r:id="rId12"/>
     <p:sldId id="264" r:id="rId13"/>
     <p:sldId id="265" r:id="rId14"/>
+    <p:sldId id="266" r:id="rId15"/>
   </p:sldIdLst>
   <p:sldSz cx="12192000" cy="6858000"/>
   <p:notesSz cx="7772400" cy="10058400"/>
@@ -4586,19 +4587,7 @@
               <a:rPr b="0" lang="en-GB" sz="4400" spc="-1" strike="noStrike">
                 <a:latin typeface="Arial"/>
               </a:rPr>
-              <a:t>Click to edit </a:t>
-            </a:r>
-            <a:r>
-              <a:rPr b="0" lang="en-GB" sz="4400" spc="-1" strike="noStrike">
-                <a:latin typeface="Arial"/>
-              </a:rPr>
-              <a:t>the title text </a:t>
-            </a:r>
-            <a:r>
-              <a:rPr b="0" lang="en-GB" sz="4400" spc="-1" strike="noStrike">
-                <a:latin typeface="Arial"/>
-              </a:rPr>
-              <a:t>format</a:t>
+              <a:t>Click to edit the title text format</a:t>
             </a:r>
             <a:endParaRPr b="0" lang="en-GB" sz="4400" spc="-1" strike="noStrike">
               <a:latin typeface="Arial"/>
@@ -4831,7 +4820,7 @@
         <p:spPr>
           <a:xfrm>
             <a:off x="7934400" y="5528160"/>
-            <a:ext cx="3621240" cy="806760"/>
+            <a:ext cx="3620880" cy="806400"/>
           </a:xfrm>
           <a:prstGeom prst="rect">
             <a:avLst/>
@@ -4900,7 +4889,7 @@
         <p:spPr>
           <a:xfrm>
             <a:off x="540000" y="5312160"/>
-            <a:ext cx="2522520" cy="1022760"/>
+            <a:ext cx="2522160" cy="1022400"/>
           </a:xfrm>
           <a:prstGeom prst="rect">
             <a:avLst/>
@@ -4953,7 +4942,7 @@
         <p:spPr>
           <a:xfrm>
             <a:off x="5040360" y="1431720"/>
-            <a:ext cx="1747080" cy="2303640"/>
+            <a:ext cx="1746720" cy="2303280"/>
           </a:xfrm>
           <a:prstGeom prst="rect">
             <a:avLst/>
@@ -4972,9 +4961,9 @@
         <p:grpSpPr>
           <a:xfrm>
             <a:off x="540000" y="1657800"/>
-            <a:ext cx="3275640" cy="1851480"/>
+            <a:ext cx="3275280" cy="1851120"/>
             <a:chOff x="540000" y="1657800"/>
-            <a:chExt cx="3275640" cy="1851480"/>
+            <a:chExt cx="3275280" cy="1851120"/>
           </a:xfrm>
         </p:grpSpPr>
         <p:pic>
@@ -4990,7 +4979,7 @@
           <p:spPr>
             <a:xfrm>
               <a:off x="540000" y="2664720"/>
-              <a:ext cx="2098800" cy="844560"/>
+              <a:ext cx="2098440" cy="844200"/>
             </a:xfrm>
             <a:prstGeom prst="rect">
               <a:avLst/>
@@ -5013,7 +5002,7 @@
           <p:spPr>
             <a:xfrm>
               <a:off x="540000" y="1657800"/>
-              <a:ext cx="3275640" cy="817200"/>
+              <a:ext cx="3275280" cy="816840"/>
             </a:xfrm>
             <a:prstGeom prst="rect">
               <a:avLst/>
@@ -5037,7 +5026,7 @@
         <p:spPr>
           <a:xfrm>
             <a:off x="8011800" y="1733760"/>
-            <a:ext cx="3003840" cy="1699920"/>
+            <a:ext cx="3003480" cy="1699560"/>
           </a:xfrm>
           <a:prstGeom prst="rect">
             <a:avLst/>
@@ -5056,7 +5045,7 @@
         <p:spPr>
           <a:xfrm>
             <a:off x="4833360" y="6215040"/>
-            <a:ext cx="2524680" cy="471960"/>
+            <a:ext cx="2524320" cy="471600"/>
           </a:xfrm>
           <a:prstGeom prst="rect">
             <a:avLst/>
@@ -5171,7 +5160,7 @@
         <p:spPr>
           <a:xfrm>
             <a:off x="5000400" y="4520520"/>
-            <a:ext cx="2190960" cy="455760"/>
+            <a:ext cx="2190600" cy="455400"/>
           </a:xfrm>
           <a:prstGeom prst="rect">
             <a:avLst/>
@@ -5269,7 +5258,7 @@
         <p:spPr>
           <a:xfrm>
             <a:off x="7925040" y="1531440"/>
-            <a:ext cx="3414960" cy="3381840"/>
+            <a:ext cx="3414600" cy="3381480"/>
           </a:xfrm>
           <a:prstGeom prst="rect">
             <a:avLst/>
@@ -5324,7 +5313,7 @@
             </a:endParaRPr>
           </a:p>
           <a:p>
-            <a:pPr marL="285840" indent="-283680">
+            <a:pPr marL="285840" indent="-283320">
               <a:lnSpc>
                 <a:spcPct val="100000"/>
               </a:lnSpc>
@@ -5352,7 +5341,7 @@
             </a:endParaRPr>
           </a:p>
           <a:p>
-            <a:pPr marL="285840" indent="-283680">
+            <a:pPr marL="285840" indent="-283320">
               <a:lnSpc>
                 <a:spcPct val="100000"/>
               </a:lnSpc>
@@ -5380,7 +5369,7 @@
             </a:endParaRPr>
           </a:p>
           <a:p>
-            <a:pPr marL="285840" indent="-283680">
+            <a:pPr marL="285840" indent="-283320">
               <a:lnSpc>
                 <a:spcPct val="100000"/>
               </a:lnSpc>
@@ -5408,7 +5397,7 @@
             </a:endParaRPr>
           </a:p>
           <a:p>
-            <a:pPr marL="285840" indent="-283680">
+            <a:pPr marL="285840" indent="-283320">
               <a:lnSpc>
                 <a:spcPct val="100000"/>
               </a:lnSpc>
@@ -5474,7 +5463,7 @@
         <p:spPr>
           <a:xfrm>
             <a:off x="388440" y="333720"/>
-            <a:ext cx="1360080" cy="359640"/>
+            <a:ext cx="1359720" cy="359280"/>
           </a:xfrm>
           <a:prstGeom prst="rect">
             <a:avLst/>
@@ -5497,7 +5486,7 @@
         <p:spPr>
           <a:xfrm>
             <a:off x="10336680" y="334800"/>
-            <a:ext cx="985680" cy="1273680"/>
+            <a:ext cx="985320" cy="1273320"/>
           </a:xfrm>
           <a:prstGeom prst="rect">
             <a:avLst/>
@@ -5516,7 +5505,7 @@
         <p:spPr>
           <a:xfrm>
             <a:off x="638280" y="1531440"/>
-            <a:ext cx="3348360" cy="2833200"/>
+            <a:ext cx="3348000" cy="2832840"/>
           </a:xfrm>
           <a:prstGeom prst="rect">
             <a:avLst/>
@@ -5571,7 +5560,7 @@
             </a:endParaRPr>
           </a:p>
           <a:p>
-            <a:pPr marL="285840" indent="-283680">
+            <a:pPr marL="285840" indent="-283320">
               <a:lnSpc>
                 <a:spcPct val="100000"/>
               </a:lnSpc>
@@ -5599,7 +5588,7 @@
             </a:endParaRPr>
           </a:p>
           <a:p>
-            <a:pPr marL="285840" indent="-283680">
+            <a:pPr marL="285840" indent="-283320">
               <a:lnSpc>
                 <a:spcPct val="100000"/>
               </a:lnSpc>
@@ -5627,7 +5616,7 @@
             </a:endParaRPr>
           </a:p>
           <a:p>
-            <a:pPr marL="285840" indent="-283680">
+            <a:pPr marL="285840" indent="-283320">
               <a:lnSpc>
                 <a:spcPct val="100000"/>
               </a:lnSpc>
@@ -5704,7 +5693,7 @@
         <p:spPr>
           <a:xfrm>
             <a:off x="4140000" y="1531440"/>
-            <a:ext cx="3348360" cy="2833200"/>
+            <a:ext cx="3348000" cy="2832840"/>
           </a:xfrm>
           <a:prstGeom prst="rect">
             <a:avLst/>
@@ -5759,7 +5748,7 @@
             </a:endParaRPr>
           </a:p>
           <a:p>
-            <a:pPr marL="285840" indent="-283680">
+            <a:pPr marL="285840" indent="-283320">
               <a:lnSpc>
                 <a:spcPct val="100000"/>
               </a:lnSpc>
@@ -5787,7 +5776,7 @@
             </a:endParaRPr>
           </a:p>
           <a:p>
-            <a:pPr marL="285840" indent="-283680">
+            <a:pPr marL="285840" indent="-283320">
               <a:lnSpc>
                 <a:spcPct val="100000"/>
               </a:lnSpc>
@@ -5815,7 +5804,7 @@
             </a:endParaRPr>
           </a:p>
           <a:p>
-            <a:pPr marL="285840" indent="-283680">
+            <a:pPr marL="285840" indent="-283320">
               <a:lnSpc>
                 <a:spcPct val="100000"/>
               </a:lnSpc>
@@ -5843,7 +5832,7 @@
             </a:endParaRPr>
           </a:p>
           <a:p>
-            <a:pPr marL="285840" indent="-283680">
+            <a:pPr marL="285840" indent="-283320">
               <a:lnSpc>
                 <a:spcPct val="100000"/>
               </a:lnSpc>
@@ -5871,7 +5860,7 @@
             </a:endParaRPr>
           </a:p>
           <a:p>
-            <a:pPr marL="285840" indent="-283680">
+            <a:pPr marL="285840" indent="-283320">
               <a:lnSpc>
                 <a:spcPct val="100000"/>
               </a:lnSpc>
@@ -5948,7 +5937,7 @@
         <p:spPr>
           <a:xfrm>
             <a:off x="4833360" y="6238080"/>
-            <a:ext cx="2524680" cy="471960"/>
+            <a:ext cx="2524320" cy="471600"/>
           </a:xfrm>
           <a:prstGeom prst="rect">
             <a:avLst/>
@@ -6063,6 +6052,268 @@
           <p:childTnLst>
             <p:seq>
               <p:cTn id="20" dur="indefinite" nodeType="mainSeq"/>
+              <p:prevCondLst>
+                <p:cond delay="0" evt="onPrev">
+                  <p:tgtEl>
+                    <p:sldTgt/>
+                  </p:tgtEl>
+                </p:cond>
+              </p:prevCondLst>
+              <p:nextCondLst>
+                <p:cond delay="0" evt="onNext">
+                  <p:tgtEl>
+                    <p:sldTgt/>
+                  </p:tgtEl>
+                </p:cond>
+              </p:nextCondLst>
+            </p:seq>
+          </p:childTnLst>
+        </p:cTn>
+      </p:par>
+    </p:tnLst>
+  </p:timing>
+</p:sld>
+</file>
+
+<file path=ppt/slides/slide11.xml><?xml version="1.0" encoding="utf-8"?>
+<p:sld xmlns:a="http://schemas.openxmlformats.org/drawingml/2006/main" xmlns:p="http://schemas.openxmlformats.org/presentationml/2006/main" xmlns:r="http://schemas.openxmlformats.org/officeDocument/2006/relationships" xmlns:p14="http://schemas.microsoft.com/office/powerpoint/2010/main" xmlns:p15="http://schemas.microsoft.com/office/powerpoint/2012/main" xmlns:mc="http://schemas.openxmlformats.org/markup-compatibility/2006">
+  <p:cSld>
+    <p:spTree>
+      <p:nvGrpSpPr>
+        <p:cNvPr id="1" name=""/>
+        <p:cNvGrpSpPr/>
+        <p:nvPr/>
+      </p:nvGrpSpPr>
+      <p:grpSpPr>
+        <a:xfrm>
+          <a:off x="0" y="0"/>
+          <a:ext cx="0" cy="0"/>
+          <a:chOff x="0" y="0"/>
+          <a:chExt cx="0" cy="0"/>
+        </a:xfrm>
+      </p:grpSpPr>
+      <p:pic>
+        <p:nvPicPr>
+          <p:cNvPr id="207" name="Picture 6" descr=""/>
+          <p:cNvPicPr/>
+          <p:nvPr/>
+        </p:nvPicPr>
+        <p:blipFill>
+          <a:blip r:embed="rId1"/>
+          <a:stretch/>
+        </p:blipFill>
+        <p:spPr>
+          <a:xfrm>
+            <a:off x="388440" y="333720"/>
+            <a:ext cx="1359720" cy="359280"/>
+          </a:xfrm>
+          <a:prstGeom prst="rect">
+            <a:avLst/>
+          </a:prstGeom>
+          <a:ln>
+            <a:noFill/>
+          </a:ln>
+        </p:spPr>
+      </p:pic>
+      <p:pic>
+        <p:nvPicPr>
+          <p:cNvPr id="208" name="Picture 6" descr=""/>
+          <p:cNvPicPr/>
+          <p:nvPr/>
+        </p:nvPicPr>
+        <p:blipFill>
+          <a:blip r:embed="rId2"/>
+          <a:stretch/>
+        </p:blipFill>
+        <p:spPr>
+          <a:xfrm>
+            <a:off x="10336680" y="334800"/>
+            <a:ext cx="985320" cy="1273320"/>
+          </a:xfrm>
+          <a:prstGeom prst="rect">
+            <a:avLst/>
+          </a:prstGeom>
+          <a:ln>
+            <a:noFill/>
+          </a:ln>
+        </p:spPr>
+      </p:pic>
+      <p:sp>
+        <p:nvSpPr>
+          <p:cNvPr id="209" name="CustomShape 1"/>
+          <p:cNvSpPr/>
+          <p:nvPr/>
+        </p:nvSpPr>
+        <p:spPr>
+          <a:xfrm>
+            <a:off x="4833360" y="6238080"/>
+            <a:ext cx="2524320" cy="471600"/>
+          </a:xfrm>
+          <a:prstGeom prst="rect">
+            <a:avLst/>
+          </a:prstGeom>
+          <a:noFill/>
+          <a:ln>
+            <a:noFill/>
+          </a:ln>
+        </p:spPr>
+        <p:style>
+          <a:lnRef idx="0"/>
+          <a:fillRef idx="0"/>
+          <a:effectRef idx="0"/>
+          <a:fontRef idx="minor"/>
+        </p:style>
+        <p:txBody>
+          <a:bodyPr lIns="90000" rIns="90000" tIns="45000" bIns="45000"/>
+          <a:p>
+            <a:pPr algn="ctr">
+              <a:lnSpc>
+                <a:spcPct val="90000"/>
+              </a:lnSpc>
+              <a:spcBef>
+                <a:spcPts val="1001"/>
+              </a:spcBef>
+            </a:pPr>
+            <a:r>
+              <a:rPr b="1" lang="en-GB" sz="1400" spc="-1" strike="noStrike">
+                <a:solidFill>
+                  <a:srgbClr val="002060"/>
+                </a:solidFill>
+                <a:latin typeface="Arial"/>
+                <a:ea typeface="Calibri"/>
+              </a:rPr>
+              <a:t>ICL-</a:t>
+            </a:r>
+            <a:r>
+              <a:rPr b="1" lang="en-GB" sz="1400" spc="-1" strike="noStrike">
+                <a:solidFill>
+                  <a:srgbClr val="0070c0"/>
+                </a:solidFill>
+                <a:latin typeface="Arial"/>
+                <a:ea typeface="Calibri"/>
+              </a:rPr>
+              <a:t>ICAM</a:t>
+            </a:r>
+            <a:r>
+              <a:rPr b="1" lang="en-GB" sz="1400" spc="-1" strike="noStrike">
+                <a:solidFill>
+                  <a:srgbClr val="002060"/>
+                </a:solidFill>
+                <a:latin typeface="Arial"/>
+                <a:ea typeface="Calibri"/>
+              </a:rPr>
+              <a:t>-BP</a:t>
+            </a:r>
+            <a:endParaRPr b="0" lang="en-GB" sz="1400" spc="-1" strike="noStrike">
+              <a:latin typeface="Arial"/>
+            </a:endParaRPr>
+          </a:p>
+          <a:p>
+            <a:pPr algn="ctr">
+              <a:lnSpc>
+                <a:spcPct val="90000"/>
+              </a:lnSpc>
+              <a:spcBef>
+                <a:spcPts val="1001"/>
+              </a:spcBef>
+            </a:pPr>
+            <a:r>
+              <a:rPr b="0" lang="en-GB" sz="1400" spc="-1" strike="noStrike">
+                <a:solidFill>
+                  <a:srgbClr val="000000"/>
+                </a:solidFill>
+                <a:latin typeface="Arial"/>
+                <a:ea typeface="Calibri"/>
+              </a:rPr>
+              <a:t>24</a:t>
+            </a:r>
+            <a:r>
+              <a:rPr b="0" lang="en-GB" sz="1400" spc="-1" strike="noStrike" baseline="30000">
+                <a:solidFill>
+                  <a:srgbClr val="000000"/>
+                </a:solidFill>
+                <a:latin typeface="Arial"/>
+                <a:ea typeface="Calibri"/>
+              </a:rPr>
+              <a:t>th</a:t>
+            </a:r>
+            <a:r>
+              <a:rPr b="0" lang="en-GB" sz="1400" spc="-1" strike="noStrike">
+                <a:solidFill>
+                  <a:srgbClr val="000000"/>
+                </a:solidFill>
+                <a:latin typeface="Arial"/>
+                <a:ea typeface="Calibri"/>
+              </a:rPr>
+              <a:t> March 2021</a:t>
+            </a:r>
+            <a:endParaRPr b="0" lang="en-GB" sz="1400" spc="-1" strike="noStrike">
+              <a:latin typeface="Arial"/>
+            </a:endParaRPr>
+          </a:p>
+        </p:txBody>
+      </p:sp>
+      <p:sp>
+        <p:nvSpPr>
+          <p:cNvPr id="210" name="CustomShape 2"/>
+          <p:cNvSpPr/>
+          <p:nvPr/>
+        </p:nvSpPr>
+        <p:spPr>
+          <a:xfrm>
+            <a:off x="5614920" y="3130200"/>
+            <a:ext cx="961560" cy="597600"/>
+          </a:xfrm>
+          <a:prstGeom prst="rect">
+            <a:avLst/>
+          </a:prstGeom>
+          <a:noFill/>
+          <a:ln>
+            <a:noFill/>
+          </a:ln>
+        </p:spPr>
+        <p:style>
+          <a:lnRef idx="0"/>
+          <a:fillRef idx="0"/>
+          <a:effectRef idx="0"/>
+          <a:fontRef idx="minor"/>
+        </p:style>
+        <p:txBody>
+          <a:bodyPr lIns="90000" rIns="90000" tIns="45000" bIns="45000"/>
+          <a:p>
+            <a:pPr>
+              <a:lnSpc>
+                <a:spcPct val="100000"/>
+              </a:lnSpc>
+              <a:spcAft>
+                <a:spcPts val="567"/>
+              </a:spcAft>
+            </a:pPr>
+            <a:r>
+              <a:rPr b="1" lang="en-GB" sz="2800" spc="-1" strike="noStrike">
+                <a:solidFill>
+                  <a:srgbClr val="000000"/>
+                </a:solidFill>
+                <a:latin typeface="Arial"/>
+                <a:ea typeface="Calibri"/>
+              </a:rPr>
+              <a:t>END</a:t>
+            </a:r>
+            <a:endParaRPr b="0" lang="en-GB" sz="2800" spc="-1" strike="noStrike">
+              <a:latin typeface="Arial"/>
+            </a:endParaRPr>
+          </a:p>
+        </p:txBody>
+      </p:sp>
+    </p:spTree>
+  </p:cSld>
+  <p:timing>
+    <p:tnLst>
+      <p:par>
+        <p:cTn id="21" dur="indefinite" restart="never" nodeType="tmRoot">
+          <p:childTnLst>
+            <p:seq>
+              <p:cTn id="22" dur="indefinite" nodeType="mainSeq"/>
               <p:prevCondLst>
                 <p:cond delay="0" evt="onPrev">
                   <p:tgtEl>
@@ -6116,7 +6367,7 @@
         <p:spPr>
           <a:xfrm>
             <a:off x="10336680" y="334800"/>
-            <a:ext cx="985680" cy="1273680"/>
+            <a:ext cx="985320" cy="1273320"/>
           </a:xfrm>
           <a:prstGeom prst="rect">
             <a:avLst/>
@@ -6139,7 +6390,7 @@
         <p:spPr>
           <a:xfrm>
             <a:off x="388440" y="333720"/>
-            <a:ext cx="1360080" cy="359640"/>
+            <a:ext cx="1359720" cy="359280"/>
           </a:xfrm>
           <a:prstGeom prst="rect">
             <a:avLst/>
@@ -6158,7 +6409,7 @@
         <p:spPr>
           <a:xfrm>
             <a:off x="875880" y="827640"/>
-            <a:ext cx="9232560" cy="1116000"/>
+            <a:ext cx="9232200" cy="1115640"/>
           </a:xfrm>
           <a:prstGeom prst="rect">
             <a:avLst/>
@@ -6211,7 +6462,7 @@
         <p:spPr>
           <a:xfrm>
             <a:off x="7357320" y="2428200"/>
-            <a:ext cx="3985200" cy="2421720"/>
+            <a:ext cx="3984840" cy="2421360"/>
           </a:xfrm>
           <a:prstGeom prst="rect">
             <a:avLst/>
@@ -6230,7 +6481,7 @@
         <p:spPr>
           <a:xfrm>
             <a:off x="4281120" y="4844160"/>
-            <a:ext cx="2700360" cy="302760"/>
+            <a:ext cx="2700000" cy="302400"/>
           </a:xfrm>
           <a:prstGeom prst="rect">
             <a:avLst/>
@@ -6262,7 +6513,7 @@
                 <a:latin typeface="Calibri"/>
                 <a:ea typeface="DejaVu Sans"/>
               </a:rPr>
-              <a:t>Figure 1. Semi-structured mesh</a:t>
+              <a:t>Figure 1. Semi-structured mesh.</a:t>
             </a:r>
             <a:endParaRPr b="0" lang="en-GB" sz="1200" spc="-1" strike="noStrike">
               <a:latin typeface="Arial"/>
@@ -6279,7 +6530,7 @@
         <p:spPr>
           <a:xfrm>
             <a:off x="7272000" y="4848840"/>
-            <a:ext cx="3670920" cy="334080"/>
+            <a:ext cx="3816000" cy="333720"/>
           </a:xfrm>
           <a:prstGeom prst="rect">
             <a:avLst/>
@@ -6311,7 +6562,7 @@
                 <a:latin typeface="Calibri"/>
                 <a:ea typeface="DejaVu Sans"/>
               </a:rPr>
-              <a:t>Figure 2. Creation and dispersion of a droplet</a:t>
+              <a:t>Figure 2. Creation and dispersion of a droplet.</a:t>
             </a:r>
             <a:endParaRPr b="0" lang="en-GB" sz="1200" spc="-1" strike="noStrike">
               <a:latin typeface="Arial"/>
@@ -6334,7 +6585,7 @@
         <p:spPr>
           <a:xfrm>
             <a:off x="4407840" y="2196000"/>
-            <a:ext cx="2319480" cy="2591640"/>
+            <a:ext cx="2319120" cy="2591280"/>
           </a:xfrm>
           <a:prstGeom prst="rect">
             <a:avLst/>
@@ -6353,7 +6604,7 @@
         <p:spPr>
           <a:xfrm>
             <a:off x="504000" y="2144160"/>
-            <a:ext cx="3311640" cy="303480"/>
+            <a:ext cx="3311280" cy="303120"/>
           </a:xfrm>
           <a:prstGeom prst="rect">
             <a:avLst/>
@@ -6412,7 +6663,7 @@
         <p:spPr>
           <a:xfrm>
             <a:off x="4833360" y="6238080"/>
-            <a:ext cx="2524680" cy="471960"/>
+            <a:ext cx="2524320" cy="471600"/>
           </a:xfrm>
           <a:prstGeom prst="rect">
             <a:avLst/>
@@ -6527,7 +6778,7 @@
         <p:spPr>
           <a:xfrm>
             <a:off x="504000" y="2540160"/>
-            <a:ext cx="3311640" cy="1347480"/>
+            <a:ext cx="3311280" cy="1347120"/>
           </a:xfrm>
           <a:prstGeom prst="rect">
             <a:avLst/>
@@ -6649,7 +6900,7 @@
         <p:spPr>
           <a:xfrm>
             <a:off x="10336680" y="334800"/>
-            <a:ext cx="985680" cy="1273680"/>
+            <a:ext cx="985320" cy="1273320"/>
           </a:xfrm>
           <a:prstGeom prst="rect">
             <a:avLst/>
@@ -6672,7 +6923,7 @@
         <p:spPr>
           <a:xfrm>
             <a:off x="388440" y="333720"/>
-            <a:ext cx="1360080" cy="359640"/>
+            <a:ext cx="1359720" cy="359280"/>
           </a:xfrm>
           <a:prstGeom prst="rect">
             <a:avLst/>
@@ -6691,7 +6942,7 @@
         <p:spPr>
           <a:xfrm>
             <a:off x="504000" y="1244160"/>
-            <a:ext cx="3311640" cy="303480"/>
+            <a:ext cx="3311280" cy="303120"/>
           </a:xfrm>
           <a:prstGeom prst="rect">
             <a:avLst/>
@@ -6750,7 +7001,7 @@
         <p:spPr>
           <a:xfrm>
             <a:off x="4833360" y="6238080"/>
-            <a:ext cx="2524680" cy="471960"/>
+            <a:ext cx="2524320" cy="471600"/>
           </a:xfrm>
           <a:prstGeom prst="rect">
             <a:avLst/>
@@ -6869,7 +7120,7 @@
         <p:spPr>
           <a:xfrm>
             <a:off x="1352520" y="365040"/>
-            <a:ext cx="9486360" cy="5335560"/>
+            <a:ext cx="9486000" cy="5335200"/>
           </a:xfrm>
           <a:prstGeom prst="rect">
             <a:avLst/>
@@ -6888,7 +7139,7 @@
         <p:spPr>
           <a:xfrm>
             <a:off x="4021200" y="5265000"/>
-            <a:ext cx="4148640" cy="273960"/>
+            <a:ext cx="4148280" cy="273600"/>
           </a:xfrm>
           <a:prstGeom prst="rect">
             <a:avLst/>
@@ -6990,7 +7241,7 @@
         <p:spPr>
           <a:xfrm>
             <a:off x="388440" y="333720"/>
-            <a:ext cx="1360080" cy="359640"/>
+            <a:ext cx="1359720" cy="359280"/>
           </a:xfrm>
           <a:prstGeom prst="rect">
             <a:avLst/>
@@ -7013,7 +7264,7 @@
         <p:spPr>
           <a:xfrm>
             <a:off x="10336680" y="334800"/>
-            <a:ext cx="985680" cy="1273680"/>
+            <a:ext cx="985320" cy="1273320"/>
           </a:xfrm>
           <a:prstGeom prst="rect">
             <a:avLst/>
@@ -7032,7 +7283,7 @@
         <p:spPr>
           <a:xfrm>
             <a:off x="360000" y="1401120"/>
-            <a:ext cx="5038920" cy="541800"/>
+            <a:ext cx="5038560" cy="541440"/>
           </a:xfrm>
           <a:prstGeom prst="rect">
             <a:avLst/>
@@ -7111,7 +7362,7 @@
         <p:spPr>
           <a:xfrm>
             <a:off x="322560" y="1800000"/>
-            <a:ext cx="1260360" cy="430920"/>
+            <a:ext cx="1260000" cy="430560"/>
           </a:xfrm>
           <a:prstGeom prst="rect">
             <a:avLst/>
@@ -7200,7 +7451,7 @@
         <p:spPr>
           <a:xfrm>
             <a:off x="5760000" y="1800000"/>
-            <a:ext cx="1260360" cy="430920"/>
+            <a:ext cx="1260000" cy="430560"/>
           </a:xfrm>
           <a:prstGeom prst="rect">
             <a:avLst/>
@@ -7283,7 +7534,7 @@
         <p:spPr>
           <a:xfrm>
             <a:off x="7344000" y="1728000"/>
-            <a:ext cx="4017600" cy="4390920"/>
+            <a:ext cx="4017240" cy="4390560"/>
           </a:xfrm>
           <a:prstGeom prst="rect">
             <a:avLst/>
@@ -7302,7 +7553,7 @@
         <p:spPr>
           <a:xfrm flipH="1">
             <a:off x="5899320" y="2491920"/>
-            <a:ext cx="9000" cy="2895120"/>
+            <a:ext cx="8640" cy="2894760"/>
           </a:xfrm>
           <a:custGeom>
             <a:avLst/>
@@ -7326,7 +7577,7 @@
               <a:srgbClr val="0066b3"/>
             </a:solidFill>
             <a:custDash>
-              <a:ds d="1200000" sp="1200000"/>
+              <a:ds d="1500000" sp="1500000"/>
             </a:custDash>
             <a:round/>
           </a:ln>
@@ -7347,9 +7598,9 @@
         <p:grpSpPr>
           <a:xfrm>
             <a:off x="1440000" y="1872000"/>
-            <a:ext cx="3958920" cy="4030560"/>
+            <a:ext cx="3958560" cy="4030200"/>
             <a:chOff x="1440000" y="1872000"/>
-            <a:chExt cx="3958920" cy="4030560"/>
+            <a:chExt cx="3958560" cy="4030200"/>
           </a:xfrm>
         </p:grpSpPr>
         <p:pic>
@@ -7366,7 +7617,7 @@
           <p:spPr>
             <a:xfrm>
               <a:off x="1440000" y="1872000"/>
-              <a:ext cx="3958920" cy="4030560"/>
+              <a:ext cx="3958560" cy="4030200"/>
             </a:xfrm>
             <a:prstGeom prst="rect">
               <a:avLst/>
@@ -7389,7 +7640,7 @@
           <p:spPr>
             <a:xfrm>
               <a:off x="2880000" y="5400000"/>
-              <a:ext cx="1366920" cy="377640"/>
+              <a:ext cx="1366560" cy="377280"/>
             </a:xfrm>
             <a:prstGeom prst="rect">
               <a:avLst/>
@@ -7409,7 +7660,7 @@
         <p:spPr>
           <a:xfrm>
             <a:off x="4833360" y="6238080"/>
-            <a:ext cx="2524680" cy="471960"/>
+            <a:ext cx="2524320" cy="471600"/>
           </a:xfrm>
           <a:prstGeom prst="rect">
             <a:avLst/>
@@ -7577,7 +7828,7 @@
         <p:spPr>
           <a:xfrm>
             <a:off x="1164960" y="591840"/>
-            <a:ext cx="4522680" cy="5470920"/>
+            <a:ext cx="4522320" cy="5470560"/>
           </a:xfrm>
           <a:prstGeom prst="rect">
             <a:avLst/>
@@ -7600,7 +7851,7 @@
         <p:spPr>
           <a:xfrm>
             <a:off x="388440" y="333720"/>
-            <a:ext cx="1360080" cy="359640"/>
+            <a:ext cx="1359720" cy="359280"/>
           </a:xfrm>
           <a:prstGeom prst="rect">
             <a:avLst/>
@@ -7623,7 +7874,7 @@
         <p:spPr>
           <a:xfrm>
             <a:off x="10336680" y="334800"/>
-            <a:ext cx="985680" cy="1273680"/>
+            <a:ext cx="985320" cy="1273320"/>
           </a:xfrm>
           <a:prstGeom prst="rect">
             <a:avLst/>
@@ -7642,7 +7893,7 @@
         <p:spPr>
           <a:xfrm>
             <a:off x="5934240" y="6192000"/>
-            <a:ext cx="2524680" cy="471960"/>
+            <a:ext cx="2524320" cy="471600"/>
           </a:xfrm>
           <a:prstGeom prst="rect">
             <a:avLst/>
@@ -7761,7 +8012,7 @@
         <p:spPr>
           <a:xfrm>
             <a:off x="6966720" y="1633680"/>
-            <a:ext cx="3868920" cy="2901240"/>
+            <a:ext cx="3868560" cy="2900880"/>
           </a:xfrm>
           <a:prstGeom prst="rect">
             <a:avLst/>
@@ -7780,7 +8031,7 @@
         <p:spPr>
           <a:xfrm>
             <a:off x="6427440" y="4549320"/>
-            <a:ext cx="4947480" cy="345600"/>
+            <a:ext cx="4947120" cy="345240"/>
           </a:xfrm>
           <a:prstGeom prst="rect">
             <a:avLst/>
@@ -7829,7 +8080,7 @@
         <p:spPr>
           <a:xfrm>
             <a:off x="1338480" y="6133320"/>
-            <a:ext cx="4175280" cy="345600"/>
+            <a:ext cx="4174920" cy="345240"/>
           </a:xfrm>
           <a:prstGeom prst="rect">
             <a:avLst/>
@@ -7864,7 +8115,7 @@
               <a:t>Figure 4. Flowchart for the DG Petrov-Galerkin diffusion method.</a:t>
             </a:r>
             <a:endParaRPr b="0" lang="en-GB" sz="1800" spc="-1" strike="noStrike">
-              <a:latin typeface="arial"/>
+              <a:latin typeface="Arial"/>
             </a:endParaRPr>
           </a:p>
         </p:txBody>
@@ -7931,7 +8182,7 @@
         <p:spPr>
           <a:xfrm>
             <a:off x="388440" y="333720"/>
-            <a:ext cx="1360080" cy="359640"/>
+            <a:ext cx="1359720" cy="359280"/>
           </a:xfrm>
           <a:prstGeom prst="rect">
             <a:avLst/>
@@ -7950,7 +8201,7 @@
         <p:spPr>
           <a:xfrm>
             <a:off x="648000" y="1044000"/>
-            <a:ext cx="1196280" cy="358560"/>
+            <a:ext cx="1195920" cy="358200"/>
           </a:xfrm>
           <a:prstGeom prst="rect">
             <a:avLst/>
@@ -8013,7 +8264,7 @@
         <p:spPr>
           <a:xfrm>
             <a:off x="10336680" y="334800"/>
-            <a:ext cx="985680" cy="1273680"/>
+            <a:ext cx="985320" cy="1273320"/>
           </a:xfrm>
           <a:prstGeom prst="rect">
             <a:avLst/>
@@ -8036,7 +8287,7 @@
         <p:spPr>
           <a:xfrm>
             <a:off x="3420000" y="890280"/>
-            <a:ext cx="4174920" cy="1880640"/>
+            <a:ext cx="4174560" cy="1880280"/>
           </a:xfrm>
           <a:prstGeom prst="rect">
             <a:avLst/>
@@ -8055,7 +8306,7 @@
         <p:spPr>
           <a:xfrm>
             <a:off x="648000" y="2952000"/>
-            <a:ext cx="1727640" cy="358560"/>
+            <a:ext cx="1727280" cy="358200"/>
           </a:xfrm>
           <a:prstGeom prst="rect">
             <a:avLst/>
@@ -8118,7 +8369,7 @@
         <p:spPr>
           <a:xfrm>
             <a:off x="731160" y="3420000"/>
-            <a:ext cx="3128400" cy="2385720"/>
+            <a:ext cx="3128040" cy="2385360"/>
           </a:xfrm>
           <a:prstGeom prst="rect">
             <a:avLst/>
@@ -8141,7 +8392,7 @@
         <p:spPr>
           <a:xfrm>
             <a:off x="5112000" y="3420000"/>
-            <a:ext cx="1979640" cy="1942920"/>
+            <a:ext cx="1979280" cy="1942560"/>
           </a:xfrm>
           <a:prstGeom prst="rect">
             <a:avLst/>
@@ -8164,7 +8415,7 @@
         <p:spPr>
           <a:xfrm>
             <a:off x="8836920" y="3420000"/>
-            <a:ext cx="2414520" cy="1222920"/>
+            <a:ext cx="2414160" cy="1222560"/>
           </a:xfrm>
           <a:prstGeom prst="rect">
             <a:avLst/>
@@ -8183,7 +8434,7 @@
         <p:spPr>
           <a:xfrm>
             <a:off x="897480" y="5832000"/>
-            <a:ext cx="2795760" cy="286920"/>
+            <a:ext cx="2795400" cy="286560"/>
           </a:xfrm>
           <a:prstGeom prst="rect">
             <a:avLst/>
@@ -8215,7 +8466,7 @@
                 <a:latin typeface="Arial"/>
                 <a:ea typeface="DejaVu Sans"/>
               </a:rPr>
-              <a:t>Figure 7. 2D domain with local &amp; global node numbering</a:t>
+              <a:t>Figure 7. 2D domain with local &amp; global node numbering.</a:t>
             </a:r>
             <a:endParaRPr b="0" lang="en-GB" sz="1100" spc="-1" strike="noStrike">
               <a:latin typeface="Arial"/>
@@ -8232,7 +8483,7 @@
         <p:spPr>
           <a:xfrm>
             <a:off x="4644000" y="5580000"/>
-            <a:ext cx="3420000" cy="231120"/>
+            <a:ext cx="3419640" cy="230760"/>
           </a:xfrm>
           <a:prstGeom prst="rect">
             <a:avLst/>
@@ -8264,7 +8515,7 @@
                 <a:latin typeface="Arial"/>
                 <a:ea typeface="DejaVu Sans"/>
               </a:rPr>
-              <a:t>Figure 8. Volume integral using 3-0point Gaussian quadrature method</a:t>
+              <a:t>Figure 8. Volume integration using 3-point Gaussian quadrature method.</a:t>
             </a:r>
             <a:endParaRPr b="0" lang="en-GB" sz="1100" spc="-1" strike="noStrike">
               <a:latin typeface="Arial"/>
@@ -8281,7 +8532,7 @@
         <p:spPr>
           <a:xfrm>
             <a:off x="8640000" y="4881960"/>
-            <a:ext cx="2808000" cy="372960"/>
+            <a:ext cx="2807640" cy="372600"/>
           </a:xfrm>
           <a:prstGeom prst="rect">
             <a:avLst/>
@@ -8313,7 +8564,7 @@
                 <a:latin typeface="Arial"/>
                 <a:ea typeface="DejaVu Sans"/>
               </a:rPr>
-              <a:t>Figure 9. Surface integral using 2-point Gaussian quadrature method</a:t>
+              <a:t>Figure 9. Surface integration using 2-point Gaussian quadrature method.</a:t>
             </a:r>
             <a:endParaRPr b="0" lang="en-GB" sz="1100" spc="-1" strike="noStrike">
               <a:latin typeface="Arial"/>
@@ -8330,7 +8581,7 @@
         <p:spPr>
           <a:xfrm>
             <a:off x="4833360" y="6238080"/>
-            <a:ext cx="2524680" cy="471960"/>
+            <a:ext cx="2524320" cy="471600"/>
           </a:xfrm>
           <a:prstGeom prst="rect">
             <a:avLst/>
@@ -8445,7 +8696,7 @@
         <p:spPr>
           <a:xfrm>
             <a:off x="3677760" y="2880000"/>
-            <a:ext cx="3954240" cy="286920"/>
+            <a:ext cx="3953880" cy="286560"/>
           </a:xfrm>
           <a:prstGeom prst="rect">
             <a:avLst/>
@@ -8547,7 +8798,7 @@
         <p:spPr>
           <a:xfrm>
             <a:off x="388440" y="333720"/>
-            <a:ext cx="1360080" cy="359640"/>
+            <a:ext cx="1359720" cy="359280"/>
           </a:xfrm>
           <a:prstGeom prst="rect">
             <a:avLst/>
@@ -8570,7 +8821,7 @@
         <p:spPr>
           <a:xfrm>
             <a:off x="10336680" y="334800"/>
-            <a:ext cx="985680" cy="1273680"/>
+            <a:ext cx="985320" cy="1273320"/>
           </a:xfrm>
           <a:prstGeom prst="rect">
             <a:avLst/>
@@ -8589,7 +8840,7 @@
         <p:spPr>
           <a:xfrm>
             <a:off x="792000" y="1440000"/>
-            <a:ext cx="5902920" cy="358560"/>
+            <a:ext cx="5902560" cy="358200"/>
           </a:xfrm>
           <a:prstGeom prst="rect">
             <a:avLst/>
@@ -8688,7 +8939,7 @@
         <p:spPr>
           <a:xfrm>
             <a:off x="394920" y="1882800"/>
-            <a:ext cx="11466360" cy="1018080"/>
+            <a:ext cx="11466000" cy="1017720"/>
           </a:xfrm>
           <a:prstGeom prst="rect">
             <a:avLst/>
@@ -8707,7 +8958,7 @@
         <p:txBody>
           <a:bodyPr lIns="90000" rIns="90000" tIns="45000" bIns="45000"/>
           <a:p>
-            <a:pPr marL="216000" indent="-214920">
+            <a:pPr marL="216000" indent="-214560">
               <a:lnSpc>
                 <a:spcPct val="115000"/>
               </a:lnSpc>
@@ -8736,7 +8987,7 @@
             </a:endParaRPr>
           </a:p>
           <a:p>
-            <a:pPr marL="216000" indent="-214920">
+            <a:pPr marL="216000" indent="-214560">
               <a:lnSpc>
                 <a:spcPct val="115000"/>
               </a:lnSpc>
@@ -8765,7 +9016,7 @@
             </a:endParaRPr>
           </a:p>
           <a:p>
-            <a:pPr marL="216000" indent="-214920">
+            <a:pPr marL="216000" indent="-214560">
               <a:lnSpc>
                 <a:spcPct val="115000"/>
               </a:lnSpc>
@@ -8803,13 +9054,13 @@
         </p:nvPicPr>
         <p:blipFill>
           <a:blip r:embed="rId3"/>
-          <a:srcRect l="8237" t="28138" r="0" b="0"/>
+          <a:srcRect l="8237" t="28132" r="0" b="0"/>
           <a:stretch/>
         </p:blipFill>
         <p:spPr>
           <a:xfrm>
             <a:off x="576000" y="3324600"/>
-            <a:ext cx="4894920" cy="1510920"/>
+            <a:ext cx="4894560" cy="1510560"/>
           </a:xfrm>
           <a:prstGeom prst="rect">
             <a:avLst/>
@@ -8827,13 +9078,13 @@
         </p:nvPicPr>
         <p:blipFill>
           <a:blip r:embed="rId4"/>
-          <a:srcRect l="7606" t="29267" r="0" b="0"/>
+          <a:srcRect l="7606" t="29261" r="0" b="0"/>
           <a:stretch/>
         </p:blipFill>
         <p:spPr>
           <a:xfrm>
             <a:off x="6408000" y="3340800"/>
-            <a:ext cx="4898880" cy="1478520"/>
+            <a:ext cx="4898520" cy="1478160"/>
           </a:xfrm>
           <a:prstGeom prst="rect">
             <a:avLst/>
@@ -8852,7 +9103,7 @@
         <p:spPr>
           <a:xfrm>
             <a:off x="1279800" y="4896000"/>
-            <a:ext cx="3487320" cy="286920"/>
+            <a:ext cx="3486960" cy="286560"/>
           </a:xfrm>
           <a:prstGeom prst="rect">
             <a:avLst/>
@@ -8884,7 +9135,7 @@
                 <a:latin typeface="Arial"/>
                 <a:ea typeface="DejaVu Sans"/>
               </a:rPr>
-              <a:t>Figure 10. Flow pass a cylinder with the fixed mesh</a:t>
+              <a:t>Figure 10. Flow pass a cylinder with the fixed mesh.</a:t>
             </a:r>
             <a:endParaRPr b="0" lang="en-GB" sz="1100" spc="-1" strike="noStrike">
               <a:latin typeface="Arial"/>
@@ -8901,7 +9152,7 @@
         <p:spPr>
           <a:xfrm>
             <a:off x="6959160" y="4896360"/>
-            <a:ext cx="3796920" cy="286560"/>
+            <a:ext cx="3796560" cy="286200"/>
           </a:xfrm>
           <a:prstGeom prst="rect">
             <a:avLst/>
@@ -8933,7 +9184,7 @@
                 <a:latin typeface="Arial"/>
                 <a:ea typeface="DejaVu Sans"/>
               </a:rPr>
-              <a:t>Figure 11. Flow pass a cylinder with the adaptive mesh</a:t>
+              <a:t>Figure 11. Flow pass a cylinder with the adaptive mesh.</a:t>
             </a:r>
             <a:endParaRPr b="0" lang="en-GB" sz="1100" spc="-1" strike="noStrike">
               <a:latin typeface="Arial"/>
@@ -8950,7 +9201,7 @@
         <p:spPr>
           <a:xfrm>
             <a:off x="4833360" y="6238080"/>
-            <a:ext cx="2524680" cy="471960"/>
+            <a:ext cx="2524320" cy="471600"/>
           </a:xfrm>
           <a:prstGeom prst="rect">
             <a:avLst/>
@@ -9065,7 +9316,7 @@
         <p:spPr>
           <a:xfrm>
             <a:off x="1296000" y="5292000"/>
-            <a:ext cx="3455640" cy="1043640"/>
+            <a:ext cx="3455280" cy="1043280"/>
           </a:xfrm>
           <a:prstGeom prst="rect">
             <a:avLst/>
@@ -9196,7 +9447,7 @@
         <p:spPr>
           <a:xfrm>
             <a:off x="7129440" y="5292000"/>
-            <a:ext cx="3455640" cy="1223640"/>
+            <a:ext cx="3455280" cy="1223280"/>
           </a:xfrm>
           <a:prstGeom prst="rect">
             <a:avLst/>
@@ -9400,7 +9651,7 @@
         <p:spPr>
           <a:xfrm>
             <a:off x="388440" y="333720"/>
-            <a:ext cx="1360080" cy="359640"/>
+            <a:ext cx="1359720" cy="359280"/>
           </a:xfrm>
           <a:prstGeom prst="rect">
             <a:avLst/>
@@ -9423,7 +9674,7 @@
         <p:spPr>
           <a:xfrm>
             <a:off x="10336680" y="334800"/>
-            <a:ext cx="985680" cy="1273680"/>
+            <a:ext cx="985320" cy="1273320"/>
           </a:xfrm>
           <a:prstGeom prst="rect">
             <a:avLst/>
@@ -9442,7 +9693,7 @@
         <p:spPr>
           <a:xfrm>
             <a:off x="792000" y="1440000"/>
-            <a:ext cx="5902920" cy="358560"/>
+            <a:ext cx="5902560" cy="358200"/>
           </a:xfrm>
           <a:prstGeom prst="rect">
             <a:avLst/>
@@ -9541,7 +9792,7 @@
         <p:spPr>
           <a:xfrm>
             <a:off x="394920" y="1882800"/>
-            <a:ext cx="11466360" cy="1018080"/>
+            <a:ext cx="11466000" cy="1017720"/>
           </a:xfrm>
           <a:prstGeom prst="rect">
             <a:avLst/>
@@ -9560,7 +9811,7 @@
         <p:txBody>
           <a:bodyPr lIns="90000" rIns="90000" tIns="45000" bIns="45000"/>
           <a:p>
-            <a:pPr marL="216000" indent="-214920">
+            <a:pPr marL="216000" indent="-214560">
               <a:lnSpc>
                 <a:spcPct val="115000"/>
               </a:lnSpc>
@@ -9589,7 +9840,7 @@
             </a:endParaRPr>
           </a:p>
           <a:p>
-            <a:pPr marL="216000" indent="-214920">
+            <a:pPr marL="216000" indent="-214560">
               <a:lnSpc>
                 <a:spcPct val="115000"/>
               </a:lnSpc>
@@ -9618,7 +9869,7 @@
             </a:endParaRPr>
           </a:p>
           <a:p>
-            <a:pPr marL="216000" indent="-214920">
+            <a:pPr marL="216000" indent="-214560">
               <a:lnSpc>
                 <a:spcPct val="115000"/>
               </a:lnSpc>
@@ -9656,13 +9907,13 @@
         </p:nvPicPr>
         <p:blipFill>
           <a:blip r:embed="rId3"/>
-          <a:srcRect l="28657" t="0" r="28208" b="0"/>
+          <a:srcRect l="28652" t="0" r="28205" b="0"/>
           <a:stretch/>
         </p:blipFill>
         <p:spPr>
           <a:xfrm>
             <a:off x="2756160" y="3149640"/>
-            <a:ext cx="2282760" cy="2086920"/>
+            <a:ext cx="2282400" cy="2086560"/>
           </a:xfrm>
           <a:prstGeom prst="rect">
             <a:avLst/>
@@ -9680,13 +9931,13 @@
         </p:nvPicPr>
         <p:blipFill>
           <a:blip r:embed="rId4"/>
-          <a:srcRect l="28657" t="0" r="28208" b="0"/>
+          <a:srcRect l="28652" t="0" r="28205" b="0"/>
           <a:stretch/>
         </p:blipFill>
         <p:spPr>
           <a:xfrm>
             <a:off x="432000" y="3149640"/>
-            <a:ext cx="2302920" cy="2105280"/>
+            <a:ext cx="2302560" cy="2104920"/>
           </a:xfrm>
           <a:prstGeom prst="rect">
             <a:avLst/>
@@ -9704,13 +9955,13 @@
         </p:nvPicPr>
         <p:blipFill>
           <a:blip r:embed="rId5"/>
-          <a:srcRect l="28529" t="0" r="28339" b="0"/>
+          <a:srcRect l="28525" t="0" r="28335" b="0"/>
           <a:stretch/>
         </p:blipFill>
         <p:spPr>
           <a:xfrm>
             <a:off x="5724000" y="3168000"/>
-            <a:ext cx="2948760" cy="2079720"/>
+            <a:ext cx="2948400" cy="2079360"/>
           </a:xfrm>
           <a:prstGeom prst="rect">
             <a:avLst/>
@@ -9728,13 +9979,13 @@
         </p:nvPicPr>
         <p:blipFill>
           <a:blip r:embed="rId6"/>
-          <a:srcRect l="28063" t="0" r="28213" b="0"/>
+          <a:srcRect l="28060" t="0" r="28210" b="0"/>
           <a:stretch/>
         </p:blipFill>
         <p:spPr>
           <a:xfrm>
             <a:off x="8709840" y="3175200"/>
-            <a:ext cx="2989080" cy="2079720"/>
+            <a:ext cx="2988720" cy="2079360"/>
           </a:xfrm>
           <a:prstGeom prst="rect">
             <a:avLst/>
@@ -9753,7 +10004,7 @@
         <p:spPr>
           <a:xfrm>
             <a:off x="612000" y="5370840"/>
-            <a:ext cx="4392000" cy="345600"/>
+            <a:ext cx="4391640" cy="345240"/>
           </a:xfrm>
           <a:prstGeom prst="rect">
             <a:avLst/>
@@ -9785,7 +10036,7 @@
                 <a:latin typeface="Arial"/>
                 <a:ea typeface="DejaVu Sans"/>
               </a:rPr>
-              <a:t>Figure 12. Collapsing water column under gravity with a fixed mesh</a:t>
+              <a:t>Figure 12. Collapsing water column under gravity with a fixed mesh.</a:t>
             </a:r>
             <a:endParaRPr b="0" lang="en-GB" sz="1100" spc="-1" strike="noStrike">
               <a:latin typeface="Arial"/>
@@ -9802,7 +10053,7 @@
         <p:spPr>
           <a:xfrm>
             <a:off x="6554520" y="5370840"/>
-            <a:ext cx="4785480" cy="372960"/>
+            <a:ext cx="4785120" cy="372600"/>
           </a:xfrm>
           <a:prstGeom prst="rect">
             <a:avLst/>
@@ -9834,7 +10085,7 @@
                 <a:latin typeface="Arial"/>
                 <a:ea typeface="DejaVu Sans"/>
               </a:rPr>
-              <a:t>Figure 13. Collapsing water column under gravity with the adaptive mesh</a:t>
+              <a:t>Figure 13. Collapsing water column under gravity with the adaptive mesh.</a:t>
             </a:r>
             <a:endParaRPr b="0" lang="en-GB" sz="1100" spc="-1" strike="noStrike">
               <a:latin typeface="Arial"/>
@@ -9851,7 +10102,7 @@
         <p:spPr>
           <a:xfrm>
             <a:off x="4833360" y="6238080"/>
-            <a:ext cx="2524680" cy="471960"/>
+            <a:ext cx="2524320" cy="471600"/>
           </a:xfrm>
           <a:prstGeom prst="rect">
             <a:avLst/>
@@ -10019,7 +10270,7 @@
         <p:spPr>
           <a:xfrm>
             <a:off x="388440" y="333720"/>
-            <a:ext cx="1360080" cy="359640"/>
+            <a:ext cx="1359720" cy="359280"/>
           </a:xfrm>
           <a:prstGeom prst="rect">
             <a:avLst/>
@@ -10042,7 +10293,7 @@
         <p:spPr>
           <a:xfrm>
             <a:off x="10336680" y="334800"/>
-            <a:ext cx="985680" cy="1273680"/>
+            <a:ext cx="985320" cy="1273320"/>
           </a:xfrm>
           <a:prstGeom prst="rect">
             <a:avLst/>
@@ -10061,7 +10312,7 @@
         <p:spPr>
           <a:xfrm>
             <a:off x="2952000" y="360000"/>
-            <a:ext cx="3383640" cy="322920"/>
+            <a:ext cx="3383280" cy="322560"/>
           </a:xfrm>
           <a:prstGeom prst="rect">
             <a:avLst/>
@@ -10110,7 +10361,7 @@
         <p:spPr>
           <a:xfrm>
             <a:off x="1827360" y="3420000"/>
-            <a:ext cx="3873600" cy="372960"/>
+            <a:ext cx="3873240" cy="372600"/>
           </a:xfrm>
           <a:prstGeom prst="rect">
             <a:avLst/>
@@ -10142,7 +10393,7 @@
                 <a:latin typeface="Arial"/>
                 <a:ea typeface="DejaVu Sans"/>
               </a:rPr>
-              <a:t>Figure 14.Flow pass in a cylinder in 3D with the adaptive mesh</a:t>
+              <a:t>Figure 14.Flow pass in a cylinder in 3D with the adaptive mesh.</a:t>
             </a:r>
             <a:endParaRPr b="0" lang="en-GB" sz="1000" spc="-1" strike="noStrike">
               <a:latin typeface="Arial"/>
@@ -10159,7 +10410,7 @@
         <p:spPr>
           <a:xfrm>
             <a:off x="9549360" y="6238080"/>
-            <a:ext cx="2524680" cy="471960"/>
+            <a:ext cx="2524320" cy="471600"/>
           </a:xfrm>
           <a:prstGeom prst="rect">
             <a:avLst/>
@@ -10278,7 +10529,7 @@
         <p:spPr>
           <a:xfrm>
             <a:off x="414720" y="812880"/>
-            <a:ext cx="6698880" cy="2642760"/>
+            <a:ext cx="6698520" cy="2642400"/>
           </a:xfrm>
           <a:prstGeom prst="rect">
             <a:avLst/>
@@ -10297,7 +10548,7 @@
         <p:spPr>
           <a:xfrm>
             <a:off x="7236000" y="1701000"/>
-            <a:ext cx="3455640" cy="1223640"/>
+            <a:ext cx="3455280" cy="1223280"/>
           </a:xfrm>
           <a:prstGeom prst="rect">
             <a:avLst/>
@@ -10451,8 +10702,8 @@
         </p:blipFill>
         <p:spPr>
           <a:xfrm rot="30000">
-            <a:off x="393480" y="3745440"/>
-            <a:ext cx="6668280" cy="2630160"/>
+            <a:off x="393120" y="3745080"/>
+            <a:ext cx="6667920" cy="2629800"/>
           </a:xfrm>
           <a:prstGeom prst="rect">
             <a:avLst/>
@@ -10471,7 +10722,7 @@
         <p:spPr>
           <a:xfrm>
             <a:off x="933480" y="6372000"/>
-            <a:ext cx="5588640" cy="372960"/>
+            <a:ext cx="5588280" cy="372600"/>
           </a:xfrm>
           <a:prstGeom prst="rect">
             <a:avLst/>
@@ -10503,7 +10754,7 @@
                 <a:latin typeface="Arial"/>
                 <a:ea typeface="DejaVu Sans"/>
               </a:rPr>
-              <a:t>Figure 15.Sliced mesh view for the flow pass in a cylinder problem in 3D with the adaptive mesh</a:t>
+              <a:t>Figure 15.Sliced mesh view for the flow pass in a cylinder problem in 3D with the adaptive mesh.</a:t>
             </a:r>
             <a:endParaRPr b="0" lang="en-GB" sz="1000" spc="-1" strike="noStrike">
               <a:latin typeface="Arial"/>
